--- a/lci_esophagectomy.pptx
+++ b/lci_esophagectomy.pptx
@@ -4297,14 +4297,14 @@
             <a:pPr lvl="0"/>
             <a:r>
               <a:rPr/>
-              <a:t>Some leaks will seal on their own</a:t>
-            </a:r>
-          </a:p>
-          <a:p>
-            <a:pPr lvl="0"/>
-            <a:r>
-              <a:rPr/>
-              <a:t>A stent may be required to help healing</a:t>
+              <a:t>Some leaks will seal</a:t>
+            </a:r>
+          </a:p>
+          <a:p>
+            <a:pPr lvl="0"/>
+            <a:r>
+              <a:rPr/>
+              <a:t>Stent may be required to help healing</a:t>
             </a:r>
           </a:p>
           <a:p>
@@ -4432,7 +4432,7 @@
             <a:pPr lvl="0"/>
             <a:r>
               <a:rPr/>
-              <a:t>Overall nutritional status of patient</a:t>
+              <a:t>Nutritional status of patient</a:t>
             </a:r>
           </a:p>
           <a:p>
@@ -4541,21 +4541,24 @@
           <a:bodyPr/>
           <a:lstStyle/>
           <a:p>
-            <a:pPr lvl="0" indent="0" marL="0">
-              <a:buNone/>
-            </a:pPr>
-            <a:r>
-              <a:rPr/>
-              <a:t>Can occur in 10-15% of patients after esophagectomy.</a:t>
-            </a:r>
-          </a:p>
-          <a:p>
-            <a:pPr lvl="0" indent="0" marL="0">
-              <a:buNone/>
-            </a:pPr>
-            <a:r>
-              <a:rPr/>
-              <a:t>Requires treatment with antibiotics and frequently requires a longer hospitalization.</a:t>
+            <a:pPr lvl="0"/>
+            <a:r>
+              <a:rPr/>
+              <a:t>Occurs in 10-15% of patients after esophagectomy.</a:t>
+            </a:r>
+          </a:p>
+          <a:p>
+            <a:pPr lvl="0"/>
+            <a:r>
+              <a:rPr/>
+              <a:t>Requires treatment with antibiotics</a:t>
+            </a:r>
+          </a:p>
+          <a:p>
+            <a:pPr lvl="0"/>
+            <a:r>
+              <a:rPr/>
+              <a:t>Requires a longer hospitalization.</a:t>
             </a:r>
           </a:p>
         </p:txBody>
@@ -4790,21 +4793,21 @@
             <a:pPr lvl="0"/>
             <a:r>
               <a:rPr/>
-              <a:t>Superficial Tumors (T1) not completely removed by endoscopy</a:t>
-            </a:r>
-          </a:p>
-          <a:p>
-            <a:pPr lvl="0"/>
-            <a:r>
-              <a:rPr/>
-              <a:t>Localized Tumors (T2N0M0)</a:t>
-            </a:r>
-          </a:p>
-          <a:p>
-            <a:pPr lvl="0"/>
-            <a:r>
-              <a:rPr/>
-              <a:t>Locally Advanced (T3M0) after preoperative therapy.</a:t>
+              <a:t>Superficial Tumors (T1) not removed by endoscopy</a:t>
+            </a:r>
+          </a:p>
+          <a:p>
+            <a:pPr lvl="0"/>
+            <a:r>
+              <a:rPr/>
+              <a:t>Localized Tumors (T2 N0 M0)</a:t>
+            </a:r>
+          </a:p>
+          <a:p>
+            <a:pPr lvl="0"/>
+            <a:r>
+              <a:rPr/>
+              <a:t>Locally Advanced (T3 M0) after preop therapy</a:t>
             </a:r>
           </a:p>
         </p:txBody>
@@ -5567,7 +5570,14 @@
             <a:pPr lvl="0"/>
             <a:r>
               <a:rPr/>
-              <a:t>Medicines w/ a sip of water (or black coffee) but </a:t>
+              <a:t>Medicines OK w/ a sip of water</a:t>
+            </a:r>
+          </a:p>
+          <a:p>
+            <a:pPr lvl="0"/>
+            <a:r>
+              <a:rPr/>
+              <a:t>sip of black coffee but </a:t>
             </a:r>
             <a:r>
               <a:rPr b="1"/>
@@ -5590,13 +5600,6 @@
             <a:r>
               <a:rPr/>
               <a:t>Waiting room for family and friends on 5th floor</a:t>
-            </a:r>
-          </a:p>
-          <a:p>
-            <a:pPr lvl="0"/>
-            <a:r>
-              <a:rPr/>
-              <a:t>Post-operative care in STICU (11th floor)</a:t>
             </a:r>
           </a:p>
         </p:txBody>
@@ -5774,6 +5777,13 @@
             <a:pPr lvl="0"/>
             <a:r>
               <a:rPr/>
+              <a:t>Surgical ICU on 11th floor</a:t>
+            </a:r>
+          </a:p>
+          <a:p>
+            <a:pPr lvl="0"/>
+            <a:r>
+              <a:rPr/>
               <a:t>NG tube in nose to drain stomach and esophagus</a:t>
             </a:r>
           </a:p>
@@ -5884,7 +5894,7 @@
             <a:pPr lvl="0"/>
             <a:r>
               <a:rPr/>
-              <a:t>Chest tube removed (day 2-4) → follow-up chest x-ray</a:t>
+              <a:t>Chest tube removed (day 2-4) → follow-up x-ray</a:t>
             </a:r>
           </a:p>
           <a:p>
@@ -6344,7 +6354,7 @@
             <a:pPr lvl="0"/>
             <a:r>
               <a:rPr/>
-              <a:t>Feeding usually done at night</a:t>
+              <a:t>Feeding done at night</a:t>
             </a:r>
           </a:p>
         </p:txBody>
@@ -7369,14 +7379,7 @@
             <a:pPr lvl="0"/>
             <a:r>
               <a:rPr/>
-              <a:t>Removes tumor</a:t>
-            </a:r>
-          </a:p>
-          <a:p>
-            <a:pPr lvl="0"/>
-            <a:r>
-              <a:rPr/>
-              <a:t>Removes lower 1/3 of esophagus</a:t>
+              <a:t>Removes tumor and lower 1/3 esophagus</a:t>
             </a:r>
           </a:p>
           <a:p>
@@ -7390,7 +7393,7 @@
             <a:pPr lvl="0"/>
             <a:r>
               <a:rPr/>
-              <a:t>Reconstruction of GI tract</a:t>
+              <a:t>GI tract reconstructed</a:t>
             </a:r>
           </a:p>
         </p:txBody>
@@ -7620,75 +7623,93 @@
           </p:sp>
         </mc:Choice>
       </mc:AlternateContent>
-      <p:sp>
-        <p:nvSpPr>
-          <p:cNvPr id="3" name="Content Placeholder 2"/>
-          <p:cNvSpPr>
-            <a:spLocks noGrp="1"/>
-          </p:cNvSpPr>
-          <p:nvPr>
-            <p:ph idx="1"/>
-          </p:nvPr>
-        </p:nvSpPr>
-        <p:spPr/>
-        <p:txBody>
-          <a:bodyPr/>
-          <a:lstStyle/>
-          <a:p>
-            <a:pPr lvl="0" indent="0" marL="0">
-              <a:buNone/>
-            </a:pPr>
-            <a:r>
-              <a:rPr/>
-              <a:t>Dietitian will calculate daily protein goal</a:t>
-            </a:r>
-          </a:p>
-          <a:p>
-            <a:pPr lvl="0"/>
-            <a:r>
-              <a:rPr/>
-              <a:t>Typically 60-75 grams protein/day</a:t>
-            </a:r>
-          </a:p>
-          <a:p>
-            <a:pPr lvl="0"/>
-            <a:r>
-              <a:rPr/>
-              <a:t>Each carton of tube feeding has 15 grams</a:t>
-            </a:r>
-          </a:p>
-          <a:p>
-            <a:pPr lvl="1"/>
-            <a:r>
-              <a:rPr/>
-              <a:t>75 grams protein = 5 cartons/night</a:t>
-            </a:r>
-          </a:p>
-          <a:p>
-            <a:pPr lvl="0"/>
-            <a:r>
-              <a:rPr/>
-              <a:t>As intake by mouth increases, tube feeds are reduced</a:t>
-            </a:r>
-          </a:p>
-          <a:p>
-            <a:pPr lvl="0" indent="0" marL="0">
-              <a:buNone/>
-            </a:pPr>
-            <a:r>
-              <a:rPr/>
-              <a:t>Spread out protein during the day (20gm/meal)</a:t>
-            </a:r>
-          </a:p>
-          <a:p>
-            <a:pPr lvl="0"/>
-            <a:r>
-              <a:rPr/>
-              <a:t>Three meals + 2-3 high-protein snacks</a:t>
-            </a:r>
-          </a:p>
-        </p:txBody>
-      </p:sp>
+      <mc:AlternateContent xmlns:mc="http://schemas.openxmlformats.org/markup-compatibility/2006">
+        <mc:Choice xmlns:a14="http://schemas.microsoft.com/office/drawing/2010/main" Requires="a14">
+          <p:sp>
+            <p:nvSpPr>
+              <p:cNvPr id="3" name="Content Placeholder 2"/>
+              <p:cNvSpPr>
+                <a:spLocks noGrp="1"/>
+              </p:cNvSpPr>
+              <p:nvPr>
+                <p:ph idx="1"/>
+              </p:nvPr>
+            </p:nvSpPr>
+            <p:spPr/>
+            <p:txBody>
+              <a:bodyPr/>
+              <a:lstStyle/>
+              <a:p>
+                <a:pPr lvl="0" indent="0" marL="0">
+                  <a:buNone/>
+                </a:pPr>
+                <a:r>
+                  <a:rPr/>
+                  <a:t>Dietitian will calculate daily protein goal</a:t>
+                </a:r>
+              </a:p>
+              <a:p>
+                <a:pPr lvl="0"/>
+                <a:r>
+                  <a:rPr/>
+                  <a:t>Typically 60-75 grams protein/day</a:t>
+                </a:r>
+              </a:p>
+              <a:p>
+                <a:pPr lvl="0"/>
+                <a:r>
+                  <a:rPr/>
+                  <a:t>Each carton of tube feeding has 15 grams</a:t>
+                </a:r>
+              </a:p>
+              <a:p>
+                <a:pPr lvl="1"/>
+                <a:r>
+                  <a:rPr/>
+                  <a:t>75 grams protein = 5 cartons/night</a:t>
+                </a:r>
+              </a:p>
+              <a:p>
+                <a:pPr lvl="0"/>
+                <a:r>
+                  <a:rPr/>
+                  <a:t>More intake by mouth </a:t>
+                </a:r>
+                <a14:m>
+                  <m:oMath xmlns:m="http://schemas.openxmlformats.org/officeDocument/2006/math">
+                    <m:r>
+                      <m:rPr>
+                        <m:sty m:val="p"/>
+                      </m:rPr>
+                      <m:t>→</m:t>
+                    </m:r>
+                  </m:oMath>
+                </a14:m>
+                <a:r>
+                  <a:rPr/>
+                  <a:t> tube feeds reduced</a:t>
+                </a:r>
+              </a:p>
+              <a:p>
+                <a:pPr lvl="0" indent="0" marL="0">
+                  <a:buNone/>
+                </a:pPr>
+                <a:r>
+                  <a:rPr/>
+                  <a:t>Spread out protein during the day (20gm/meal)</a:t>
+                </a:r>
+              </a:p>
+              <a:p>
+                <a:pPr lvl="0"/>
+                <a:r>
+                  <a:rPr/>
+                  <a:t>Three meals + 2-3 high-protein snacks</a:t>
+                </a:r>
+              </a:p>
+            </p:txBody>
+          </p:sp>
+        </mc:Choice>
+      </mc:AlternateContent>
     </p:spTree>
   </p:cSld>
 </p:sld>
@@ -9774,7 +9795,7 @@
             </a:pPr>
             <a:r>
               <a:rPr/>
-              <a:t>The new esophagus is now brought up into the chest. A new connection is made between the esophagus and the stomach, called an </a:t>
+              <a:t>The new esophagus is now brought up into the chest. A connection is made between the esophagus and the stomach, called an </a:t>
             </a:r>
             <a:r>
               <a:rPr i="1"/>
@@ -10026,7 +10047,7 @@
             </a:pPr>
             <a:r>
               <a:rPr/>
-              <a:t>We use the mininally-invasive approach in 95% of cases</a:t>
+              <a:t>Mininally-invasive approach feasible in 95% of cases</a:t>
             </a:r>
           </a:p>
           <a:p>

--- a/lci_esophagectomy.pptx
+++ b/lci_esophagectomy.pptx
@@ -63,6 +63,7 @@
     <p:sldId id="311" r:id="rId57"/>
     <p:sldId id="312" r:id="rId58"/>
     <p:sldId id="313" r:id="rId59"/>
+    <p:sldId id="314" r:id="rId60"/>
   </p:sldIdLst>
   <p:sldSz cx="9144000" cy="5143500" type="screen16x9"/>
   <p:notesSz cx="6858000" cy="9144000"/>
@@ -9706,11 +9707,79 @@
               <a:t>Nothing to eat or drink after midnight</a:t>
             </a:r>
           </a:p>
-          <a:p>
-            <a:pPr lvl="0"/>
-            <a:r>
-              <a:rPr/>
-              <a:t>OK to take medicines with a sip of water or </a:t>
+        </p:txBody>
+      </p:sp>
+    </p:spTree>
+  </p:cSld>
+</p:sld>
+</file>
+
+<file path=ppt/slides/slide59.xml><?xml version="1.0" encoding="utf-8"?>
+<p:sld xmlns:a="http://schemas.openxmlformats.org/drawingml/2006/main" xmlns:r="http://schemas.openxmlformats.org/officeDocument/2006/relationships" xmlns:p="http://schemas.openxmlformats.org/presentationml/2006/main">
+  <p:cSld>
+    <p:spTree>
+      <p:nvGrpSpPr>
+        <p:cNvPr id="1" name=""/>
+        <p:cNvGrpSpPr/>
+        <p:nvPr/>
+      </p:nvGrpSpPr>
+      <p:grpSpPr>
+        <a:xfrm>
+          <a:off x="0" y="0"/>
+          <a:ext cx="0" cy="0"/>
+          <a:chOff x="0" y="0"/>
+          <a:chExt cx="0" cy="0"/>
+        </a:xfrm>
+      </p:grpSpPr>
+      <p:sp>
+        <p:nvSpPr>
+          <p:cNvPr id="2" name="Title 1"/>
+          <p:cNvSpPr>
+            <a:spLocks noGrp="1"/>
+          </p:cNvSpPr>
+          <p:nvPr>
+            <p:ph type="title"/>
+          </p:nvPr>
+        </p:nvSpPr>
+        <p:spPr>
+          <a:xfrm>
+            <a:off x="284309" y="205979"/>
+            <a:ext cx="8552330" cy="662317"/>
+          </a:xfrm>
+        </p:spPr>
+        <p:txBody>
+          <a:bodyPr/>
+          <a:lstStyle/>
+          <a:p>
+            <a:pPr lvl="0" indent="0" marL="0">
+              <a:buNone/>
+            </a:pPr>
+            <a:r>
+              <a:rPr/>
+              <a:t>Medicines the Day of Surgery</a:t>
+            </a:r>
+          </a:p>
+        </p:txBody>
+      </p:sp>
+      <p:sp>
+        <p:nvSpPr>
+          <p:cNvPr id="3" name="Content Placeholder 2"/>
+          <p:cNvSpPr>
+            <a:spLocks noGrp="1"/>
+          </p:cNvSpPr>
+          <p:nvPr>
+            <p:ph idx="1"/>
+          </p:nvPr>
+        </p:nvSpPr>
+        <p:spPr/>
+        <p:txBody>
+          <a:bodyPr/>
+          <a:lstStyle/>
+          <a:p>
+            <a:pPr lvl="0"/>
+            <a:r>
+              <a:rPr/>
+              <a:t>Medicines with a sip of water or </a:t>
             </a:r>
             <a:r>
               <a:rPr i="1"/>
@@ -9719,6 +9788,20 @@
             <a:r>
               <a:rPr/>
               <a:t> coffee</a:t>
+            </a:r>
+          </a:p>
+          <a:p>
+            <a:pPr lvl="0"/>
+            <a:r>
+              <a:rPr/>
+              <a:t>No milk or cream</a:t>
+            </a:r>
+          </a:p>
+          <a:p>
+            <a:pPr lvl="0"/>
+            <a:r>
+              <a:rPr/>
+              <a:t>Surgery wil be cancelled for milk/cream</a:t>
             </a:r>
           </a:p>
         </p:txBody>

--- a/lci_esophagectomy.pptx
+++ b/lci_esophagectomy.pptx
@@ -9801,7 +9801,7 @@
             <a:pPr lvl="0"/>
             <a:r>
               <a:rPr/>
-              <a:t>Surgery wil be cancelled for milk/cream</a:t>
+              <a:t>Surgery will be cancelled for milk/cream</a:t>
             </a:r>
           </a:p>
         </p:txBody>

--- a/lci_esophagectomy.pptx
+++ b/lci_esophagectomy.pptx
@@ -5755,7 +5755,7 @@
             </a:pPr>
             <a:r>
               <a:rPr/>
-              <a:t>ICU Stay (2-4 days)</a:t>
+              <a:t>Intensive Care Unit (ICU) (2-4 days)</a:t>
             </a:r>
           </a:p>
         </p:txBody>
@@ -5865,7 +5865,7 @@
             </a:pPr>
             <a:r>
               <a:rPr/>
-              <a:t>ICU</a:t>
+              <a:t>Intensive Care Unit (ICU)</a:t>
             </a:r>
           </a:p>
         </p:txBody>
@@ -6770,7 +6770,7 @@
             </a:pPr>
             <a:r>
               <a:rPr/>
-              <a:t>Activity</a:t>
+              <a:t>Activity after Surgery</a:t>
             </a:r>
           </a:p>
         </p:txBody>
@@ -7130,7 +7130,7 @@
             </a:pPr>
             <a:r>
               <a:rPr/>
-              <a:t>Protein Shakes</a:t>
+              <a:t>Oral Intake at Home</a:t>
             </a:r>
           </a:p>
         </p:txBody>
@@ -8453,7 +8453,7 @@
             </a:pPr>
             <a:r>
               <a:rPr/>
-              <a:t>Sleeping</a:t>
+              <a:t>Sleeping at Home</a:t>
             </a:r>
           </a:p>
         </p:txBody>
@@ -8578,7 +8578,7 @@
             </a:pPr>
             <a:r>
               <a:rPr/>
-              <a:t>Postoperative Visit</a:t>
+              <a:t>Postoperative Visit at 7-10 Days</a:t>
             </a:r>
           </a:p>
         </p:txBody>
@@ -9497,16 +9497,7 @@
             </a:pPr>
             <a:r>
               <a:rPr/>
-              <a:t>Nurses - Brandon Galloway &amp; Kit Sluder &amp; Rebecca Wicks</a:t>
-            </a:r>
-          </a:p>
-          <a:p>
-            <a:pPr lvl="0" indent="0" marL="0">
-              <a:buNone/>
-            </a:pPr>
-            <a:r>
-              <a:rPr/>
-              <a:t>Schedulers - Stacey Singleton &amp; Tony Bethea</a:t>
+              <a:t>Nurses - Brandon Galloway - Kit Sluder - Sarah Ezell - Rebecca Wicks</a:t>
             </a:r>
           </a:p>
           <a:p>

--- a/lci_esophagectomy.pptx
+++ b/lci_esophagectomy.pptx
@@ -3276,8 +3276,8 @@
         <a:spcBef>
           <a:spcPct val="20000"/>
         </a:spcBef>
-        <a:buFont typeface="Arial"/>
-        <a:buChar char="–"/>
+        <a:buFont charset="0" panose="020B0604020202020204" pitchFamily="34" typeface="Arial"/>
+        <a:buChar char="•"/>
         <a:defRPr baseline="0" kern="1200" sz="2400">
           <a:solidFill>
             <a:schemeClr val="tx1"/>

--- a/lci_esophagectomy.pptx
+++ b/lci_esophagectomy.pptx
@@ -9497,7 +9497,21 @@
             </a:pPr>
             <a:r>
               <a:rPr/>
-              <a:t>Nurses - Brandon Galloway - Kit Sluder - Sarah Ezell - Rebecca Wicks</a:t>
+              <a:t>Nurses</a:t>
+            </a:r>
+          </a:p>
+          <a:p>
+            <a:pPr lvl="0"/>
+            <a:r>
+              <a:rPr/>
+              <a:t>Brandon Galloway</a:t>
+            </a:r>
+          </a:p>
+          <a:p>
+            <a:pPr lvl="0"/>
+            <a:r>
+              <a:rPr/>
+              <a:t>Rebecca Wicks</a:t>
             </a:r>
           </a:p>
           <a:p>

--- a/lci_esophagectomy.pptx
+++ b/lci_esophagectomy.pptx
@@ -62,8 +62,6 @@
     <p:sldId id="310" r:id="rId56"/>
     <p:sldId id="311" r:id="rId57"/>
     <p:sldId id="312" r:id="rId58"/>
-    <p:sldId id="313" r:id="rId59"/>
-    <p:sldId id="314" r:id="rId60"/>
   </p:sldIdLst>
   <p:sldSz cx="9144000" cy="5143500" type="screen16x9"/>
   <p:notesSz cx="6858000" cy="9144000"/>
@@ -3637,7 +3635,7 @@
       </p:sp>
       <p:pic>
         <p:nvPicPr>
-          <p:cNvPr descr="https://deidt7p41jzcy.cloudfront.net/Eso_ResectionTotalArtboard.png" id="0" name="Picture 1"/>
+          <p:cNvPr descr="images/Eso_ResectionTotalArtboard.png" id="0" name="Picture 1"/>
           <p:cNvPicPr>
             <a:picLocks noGrp="1" noChangeAspect="1"/>
           </p:cNvPicPr>
@@ -3667,7 +3665,7 @@
       </p:pic>
       <p:pic>
         <p:nvPicPr>
-          <p:cNvPr descr="https://deidt7p41jzcy.cloudfront.net/Eso_MIE_McKeownArtboard.png" id="0" name="Picture 1"/>
+          <p:cNvPr descr="images/Eso_MIE_McKeownArtboard.png" id="0" name="Picture 1"/>
           <p:cNvPicPr>
             <a:picLocks noGrp="1" noChangeAspect="1"/>
           </p:cNvPicPr>
@@ -3729,20 +3727,20 @@
         </p:nvSpPr>
         <p:spPr>
           <a:xfrm>
-            <a:off x="315045" y="205979"/>
-            <a:ext cx="8529278" cy="857250"/>
-          </a:xfrm>
-        </p:spPr>
-        <p:txBody>
-          <a:bodyPr/>
-          <a:lstStyle/>
-          <a:p>
-            <a:pPr lvl="0" indent="0" marL="0">
-              <a:buNone/>
-            </a:pPr>
-            <a:r>
-              <a:rPr/>
-              <a:t>Colon Interposition</a:t>
+            <a:off x="284309" y="205979"/>
+            <a:ext cx="8552330" cy="662317"/>
+          </a:xfrm>
+        </p:spPr>
+        <p:txBody>
+          <a:bodyPr/>
+          <a:lstStyle/>
+          <a:p>
+            <a:pPr lvl="0" indent="0" marL="0">
+              <a:buNone/>
+            </a:pPr>
+            <a:r>
+              <a:rPr/>
+              <a:t>Risks of Esophagectomy</a:t>
             </a:r>
           </a:p>
         </p:txBody>
@@ -3754,7 +3752,7 @@
             <a:spLocks noGrp="1"/>
           </p:cNvSpPr>
           <p:nvPr>
-            <p:ph idx="1" sz="half"/>
+            <p:ph idx="1"/>
           </p:nvPr>
         </p:nvSpPr>
         <p:spPr/>
@@ -3767,41 +3765,34 @@
             </a:pPr>
             <a:r>
               <a:rPr/>
-              <a:t>If the stomach is not suitable to make a new esophagus, the colon can be used to replace the esophagus</a:t>
-            </a:r>
-          </a:p>
-        </p:txBody>
-      </p:sp>
-      <p:pic>
-        <p:nvPicPr>
-          <p:cNvPr descr="https://deidt7p41jzcy.cloudfront.net/colon-interposition2.jpg" id="0" name="Picture 1"/>
-          <p:cNvPicPr>
-            <a:picLocks noGrp="1" noChangeAspect="1"/>
-          </p:cNvPicPr>
-          <p:nvPr/>
-        </p:nvPicPr>
-        <p:blipFill>
-          <a:blip r:embed="rId2"/>
-          <a:stretch>
-            <a:fillRect/>
-          </a:stretch>
-        </p:blipFill>
-        <p:spPr bwMode="auto">
-          <a:xfrm>
-            <a:off x="5041900" y="1193800"/>
-            <a:ext cx="3378200" cy="3733800"/>
-          </a:xfrm>
-          <a:prstGeom prst="rect">
-            <a:avLst/>
-          </a:prstGeom>
-          <a:noFill/>
-          <a:ln w="9525">
-            <a:noFill/>
-            <a:headEnd/>
-            <a:tailEnd/>
-          </a:ln>
-        </p:spPr>
-      </p:pic>
+              <a:t>Esophagectomy is a complex operation, with a real risk of complications.</a:t>
+            </a:r>
+          </a:p>
+          <a:p>
+            <a:pPr lvl="0" indent="0" marL="0">
+              <a:buNone/>
+            </a:pPr>
+            <a:r>
+              <a:rPr/>
+              <a:t>Two significant complications:</a:t>
+            </a:r>
+          </a:p>
+          <a:p>
+            <a:pPr lvl="0"/>
+            <a:r>
+              <a:rPr/>
+              <a:t>Anastomotic leak</a:t>
+            </a:r>
+          </a:p>
+          <a:p>
+            <a:pPr lvl="0"/>
+            <a:r>
+              <a:rPr/>
+              <a:t>Pneumonia</a:t>
+            </a:r>
+          </a:p>
+        </p:txBody>
+      </p:sp>
     </p:spTree>
   </p:cSld>
 </p:sld>
@@ -3836,27 +3827,52 @@
         </p:nvSpPr>
         <p:spPr>
           <a:xfrm>
-            <a:off x="284309" y="205979"/>
-            <a:ext cx="8552330" cy="662317"/>
-          </a:xfrm>
-        </p:spPr>
-        <p:txBody>
-          <a:bodyPr/>
-          <a:lstStyle/>
-          <a:p>
-            <a:pPr lvl="0" indent="0" marL="0">
-              <a:buNone/>
-            </a:pPr>
-            <a:r>
-              <a:rPr/>
-              <a:t>Colon Interposition</a:t>
+            <a:off x="315045" y="205979"/>
+            <a:ext cx="8529278" cy="857250"/>
+          </a:xfrm>
+        </p:spPr>
+        <p:txBody>
+          <a:bodyPr/>
+          <a:lstStyle/>
+          <a:p>
+            <a:pPr lvl="0" indent="0" marL="0">
+              <a:buNone/>
+            </a:pPr>
+            <a:r>
+              <a:rPr/>
+              <a:t>Anastomotic Leak</a:t>
+            </a:r>
+          </a:p>
+        </p:txBody>
+      </p:sp>
+      <p:sp>
+        <p:nvSpPr>
+          <p:cNvPr id="3" name="Content Placeholder 2"/>
+          <p:cNvSpPr>
+            <a:spLocks noGrp="1"/>
+          </p:cNvSpPr>
+          <p:nvPr>
+            <p:ph idx="1" sz="half"/>
+          </p:nvPr>
+        </p:nvSpPr>
+        <p:spPr/>
+        <p:txBody>
+          <a:bodyPr/>
+          <a:lstStyle/>
+          <a:p>
+            <a:pPr lvl="0" indent="0" marL="0">
+              <a:buNone/>
+            </a:pPr>
+            <a:r>
+              <a:rPr/>
+              <a:t>The anastomosis is surgical connection between the esophagus and the stomach.</a:t>
             </a:r>
           </a:p>
         </p:txBody>
       </p:sp>
       <p:pic>
         <p:nvPicPr>
-          <p:cNvPr descr="https://deidt7p41jzcy.cloudfront.net/colon_interposition_elseiver.jpg" id="0" name="Picture 1"/>
+          <p:cNvPr descr="images/Eso_IvorLewis_Anastomosis.png" id="0" name="Picture 1"/>
           <p:cNvPicPr>
             <a:picLocks noGrp="1" noChangeAspect="1"/>
           </p:cNvPicPr>
@@ -3870,8 +3886,8 @@
         </p:blipFill>
         <p:spPr bwMode="auto">
           <a:xfrm>
-            <a:off x="1866900" y="952500"/>
-            <a:ext cx="5359400" cy="3975100"/>
+            <a:off x="4914900" y="1193800"/>
+            <a:ext cx="3632200" cy="3733800"/>
           </a:xfrm>
           <a:prstGeom prst="rect">
             <a:avLst/>
@@ -3918,20 +3934,20 @@
         </p:nvSpPr>
         <p:spPr>
           <a:xfrm>
-            <a:off x="284309" y="205979"/>
-            <a:ext cx="8552330" cy="662317"/>
-          </a:xfrm>
-        </p:spPr>
-        <p:txBody>
-          <a:bodyPr/>
-          <a:lstStyle/>
-          <a:p>
-            <a:pPr lvl="0" indent="0" marL="0">
-              <a:buNone/>
-            </a:pPr>
-            <a:r>
-              <a:rPr/>
-              <a:t>Risks of Esophagectomy</a:t>
+            <a:off x="315045" y="205979"/>
+            <a:ext cx="8529278" cy="857250"/>
+          </a:xfrm>
+        </p:spPr>
+        <p:txBody>
+          <a:bodyPr/>
+          <a:lstStyle/>
+          <a:p>
+            <a:pPr lvl="0" indent="0" marL="0">
+              <a:buNone/>
+            </a:pPr>
+            <a:r>
+              <a:rPr/>
+              <a:t>Anastomotic Leak</a:t>
             </a:r>
           </a:p>
         </p:txBody>
@@ -3943,7 +3959,7 @@
             <a:spLocks noGrp="1"/>
           </p:cNvSpPr>
           <p:nvPr>
-            <p:ph idx="1"/>
+            <p:ph idx="1" sz="half"/>
           </p:nvPr>
         </p:nvSpPr>
         <p:spPr/>
@@ -3956,34 +3972,62 @@
             </a:pPr>
             <a:r>
               <a:rPr/>
-              <a:t>Esophagectomy is a complex operation, with a real risk of complications.</a:t>
-            </a:r>
-          </a:p>
-          <a:p>
-            <a:pPr lvl="0" indent="0" marL="0">
-              <a:buNone/>
-            </a:pPr>
-            <a:r>
-              <a:rPr/>
-              <a:t>Two significant complications:</a:t>
-            </a:r>
-          </a:p>
-          <a:p>
-            <a:pPr lvl="0"/>
-            <a:r>
-              <a:rPr/>
-              <a:t>Anastomotic leak</a:t>
-            </a:r>
-          </a:p>
-          <a:p>
-            <a:pPr lvl="0"/>
-            <a:r>
-              <a:rPr/>
-              <a:t>Pneumonia</a:t>
-            </a:r>
-          </a:p>
-        </p:txBody>
-      </p:sp>
+              <a:t>If healing doesn’t occur:</a:t>
+            </a:r>
+          </a:p>
+          <a:p>
+            <a:pPr lvl="0"/>
+            <a:r>
+              <a:rPr/>
+              <a:t>Leakage of fluid from the esophagus</a:t>
+            </a:r>
+          </a:p>
+          <a:p>
+            <a:pPr lvl="0"/>
+            <a:r>
+              <a:rPr/>
+              <a:t>Infection in the space between the lungs</a:t>
+            </a:r>
+          </a:p>
+          <a:p>
+            <a:pPr lvl="0"/>
+            <a:r>
+              <a:rPr/>
+              <a:t>Requires additional time in the hospital</a:t>
+            </a:r>
+          </a:p>
+        </p:txBody>
+      </p:sp>
+      <p:pic>
+        <p:nvPicPr>
+          <p:cNvPr descr="images/Eso_IvorLewis_Leak.png" id="0" name="Picture 1"/>
+          <p:cNvPicPr>
+            <a:picLocks noGrp="1" noChangeAspect="1"/>
+          </p:cNvPicPr>
+          <p:nvPr/>
+        </p:nvPicPr>
+        <p:blipFill>
+          <a:blip r:embed="rId2"/>
+          <a:stretch>
+            <a:fillRect/>
+          </a:stretch>
+        </p:blipFill>
+        <p:spPr bwMode="auto">
+          <a:xfrm>
+            <a:off x="4914900" y="1193800"/>
+            <a:ext cx="3632200" cy="3733800"/>
+          </a:xfrm>
+          <a:prstGeom prst="rect">
+            <a:avLst/>
+          </a:prstGeom>
+          <a:noFill/>
+          <a:ln w="9525">
+            <a:noFill/>
+            <a:headEnd/>
+            <a:tailEnd/>
+          </a:ln>
+        </p:spPr>
+      </p:pic>
     </p:spTree>
   </p:cSld>
 </p:sld>
@@ -4056,14 +4100,35 @@
             </a:pPr>
             <a:r>
               <a:rPr/>
-              <a:t>The anastomosis is surgical connection between the esophagus and the stomach.</a:t>
+              <a:t>If leak occurs:</a:t>
+            </a:r>
+          </a:p>
+          <a:p>
+            <a:pPr lvl="0"/>
+            <a:r>
+              <a:rPr/>
+              <a:t>Some leaks will seal</a:t>
+            </a:r>
+          </a:p>
+          <a:p>
+            <a:pPr lvl="0"/>
+            <a:r>
+              <a:rPr/>
+              <a:t>Stent may be required to help healing</a:t>
+            </a:r>
+          </a:p>
+          <a:p>
+            <a:pPr lvl="0"/>
+            <a:r>
+              <a:rPr/>
+              <a:t>Occasionally additional surgey is required</a:t>
             </a:r>
           </a:p>
         </p:txBody>
       </p:sp>
       <p:pic>
         <p:nvPicPr>
-          <p:cNvPr descr="https://deidt7p41jzcy.cloudfront.net/Eso_IvorLewis_Anastomosis.png" id="0" name="Picture 1"/>
+          <p:cNvPr descr="images/Eso_IvorLewis_Leak.png" id="0" name="Picture 1"/>
           <p:cNvPicPr>
             <a:picLocks noGrp="1" noChangeAspect="1"/>
           </p:cNvPicPr>
@@ -4163,35 +4228,35 @@
             </a:pPr>
             <a:r>
               <a:rPr/>
-              <a:t>If healing doesn’t occur:</a:t>
-            </a:r>
-          </a:p>
-          <a:p>
-            <a:pPr lvl="0"/>
-            <a:r>
-              <a:rPr/>
-              <a:t>Leakage of fluid from the esophagus</a:t>
-            </a:r>
-          </a:p>
-          <a:p>
-            <a:pPr lvl="0"/>
-            <a:r>
-              <a:rPr/>
-              <a:t>Infection in the space between the lungs</a:t>
-            </a:r>
-          </a:p>
-          <a:p>
-            <a:pPr lvl="0"/>
-            <a:r>
-              <a:rPr/>
-              <a:t>Requires additional time in the hospital</a:t>
+              <a:t>Risk of leak depends on:</a:t>
+            </a:r>
+          </a:p>
+          <a:p>
+            <a:pPr lvl="0"/>
+            <a:r>
+              <a:rPr/>
+              <a:t>Type of operation performed</a:t>
+            </a:r>
+          </a:p>
+          <a:p>
+            <a:pPr lvl="0"/>
+            <a:r>
+              <a:rPr/>
+              <a:t>Nutritional status of patient</a:t>
+            </a:r>
+          </a:p>
+          <a:p>
+            <a:pPr lvl="0"/>
+            <a:r>
+              <a:rPr/>
+              <a:t>Experience of the surgeon</a:t>
             </a:r>
           </a:p>
         </p:txBody>
       </p:sp>
       <p:pic>
         <p:nvPicPr>
-          <p:cNvPr descr="https://deidt7p41jzcy.cloudfront.net/Eso_IvorLewis_Leak.png" id="0" name="Picture 1"/>
+          <p:cNvPr descr="images/Eso_IvorLewis_Leak.png" id="0" name="Picture 1"/>
           <p:cNvPicPr>
             <a:picLocks noGrp="1" noChangeAspect="1"/>
           </p:cNvPicPr>
@@ -4266,7 +4331,7 @@
             </a:pPr>
             <a:r>
               <a:rPr/>
-              <a:t>Anastomotic Leak</a:t>
+              <a:t>Pneumonia</a:t>
             </a:r>
           </a:p>
         </p:txBody>
@@ -4286,40 +4351,31 @@
           <a:bodyPr/>
           <a:lstStyle/>
           <a:p>
-            <a:pPr lvl="0" indent="0" marL="0">
-              <a:buNone/>
-            </a:pPr>
-            <a:r>
-              <a:rPr/>
-              <a:t>If leak occurs:</a:t>
-            </a:r>
-          </a:p>
-          <a:p>
-            <a:pPr lvl="0"/>
-            <a:r>
-              <a:rPr/>
-              <a:t>Some leaks will seal</a:t>
-            </a:r>
-          </a:p>
-          <a:p>
-            <a:pPr lvl="0"/>
-            <a:r>
-              <a:rPr/>
-              <a:t>Stent may be required to help healing</a:t>
-            </a:r>
-          </a:p>
-          <a:p>
-            <a:pPr lvl="0"/>
-            <a:r>
-              <a:rPr/>
-              <a:t>Occasionally additional surgey is required</a:t>
+            <a:pPr lvl="0"/>
+            <a:r>
+              <a:rPr/>
+              <a:t>Occurs in 10-15% of patients after esophagectomy.</a:t>
+            </a:r>
+          </a:p>
+          <a:p>
+            <a:pPr lvl="0"/>
+            <a:r>
+              <a:rPr/>
+              <a:t>Requires treatment with antibiotics</a:t>
+            </a:r>
+          </a:p>
+          <a:p>
+            <a:pPr lvl="0"/>
+            <a:r>
+              <a:rPr/>
+              <a:t>Requires a longer hospitalization.</a:t>
             </a:r>
           </a:p>
         </p:txBody>
       </p:sp>
       <p:pic>
         <p:nvPicPr>
-          <p:cNvPr descr="https://deidt7p41jzcy.cloudfront.net/Eso_IvorLewis_Leak.png" id="0" name="Picture 1"/>
+          <p:cNvPr descr="images/Eso_LungsArtboard.png" id="0" name="Picture 1"/>
           <p:cNvPicPr>
             <a:picLocks noGrp="1" noChangeAspect="1"/>
           </p:cNvPicPr>
@@ -4381,20 +4437,20 @@
         </p:nvSpPr>
         <p:spPr>
           <a:xfrm>
-            <a:off x="315045" y="205979"/>
-            <a:ext cx="8529278" cy="857250"/>
-          </a:xfrm>
-        </p:spPr>
-        <p:txBody>
-          <a:bodyPr/>
-          <a:lstStyle/>
-          <a:p>
-            <a:pPr lvl="0" indent="0" marL="0">
-              <a:buNone/>
-            </a:pPr>
-            <a:r>
-              <a:rPr/>
-              <a:t>Anastomotic Leak</a:t>
+            <a:off x="284309" y="205979"/>
+            <a:ext cx="8552330" cy="662317"/>
+          </a:xfrm>
+        </p:spPr>
+        <p:txBody>
+          <a:bodyPr/>
+          <a:lstStyle/>
+          <a:p>
+            <a:pPr lvl="0" indent="0" marL="0">
+              <a:buNone/>
+            </a:pPr>
+            <a:r>
+              <a:rPr/>
+              <a:t>Preventing Pneumonia</a:t>
             </a:r>
           </a:p>
         </p:txBody>
@@ -4406,7 +4462,7 @@
             <a:spLocks noGrp="1"/>
           </p:cNvSpPr>
           <p:nvPr>
-            <p:ph idx="1" sz="half"/>
+            <p:ph idx="1"/>
           </p:nvPr>
         </p:nvSpPr>
         <p:spPr/>
@@ -4419,62 +4475,55 @@
             </a:pPr>
             <a:r>
               <a:rPr/>
-              <a:t>Risk of leak depends on:</a:t>
-            </a:r>
-          </a:p>
-          <a:p>
-            <a:pPr lvl="0"/>
-            <a:r>
-              <a:rPr/>
-              <a:t>Type of operation performed</a:t>
-            </a:r>
-          </a:p>
-          <a:p>
-            <a:pPr lvl="0"/>
-            <a:r>
-              <a:rPr/>
-              <a:t>Nutritional status of patient</a:t>
-            </a:r>
-          </a:p>
-          <a:p>
-            <a:pPr lvl="0"/>
-            <a:r>
-              <a:rPr/>
-              <a:t>Experience of the surgeon</a:t>
-            </a:r>
-          </a:p>
-        </p:txBody>
-      </p:sp>
-      <p:pic>
-        <p:nvPicPr>
-          <p:cNvPr descr="https://deidt7p41jzcy.cloudfront.net/Eso_IvorLewis_Leak.png" id="0" name="Picture 1"/>
-          <p:cNvPicPr>
-            <a:picLocks noGrp="1" noChangeAspect="1"/>
-          </p:cNvPicPr>
-          <p:nvPr/>
-        </p:nvPicPr>
-        <p:blipFill>
-          <a:blip r:embed="rId2"/>
-          <a:stretch>
-            <a:fillRect/>
-          </a:stretch>
-        </p:blipFill>
-        <p:spPr bwMode="auto">
-          <a:xfrm>
-            <a:off x="4914900" y="1193800"/>
-            <a:ext cx="3632200" cy="3733800"/>
-          </a:xfrm>
-          <a:prstGeom prst="rect">
-            <a:avLst/>
-          </a:prstGeom>
-          <a:noFill/>
-          <a:ln w="9525">
-            <a:noFill/>
-            <a:headEnd/>
-            <a:tailEnd/>
-          </a:ln>
-        </p:spPr>
-      </p:pic>
+              <a:t>Several ways to help prevent pneumonia:</a:t>
+            </a:r>
+          </a:p>
+          <a:p>
+            <a:pPr lvl="0"/>
+            <a:r>
+              <a:rPr/>
+              <a:t>Deep breathing</a:t>
+            </a:r>
+          </a:p>
+          <a:p>
+            <a:pPr lvl="0"/>
+            <a:r>
+              <a:rPr/>
+              <a:t>Coughing</a:t>
+            </a:r>
+          </a:p>
+          <a:p>
+            <a:pPr lvl="0"/>
+            <a:r>
+              <a:rPr/>
+              <a:t>Walking</a:t>
+            </a:r>
+          </a:p>
+          <a:p>
+            <a:pPr lvl="0" indent="0" marL="0">
+              <a:buNone/>
+            </a:pPr>
+            <a:r>
+              <a:rPr/>
+              <a:t>After surgery, this means:</a:t>
+            </a:r>
+          </a:p>
+          <a:p>
+            <a:pPr lvl="0"/>
+            <a:r>
+              <a:rPr/>
+              <a:t>Sitting in a chair most of the day</a:t>
+            </a:r>
+          </a:p>
+          <a:p>
+            <a:pPr lvl="0"/>
+            <a:r>
+              <a:rPr/>
+              <a:t>Walking in the halls as soon as possible</a:t>
+            </a:r>
+          </a:p>
+        </p:txBody>
+      </p:sp>
     </p:spTree>
   </p:cSld>
 </p:sld>
@@ -4522,51 +4571,14 @@
             </a:pPr>
             <a:r>
               <a:rPr/>
-              <a:t>Pneumonia</a:t>
-            </a:r>
-          </a:p>
-        </p:txBody>
-      </p:sp>
-      <p:sp>
-        <p:nvSpPr>
-          <p:cNvPr id="3" name="Content Placeholder 2"/>
-          <p:cNvSpPr>
-            <a:spLocks noGrp="1"/>
-          </p:cNvSpPr>
-          <p:nvPr>
-            <p:ph idx="1" sz="half"/>
-          </p:nvPr>
-        </p:nvSpPr>
-        <p:spPr/>
-        <p:txBody>
-          <a:bodyPr/>
-          <a:lstStyle/>
-          <a:p>
-            <a:pPr lvl="0"/>
-            <a:r>
-              <a:rPr/>
-              <a:t>Occurs in 10-15% of patients after esophagectomy.</a:t>
-            </a:r>
-          </a:p>
-          <a:p>
-            <a:pPr lvl="0"/>
-            <a:r>
-              <a:rPr/>
-              <a:t>Requires treatment with antibiotics</a:t>
-            </a:r>
-          </a:p>
-          <a:p>
-            <a:pPr lvl="0"/>
-            <a:r>
-              <a:rPr/>
-              <a:t>Requires a longer hospitalization.</a:t>
+              <a:t>Minimally-invasive Esophagectomy</a:t>
             </a:r>
           </a:p>
         </p:txBody>
       </p:sp>
       <p:pic>
         <p:nvPicPr>
-          <p:cNvPr descr="https://deidt7p41jzcy.cloudfront.net/Eso_LungsArtboard.png" id="0" name="Picture 1"/>
+          <p:cNvPr descr="images/mie_abd.png" id="0" name="Picture 1"/>
           <p:cNvPicPr>
             <a:picLocks noGrp="1" noChangeAspect="1"/>
           </p:cNvPicPr>
@@ -4580,8 +4592,38 @@
         </p:blipFill>
         <p:spPr bwMode="auto">
           <a:xfrm>
-            <a:off x="4914900" y="1193800"/>
-            <a:ext cx="3632200" cy="3733800"/>
+            <a:off x="304800" y="1498600"/>
+            <a:ext cx="4178300" cy="3136900"/>
+          </a:xfrm>
+          <a:prstGeom prst="rect">
+            <a:avLst/>
+          </a:prstGeom>
+          <a:noFill/>
+          <a:ln w="9525">
+            <a:noFill/>
+            <a:headEnd/>
+            <a:tailEnd/>
+          </a:ln>
+        </p:spPr>
+      </p:pic>
+      <p:pic>
+        <p:nvPicPr>
+          <p:cNvPr descr="images/mie_chest.png" id="0" name="Picture 1"/>
+          <p:cNvPicPr>
+            <a:picLocks noGrp="1" noChangeAspect="1"/>
+          </p:cNvPicPr>
+          <p:nvPr/>
+        </p:nvPicPr>
+        <p:blipFill>
+          <a:blip r:embed="rId3"/>
+          <a:stretch>
+            <a:fillRect/>
+          </a:stretch>
+        </p:blipFill>
+        <p:spPr bwMode="auto">
+          <a:xfrm>
+            <a:off x="4635500" y="1485900"/>
+            <a:ext cx="4191000" cy="3149600"/>
           </a:xfrm>
           <a:prstGeom prst="rect">
             <a:avLst/>
@@ -4641,7 +4683,7 @@
             </a:pPr>
             <a:r>
               <a:rPr/>
-              <a:t>Preventing Pneumonia</a:t>
+              <a:t>Risks of Surgery</a:t>
             </a:r>
           </a:p>
         </p:txBody>
@@ -4666,51 +4708,42 @@
             </a:pPr>
             <a:r>
               <a:rPr/>
-              <a:t>Several ways to help prevent pneumonia:</a:t>
-            </a:r>
-          </a:p>
-          <a:p>
-            <a:pPr lvl="0"/>
-            <a:r>
-              <a:rPr/>
-              <a:t>Deep breathing</a:t>
-            </a:r>
-          </a:p>
-          <a:p>
-            <a:pPr lvl="0"/>
-            <a:r>
-              <a:rPr/>
-              <a:t>Coughing</a:t>
-            </a:r>
-          </a:p>
-          <a:p>
-            <a:pPr lvl="0"/>
-            <a:r>
-              <a:rPr/>
-              <a:t>Walking</a:t>
-            </a:r>
-          </a:p>
-          <a:p>
-            <a:pPr lvl="0" indent="0" marL="0">
-              <a:buNone/>
-            </a:pPr>
-            <a:r>
-              <a:rPr/>
-              <a:t>After surgery, this means:</a:t>
-            </a:r>
-          </a:p>
-          <a:p>
-            <a:pPr lvl="0"/>
-            <a:r>
-              <a:rPr/>
-              <a:t>Sitting in a chair most of the day</a:t>
-            </a:r>
-          </a:p>
-          <a:p>
-            <a:pPr lvl="0"/>
-            <a:r>
-              <a:rPr/>
-              <a:t>Walking in the halls as soon as possible</a:t>
+              <a:t>Risks related to anesthesia</a:t>
+            </a:r>
+          </a:p>
+          <a:p>
+            <a:pPr lvl="0"/>
+            <a:r>
+              <a:rPr/>
+              <a:t>Heart attack (5%)</a:t>
+            </a:r>
+          </a:p>
+          <a:p>
+            <a:pPr lvl="0"/>
+            <a:r>
+              <a:rPr/>
+              <a:t>Irregular heart rhythm (15%)</a:t>
+            </a:r>
+          </a:p>
+          <a:p>
+            <a:pPr lvl="0"/>
+            <a:r>
+              <a:rPr/>
+              <a:t>Pneumonia (10%)</a:t>
+            </a:r>
+          </a:p>
+          <a:p>
+            <a:pPr lvl="0"/>
+            <a:r>
+              <a:rPr/>
+              <a:t>Blood clots in legs (&lt;5%)</a:t>
+            </a:r>
+          </a:p>
+          <a:p>
+            <a:pPr lvl="0"/>
+            <a:r>
+              <a:rPr/>
+              <a:t>Pulmonary embolism (2%)</a:t>
             </a:r>
           </a:p>
         </p:txBody>
@@ -4847,321 +4880,97 @@
         </p:nvSpPr>
         <p:spPr>
           <a:xfrm>
-            <a:off x="315045" y="205979"/>
-            <a:ext cx="8529278" cy="857250"/>
-          </a:xfrm>
-        </p:spPr>
-        <p:txBody>
-          <a:bodyPr/>
-          <a:lstStyle/>
-          <a:p>
-            <a:pPr lvl="0" indent="0" marL="0">
-              <a:buNone/>
-            </a:pPr>
-            <a:r>
-              <a:rPr/>
-              <a:t>Minimally-invasive Esophagectomy</a:t>
-            </a:r>
-          </a:p>
-        </p:txBody>
-      </p:sp>
-      <p:pic>
-        <p:nvPicPr>
-          <p:cNvPr descr="https://deidt7p41jzcy.cloudfront.net/mie_abd.png" id="0" name="Picture 1"/>
-          <p:cNvPicPr>
-            <a:picLocks noGrp="1" noChangeAspect="1"/>
-          </p:cNvPicPr>
-          <p:nvPr/>
-        </p:nvPicPr>
-        <p:blipFill>
-          <a:blip r:embed="rId2"/>
-          <a:stretch>
-            <a:fillRect/>
-          </a:stretch>
-        </p:blipFill>
-        <p:spPr bwMode="auto">
-          <a:xfrm>
-            <a:off x="304800" y="1498600"/>
-            <a:ext cx="4178300" cy="3136900"/>
-          </a:xfrm>
-          <a:prstGeom prst="rect">
-            <a:avLst/>
-          </a:prstGeom>
-          <a:noFill/>
-          <a:ln w="9525">
-            <a:noFill/>
-            <a:headEnd/>
-            <a:tailEnd/>
-          </a:ln>
-        </p:spPr>
-      </p:pic>
-      <p:pic>
-        <p:nvPicPr>
-          <p:cNvPr descr="https://deidt7p41jzcy.cloudfront.net/mie_chest.png" id="0" name="Picture 1"/>
-          <p:cNvPicPr>
-            <a:picLocks noGrp="1" noChangeAspect="1"/>
-          </p:cNvPicPr>
-          <p:nvPr/>
-        </p:nvPicPr>
-        <p:blipFill>
-          <a:blip r:embed="rId3"/>
-          <a:stretch>
-            <a:fillRect/>
-          </a:stretch>
-        </p:blipFill>
-        <p:spPr bwMode="auto">
-          <a:xfrm>
-            <a:off x="4635500" y="1485900"/>
-            <a:ext cx="4191000" cy="3149600"/>
-          </a:xfrm>
-          <a:prstGeom prst="rect">
-            <a:avLst/>
-          </a:prstGeom>
-          <a:noFill/>
-          <a:ln w="9525">
-            <a:noFill/>
-            <a:headEnd/>
-            <a:tailEnd/>
-          </a:ln>
-        </p:spPr>
-      </p:pic>
+            <a:off x="284309" y="205979"/>
+            <a:ext cx="8552330" cy="662317"/>
+          </a:xfrm>
+        </p:spPr>
+        <p:txBody>
+          <a:bodyPr/>
+          <a:lstStyle/>
+          <a:p>
+            <a:pPr lvl="0" indent="0" marL="0">
+              <a:buNone/>
+            </a:pPr>
+            <a:r>
+              <a:rPr/>
+              <a:t>Risks of Surgery</a:t>
+            </a:r>
+          </a:p>
+        </p:txBody>
+      </p:sp>
+      <p:sp>
+        <p:nvSpPr>
+          <p:cNvPr id="3" name="Content Placeholder 2"/>
+          <p:cNvSpPr>
+            <a:spLocks noGrp="1"/>
+          </p:cNvSpPr>
+          <p:nvPr>
+            <p:ph idx="1"/>
+          </p:nvPr>
+        </p:nvSpPr>
+        <p:spPr/>
+        <p:txBody>
+          <a:bodyPr/>
+          <a:lstStyle/>
+          <a:p>
+            <a:pPr lvl="0" indent="0" marL="0">
+              <a:buNone/>
+            </a:pPr>
+            <a:r>
+              <a:rPr/>
+              <a:t>Risks related to Surgery</a:t>
+            </a:r>
+          </a:p>
+          <a:p>
+            <a:pPr lvl="0"/>
+            <a:r>
+              <a:rPr/>
+              <a:t>Anastomotic leak (5%)</a:t>
+            </a:r>
+          </a:p>
+          <a:p>
+            <a:pPr lvl="0"/>
+            <a:r>
+              <a:rPr/>
+              <a:t>Stricture at anastomosis (15%)</a:t>
+            </a:r>
+          </a:p>
+          <a:p>
+            <a:pPr lvl="0"/>
+            <a:r>
+              <a:rPr/>
+              <a:t>Death within 90 days of surgery</a:t>
+            </a:r>
+          </a:p>
+          <a:p>
+            <a:pPr lvl="1"/>
+            <a:r>
+              <a:rPr/>
+              <a:t>Low risk patients = 2%</a:t>
+            </a:r>
+          </a:p>
+          <a:p>
+            <a:pPr lvl="1"/>
+            <a:r>
+              <a:rPr/>
+              <a:t>Intermediate risk = 10%</a:t>
+            </a:r>
+          </a:p>
+          <a:p>
+            <a:pPr lvl="1"/>
+            <a:r>
+              <a:rPr/>
+              <a:t>High risk = 30%</a:t>
+            </a:r>
+          </a:p>
+        </p:txBody>
+      </p:sp>
     </p:spTree>
   </p:cSld>
 </p:sld>
 </file>
 
 <file path=ppt/slides/slide21.xml><?xml version="1.0" encoding="utf-8"?>
-<p:sld xmlns:a="http://schemas.openxmlformats.org/drawingml/2006/main" xmlns:r="http://schemas.openxmlformats.org/officeDocument/2006/relationships" xmlns:p="http://schemas.openxmlformats.org/presentationml/2006/main">
-  <p:cSld>
-    <p:spTree>
-      <p:nvGrpSpPr>
-        <p:cNvPr id="1" name=""/>
-        <p:cNvGrpSpPr/>
-        <p:nvPr/>
-      </p:nvGrpSpPr>
-      <p:grpSpPr>
-        <a:xfrm>
-          <a:off x="0" y="0"/>
-          <a:ext cx="0" cy="0"/>
-          <a:chOff x="0" y="0"/>
-          <a:chExt cx="0" cy="0"/>
-        </a:xfrm>
-      </p:grpSpPr>
-      <p:sp>
-        <p:nvSpPr>
-          <p:cNvPr id="2" name="Title 1"/>
-          <p:cNvSpPr>
-            <a:spLocks noGrp="1"/>
-          </p:cNvSpPr>
-          <p:nvPr>
-            <p:ph type="title"/>
-          </p:nvPr>
-        </p:nvSpPr>
-        <p:spPr>
-          <a:xfrm>
-            <a:off x="284309" y="205979"/>
-            <a:ext cx="8552330" cy="662317"/>
-          </a:xfrm>
-        </p:spPr>
-        <p:txBody>
-          <a:bodyPr/>
-          <a:lstStyle/>
-          <a:p>
-            <a:pPr lvl="0" indent="0" marL="0">
-              <a:buNone/>
-            </a:pPr>
-            <a:r>
-              <a:rPr/>
-              <a:t>Risks of Surgery</a:t>
-            </a:r>
-          </a:p>
-        </p:txBody>
-      </p:sp>
-      <p:sp>
-        <p:nvSpPr>
-          <p:cNvPr id="3" name="Content Placeholder 2"/>
-          <p:cNvSpPr>
-            <a:spLocks noGrp="1"/>
-          </p:cNvSpPr>
-          <p:nvPr>
-            <p:ph idx="1"/>
-          </p:nvPr>
-        </p:nvSpPr>
-        <p:spPr/>
-        <p:txBody>
-          <a:bodyPr/>
-          <a:lstStyle/>
-          <a:p>
-            <a:pPr lvl="0" indent="0" marL="0">
-              <a:buNone/>
-            </a:pPr>
-            <a:r>
-              <a:rPr/>
-              <a:t>Risks related to anesthesia</a:t>
-            </a:r>
-          </a:p>
-          <a:p>
-            <a:pPr lvl="0"/>
-            <a:r>
-              <a:rPr/>
-              <a:t>Heart attack (5%)</a:t>
-            </a:r>
-          </a:p>
-          <a:p>
-            <a:pPr lvl="0"/>
-            <a:r>
-              <a:rPr/>
-              <a:t>Irregular heart rhythm (15%)</a:t>
-            </a:r>
-          </a:p>
-          <a:p>
-            <a:pPr lvl="0"/>
-            <a:r>
-              <a:rPr/>
-              <a:t>Pneumonia (10%)</a:t>
-            </a:r>
-          </a:p>
-          <a:p>
-            <a:pPr lvl="0"/>
-            <a:r>
-              <a:rPr/>
-              <a:t>Blood clots in legs (&lt;5%)</a:t>
-            </a:r>
-          </a:p>
-          <a:p>
-            <a:pPr lvl="0"/>
-            <a:r>
-              <a:rPr/>
-              <a:t>Pulmonary embolism (2%)</a:t>
-            </a:r>
-          </a:p>
-        </p:txBody>
-      </p:sp>
-    </p:spTree>
-  </p:cSld>
-</p:sld>
-</file>
-
-<file path=ppt/slides/slide22.xml><?xml version="1.0" encoding="utf-8"?>
-<p:sld xmlns:a="http://schemas.openxmlformats.org/drawingml/2006/main" xmlns:r="http://schemas.openxmlformats.org/officeDocument/2006/relationships" xmlns:p="http://schemas.openxmlformats.org/presentationml/2006/main">
-  <p:cSld>
-    <p:spTree>
-      <p:nvGrpSpPr>
-        <p:cNvPr id="1" name=""/>
-        <p:cNvGrpSpPr/>
-        <p:nvPr/>
-      </p:nvGrpSpPr>
-      <p:grpSpPr>
-        <a:xfrm>
-          <a:off x="0" y="0"/>
-          <a:ext cx="0" cy="0"/>
-          <a:chOff x="0" y="0"/>
-          <a:chExt cx="0" cy="0"/>
-        </a:xfrm>
-      </p:grpSpPr>
-      <p:sp>
-        <p:nvSpPr>
-          <p:cNvPr id="2" name="Title 1"/>
-          <p:cNvSpPr>
-            <a:spLocks noGrp="1"/>
-          </p:cNvSpPr>
-          <p:nvPr>
-            <p:ph type="title"/>
-          </p:nvPr>
-        </p:nvSpPr>
-        <p:spPr>
-          <a:xfrm>
-            <a:off x="284309" y="205979"/>
-            <a:ext cx="8552330" cy="662317"/>
-          </a:xfrm>
-        </p:spPr>
-        <p:txBody>
-          <a:bodyPr/>
-          <a:lstStyle/>
-          <a:p>
-            <a:pPr lvl="0" indent="0" marL="0">
-              <a:buNone/>
-            </a:pPr>
-            <a:r>
-              <a:rPr/>
-              <a:t>Risks of Surgery</a:t>
-            </a:r>
-          </a:p>
-        </p:txBody>
-      </p:sp>
-      <p:sp>
-        <p:nvSpPr>
-          <p:cNvPr id="3" name="Content Placeholder 2"/>
-          <p:cNvSpPr>
-            <a:spLocks noGrp="1"/>
-          </p:cNvSpPr>
-          <p:nvPr>
-            <p:ph idx="1"/>
-          </p:nvPr>
-        </p:nvSpPr>
-        <p:spPr/>
-        <p:txBody>
-          <a:bodyPr/>
-          <a:lstStyle/>
-          <a:p>
-            <a:pPr lvl="0" indent="0" marL="0">
-              <a:buNone/>
-            </a:pPr>
-            <a:r>
-              <a:rPr/>
-              <a:t>Risks related to Surgery</a:t>
-            </a:r>
-          </a:p>
-          <a:p>
-            <a:pPr lvl="0"/>
-            <a:r>
-              <a:rPr/>
-              <a:t>Anastomotic leak (5%)</a:t>
-            </a:r>
-          </a:p>
-          <a:p>
-            <a:pPr lvl="0"/>
-            <a:r>
-              <a:rPr/>
-              <a:t>Stricture at anastomosis (15%)</a:t>
-            </a:r>
-          </a:p>
-          <a:p>
-            <a:pPr lvl="0"/>
-            <a:r>
-              <a:rPr/>
-              <a:t>Death within 90 days of surgery</a:t>
-            </a:r>
-          </a:p>
-          <a:p>
-            <a:pPr lvl="1"/>
-            <a:r>
-              <a:rPr/>
-              <a:t>Low risk patients = 2%</a:t>
-            </a:r>
-          </a:p>
-          <a:p>
-            <a:pPr lvl="1"/>
-            <a:r>
-              <a:rPr/>
-              <a:t>Intermediate risk = 10%</a:t>
-            </a:r>
-          </a:p>
-          <a:p>
-            <a:pPr lvl="1"/>
-            <a:r>
-              <a:rPr/>
-              <a:t>High risk = 30%</a:t>
-            </a:r>
-          </a:p>
-        </p:txBody>
-      </p:sp>
-    </p:spTree>
-  </p:cSld>
-</p:sld>
-</file>
-
-<file path=ppt/slides/slide23.xml><?xml version="1.0" encoding="utf-8"?>
 <p:sld xmlns:a="http://schemas.openxmlformats.org/drawingml/2006/main" xmlns:r="http://schemas.openxmlformats.org/officeDocument/2006/relationships" xmlns:p="http://schemas.openxmlformats.org/presentationml/2006/main">
   <p:cSld>
     <p:spTree>
@@ -5410,6 +5219,206 @@
 </p:sld>
 </file>
 
+<file path=ppt/slides/slide22.xml><?xml version="1.0" encoding="utf-8"?>
+<p:sld xmlns:a="http://schemas.openxmlformats.org/drawingml/2006/main" xmlns:r="http://schemas.openxmlformats.org/officeDocument/2006/relationships" xmlns:p="http://schemas.openxmlformats.org/presentationml/2006/main">
+  <p:cSld>
+    <p:spTree>
+      <p:nvGrpSpPr>
+        <p:cNvPr id="1" name=""/>
+        <p:cNvGrpSpPr/>
+        <p:nvPr/>
+      </p:nvGrpSpPr>
+      <p:grpSpPr>
+        <a:xfrm>
+          <a:off x="0" y="0"/>
+          <a:ext cx="0" cy="0"/>
+          <a:chOff x="0" y="0"/>
+          <a:chExt cx="0" cy="0"/>
+        </a:xfrm>
+      </p:grpSpPr>
+      <p:sp>
+        <p:nvSpPr>
+          <p:cNvPr id="2" name="Title 1"/>
+          <p:cNvSpPr>
+            <a:spLocks noGrp="1"/>
+          </p:cNvSpPr>
+          <p:nvPr>
+            <p:ph type="title"/>
+          </p:nvPr>
+        </p:nvSpPr>
+        <p:spPr>
+          <a:xfrm>
+            <a:off x="284309" y="205979"/>
+            <a:ext cx="8552330" cy="662317"/>
+          </a:xfrm>
+        </p:spPr>
+        <p:txBody>
+          <a:bodyPr/>
+          <a:lstStyle/>
+          <a:p>
+            <a:pPr lvl="0" indent="0" marL="0">
+              <a:buNone/>
+            </a:pPr>
+            <a:r>
+              <a:rPr/>
+              <a:t>Day Prior to Surgery</a:t>
+            </a:r>
+          </a:p>
+        </p:txBody>
+      </p:sp>
+      <p:sp>
+        <p:nvSpPr>
+          <p:cNvPr id="3" name="Content Placeholder 2"/>
+          <p:cNvSpPr>
+            <a:spLocks noGrp="1"/>
+          </p:cNvSpPr>
+          <p:nvPr>
+            <p:ph idx="1"/>
+          </p:nvPr>
+        </p:nvSpPr>
+        <p:spPr/>
+        <p:txBody>
+          <a:bodyPr/>
+          <a:lstStyle/>
+          <a:p>
+            <a:pPr lvl="0"/>
+            <a:r>
+              <a:rPr/>
+              <a:t>Clear liquids for 24 hours prior to surgery</a:t>
+            </a:r>
+          </a:p>
+          <a:p>
+            <a:pPr lvl="0"/>
+            <a:r>
+              <a:rPr/>
+              <a:t>Check with Pre-op nurse regarding medicines day prior to surgery</a:t>
+            </a:r>
+          </a:p>
+          <a:p>
+            <a:pPr lvl="0"/>
+            <a:r>
+              <a:rPr/>
+              <a:t>No tube feedings the night before surgery</a:t>
+            </a:r>
+          </a:p>
+        </p:txBody>
+      </p:sp>
+    </p:spTree>
+  </p:cSld>
+</p:sld>
+</file>
+
+<file path=ppt/slides/slide23.xml><?xml version="1.0" encoding="utf-8"?>
+<p:sld xmlns:a="http://schemas.openxmlformats.org/drawingml/2006/main" xmlns:r="http://schemas.openxmlformats.org/officeDocument/2006/relationships" xmlns:p="http://schemas.openxmlformats.org/presentationml/2006/main">
+  <p:cSld>
+    <p:spTree>
+      <p:nvGrpSpPr>
+        <p:cNvPr id="1" name=""/>
+        <p:cNvGrpSpPr/>
+        <p:nvPr/>
+      </p:nvGrpSpPr>
+      <p:grpSpPr>
+        <a:xfrm>
+          <a:off x="0" y="0"/>
+          <a:ext cx="0" cy="0"/>
+          <a:chOff x="0" y="0"/>
+          <a:chExt cx="0" cy="0"/>
+        </a:xfrm>
+      </p:grpSpPr>
+      <p:sp>
+        <p:nvSpPr>
+          <p:cNvPr id="2" name="Title 1"/>
+          <p:cNvSpPr>
+            <a:spLocks noGrp="1"/>
+          </p:cNvSpPr>
+          <p:nvPr>
+            <p:ph type="title"/>
+          </p:nvPr>
+        </p:nvSpPr>
+        <p:spPr>
+          <a:xfrm>
+            <a:off x="284309" y="205979"/>
+            <a:ext cx="8552330" cy="662317"/>
+          </a:xfrm>
+        </p:spPr>
+        <p:txBody>
+          <a:bodyPr/>
+          <a:lstStyle/>
+          <a:p>
+            <a:pPr lvl="0" indent="0" marL="0">
+              <a:buNone/>
+            </a:pPr>
+            <a:r>
+              <a:rPr/>
+              <a:t>Day of Surgery</a:t>
+            </a:r>
+          </a:p>
+        </p:txBody>
+      </p:sp>
+      <p:sp>
+        <p:nvSpPr>
+          <p:cNvPr id="3" name="Content Placeholder 2"/>
+          <p:cNvSpPr>
+            <a:spLocks noGrp="1"/>
+          </p:cNvSpPr>
+          <p:nvPr>
+            <p:ph idx="1"/>
+          </p:nvPr>
+        </p:nvSpPr>
+        <p:spPr/>
+        <p:txBody>
+          <a:bodyPr/>
+          <a:lstStyle/>
+          <a:p>
+            <a:pPr lvl="0"/>
+            <a:r>
+              <a:rPr/>
+              <a:t>Arrive at 5am – nothing to eat or drink after midnight.</a:t>
+            </a:r>
+          </a:p>
+          <a:p>
+            <a:pPr lvl="0"/>
+            <a:r>
+              <a:rPr/>
+              <a:t>Medicines OK w/ a sip of water</a:t>
+            </a:r>
+          </a:p>
+          <a:p>
+            <a:pPr lvl="0"/>
+            <a:r>
+              <a:rPr/>
+              <a:t>sip of black coffee but </a:t>
+            </a:r>
+            <a:r>
+              <a:rPr b="1"/>
+              <a:t>no cream</a:t>
+            </a:r>
+            <a:r>
+              <a:rPr/>
+              <a:t>.</a:t>
+            </a:r>
+          </a:p>
+          <a:p>
+            <a:pPr lvl="0"/>
+            <a:r>
+              <a:rPr/>
+              <a:t>Surgery will be cancelled if you have cream/milk</a:t>
+            </a:r>
+          </a:p>
+          <a:p>
+            <a:pPr lvl="0"/>
+            <a:r>
+              <a:rPr/>
+              <a:t>Waiting room for family and friends on 5th floor</a:t>
+            </a:r>
+          </a:p>
+        </p:txBody>
+      </p:sp>
+    </p:spTree>
+  </p:cSld>
+</p:sld>
+</file>
+
 <file path=ppt/slides/slide24.xml><?xml version="1.0" encoding="utf-8"?>
 <p:sld xmlns:a="http://schemas.openxmlformats.org/drawingml/2006/main" xmlns:r="http://schemas.openxmlformats.org/officeDocument/2006/relationships" xmlns:p="http://schemas.openxmlformats.org/presentationml/2006/main">
   <p:cSld>
@@ -5452,7 +5461,7 @@
             </a:pPr>
             <a:r>
               <a:rPr/>
-              <a:t>Day Prior to Surgery</a:t>
+              <a:t>Epidural Catheter for Pain Control</a:t>
             </a:r>
           </a:p>
         </p:txBody>
@@ -5475,21 +5484,35 @@
             <a:pPr lvl="0"/>
             <a:r>
               <a:rPr/>
-              <a:t>Clear liquids for 24 hours prior to surgery</a:t>
-            </a:r>
-          </a:p>
-          <a:p>
-            <a:pPr lvl="0"/>
-            <a:r>
-              <a:rPr/>
-              <a:t>Check with Pre-op nurse regarding medicines day prior to surgery</a:t>
-            </a:r>
-          </a:p>
-          <a:p>
-            <a:pPr lvl="0"/>
-            <a:r>
-              <a:rPr/>
-              <a:t>No tube feedings the night before surgery</a:t>
+              <a:t>Remains in place for 2-5 days</a:t>
+            </a:r>
+          </a:p>
+          <a:p>
+            <a:pPr lvl="0"/>
+            <a:r>
+              <a:rPr/>
+              <a:t>Dosage can be adjusted as needed</a:t>
+            </a:r>
+          </a:p>
+          <a:p>
+            <a:pPr lvl="0"/>
+            <a:r>
+              <a:rPr/>
+              <a:t>Can make it more difficult to urinate</a:t>
+            </a:r>
+          </a:p>
+          <a:p>
+            <a:pPr lvl="0"/>
+            <a:r>
+              <a:rPr/>
+              <a:t>May require foley catheter in bladder</a:t>
+            </a:r>
+          </a:p>
+          <a:p>
+            <a:pPr lvl="0"/>
+            <a:r>
+              <a:rPr/>
+              <a:t>Foley catheter removed after epidural removed</a:t>
             </a:r>
           </a:p>
         </p:txBody>
@@ -5541,7 +5564,7 @@
             </a:pPr>
             <a:r>
               <a:rPr/>
-              <a:t>Day of Surgery</a:t>
+              <a:t>Intensive Care Unit (ICU) (2-4 days)</a:t>
             </a:r>
           </a:p>
         </p:txBody>
@@ -5564,43 +5587,42 @@
             <a:pPr lvl="0"/>
             <a:r>
               <a:rPr/>
-              <a:t>Arrive at 5am – nothing to eat or drink after midnight.</a:t>
-            </a:r>
-          </a:p>
-          <a:p>
-            <a:pPr lvl="0"/>
-            <a:r>
-              <a:rPr/>
-              <a:t>Medicines OK w/ a sip of water</a:t>
-            </a:r>
-          </a:p>
-          <a:p>
-            <a:pPr lvl="0"/>
-            <a:r>
-              <a:rPr/>
-              <a:t>sip of black coffee but </a:t>
-            </a:r>
-            <a:r>
-              <a:rPr b="1"/>
-              <a:t>no cream</a:t>
-            </a:r>
-            <a:r>
-              <a:rPr/>
-              <a:t>.</a:t>
-            </a:r>
-          </a:p>
-          <a:p>
-            <a:pPr lvl="0"/>
-            <a:r>
-              <a:rPr/>
-              <a:t>Surgery will be cancelled if you have cream/milk</a:t>
-            </a:r>
-          </a:p>
-          <a:p>
-            <a:pPr lvl="0"/>
-            <a:r>
-              <a:rPr/>
-              <a:t>Waiting room for family and friends on 5th floor</a:t>
+              <a:t>Surgical ICU on 11th floor</a:t>
+            </a:r>
+          </a:p>
+          <a:p>
+            <a:pPr lvl="0"/>
+            <a:r>
+              <a:rPr/>
+              <a:t>NG tube in nose to drain stomach and esophagus</a:t>
+            </a:r>
+          </a:p>
+          <a:p>
+            <a:pPr lvl="0"/>
+            <a:r>
+              <a:rPr/>
+              <a:t>Catheter in bladder</a:t>
+            </a:r>
+          </a:p>
+          <a:p>
+            <a:pPr lvl="0"/>
+            <a:r>
+              <a:rPr/>
+              <a:t>Chest tube right chest</a:t>
+            </a:r>
+          </a:p>
+          <a:p>
+            <a:pPr lvl="0"/>
+            <a:r>
+              <a:rPr/>
+              <a:t>Abdominal drains (usually 2)</a:t>
+            </a:r>
+          </a:p>
+          <a:p>
+            <a:pPr lvl="0"/>
+            <a:r>
+              <a:rPr/>
+              <a:t>Feeding jejunostomy (usually stays in 8 wks)</a:t>
             </a:r>
           </a:p>
         </p:txBody>
@@ -5652,7 +5674,7 @@
             </a:pPr>
             <a:r>
               <a:rPr/>
-              <a:t>Epidural Catheter for Pain Control</a:t>
+              <a:t>Intensive Care Unit (ICU)</a:t>
             </a:r>
           </a:p>
         </p:txBody>
@@ -5675,35 +5697,35 @@
             <a:pPr lvl="0"/>
             <a:r>
               <a:rPr/>
-              <a:t>Remains in place for 2-5 days</a:t>
-            </a:r>
-          </a:p>
-          <a:p>
-            <a:pPr lvl="0"/>
-            <a:r>
-              <a:rPr/>
-              <a:t>Dosage can be adjusted as needed</a:t>
-            </a:r>
-          </a:p>
-          <a:p>
-            <a:pPr lvl="0"/>
-            <a:r>
-              <a:rPr/>
-              <a:t>Can make it more difficult to urinate</a:t>
-            </a:r>
-          </a:p>
-          <a:p>
-            <a:pPr lvl="0"/>
-            <a:r>
-              <a:rPr/>
-              <a:t>May require foley catheter in bladder</a:t>
-            </a:r>
-          </a:p>
-          <a:p>
-            <a:pPr lvl="0"/>
-            <a:r>
-              <a:rPr/>
-              <a:t>Foley catheter removed after epidural removed</a:t>
+              <a:t>Bladder catheter removed → check that bladder empties properly</a:t>
+            </a:r>
+          </a:p>
+          <a:p>
+            <a:pPr lvl="0"/>
+            <a:r>
+              <a:rPr/>
+              <a:t>Chest tube removed (day 2-4) → follow-up x-ray</a:t>
+            </a:r>
+          </a:p>
+          <a:p>
+            <a:pPr lvl="0"/>
+            <a:r>
+              <a:rPr/>
+              <a:t>Fluid emptied from drains every few hours</a:t>
+            </a:r>
+          </a:p>
+          <a:p>
+            <a:pPr lvl="0"/>
+            <a:r>
+              <a:rPr/>
+              <a:t>Start tube feedings by feeding</a:t>
+            </a:r>
+          </a:p>
+          <a:p>
+            <a:pPr lvl="0"/>
+            <a:r>
+              <a:rPr/>
+              <a:t>Feeding jejunostomy (stays in 8 weeks)</a:t>
             </a:r>
           </a:p>
         </p:txBody>
@@ -5755,7 +5777,7 @@
             </a:pPr>
             <a:r>
               <a:rPr/>
-              <a:t>Intensive Care Unit (ICU) (2-4 days)</a:t>
+              <a:t>Ward - 6Tower</a:t>
             </a:r>
           </a:p>
         </p:txBody>
@@ -5778,42 +5800,42 @@
             <a:pPr lvl="0"/>
             <a:r>
               <a:rPr/>
-              <a:t>Surgical ICU on 11th floor</a:t>
-            </a:r>
-          </a:p>
-          <a:p>
-            <a:pPr lvl="0"/>
-            <a:r>
-              <a:rPr/>
-              <a:t>NG tube in nose to drain stomach and esophagus</a:t>
-            </a:r>
-          </a:p>
-          <a:p>
-            <a:pPr lvl="0"/>
-            <a:r>
-              <a:rPr/>
-              <a:t>Catheter in bladder</a:t>
-            </a:r>
-          </a:p>
-          <a:p>
-            <a:pPr lvl="0"/>
-            <a:r>
-              <a:rPr/>
-              <a:t>Chest tube right chest</a:t>
-            </a:r>
-          </a:p>
-          <a:p>
-            <a:pPr lvl="0"/>
-            <a:r>
-              <a:rPr/>
-              <a:t>Abdominal drains (usually 2)</a:t>
-            </a:r>
-          </a:p>
-          <a:p>
-            <a:pPr lvl="0"/>
-            <a:r>
-              <a:rPr/>
-              <a:t>Feeding jejunostomy (usually stays in 8 wks)</a:t>
+              <a:t>Jejunostomy feeds started</a:t>
+            </a:r>
+          </a:p>
+          <a:p>
+            <a:pPr lvl="0"/>
+            <a:r>
+              <a:rPr/>
+              <a:t>Up in a chair most of the day</a:t>
+            </a:r>
+          </a:p>
+          <a:p>
+            <a:pPr lvl="0"/>
+            <a:r>
+              <a:rPr/>
+              <a:t>Walking in the halls</a:t>
+            </a:r>
+          </a:p>
+          <a:p>
+            <a:pPr lvl="1"/>
+            <a:r>
+              <a:rPr/>
+              <a:t>Start with assistance</a:t>
+            </a:r>
+          </a:p>
+          <a:p>
+            <a:pPr lvl="1"/>
+            <a:r>
+              <a:rPr/>
+              <a:t>Improves lung function</a:t>
+            </a:r>
+          </a:p>
+          <a:p>
+            <a:pPr lvl="1"/>
+            <a:r>
+              <a:rPr/>
+              <a:t>Prevents loss of muscle strength</a:t>
             </a:r>
           </a:p>
         </p:txBody>
@@ -5865,7 +5887,7 @@
             </a:pPr>
             <a:r>
               <a:rPr/>
-              <a:t>Intensive Care Unit (ICU)</a:t>
+              <a:t>Jejunostomy Feeds</a:t>
             </a:r>
           </a:p>
         </p:txBody>
@@ -5885,38 +5907,49 @@
           <a:bodyPr/>
           <a:lstStyle/>
           <a:p>
-            <a:pPr lvl="0"/>
-            <a:r>
-              <a:rPr/>
-              <a:t>Bladder catheter removed → check that bladder empties properly</a:t>
-            </a:r>
-          </a:p>
-          <a:p>
-            <a:pPr lvl="0"/>
-            <a:r>
-              <a:rPr/>
-              <a:t>Chest tube removed (day 2-4) → follow-up x-ray</a:t>
-            </a:r>
-          </a:p>
-          <a:p>
-            <a:pPr lvl="0"/>
-            <a:r>
-              <a:rPr/>
-              <a:t>Fluid emptied from drains every few hours</a:t>
-            </a:r>
-          </a:p>
-          <a:p>
-            <a:pPr lvl="0"/>
-            <a:r>
-              <a:rPr/>
-              <a:t>Start tube feedings by feeding</a:t>
-            </a:r>
-          </a:p>
-          <a:p>
-            <a:pPr lvl="0"/>
-            <a:r>
-              <a:rPr/>
-              <a:t>Feeding jejunostomy (stays in 8 weeks)</a:t>
+            <a:pPr lvl="0" indent="0" marL="0">
+              <a:buNone/>
+            </a:pPr>
+            <a:r>
+              <a:rPr/>
+              <a:t>Jejunostomy tube feeds</a:t>
+            </a:r>
+          </a:p>
+          <a:p>
+            <a:pPr lvl="0"/>
+            <a:r>
+              <a:rPr/>
+              <a:t>Start continuous (24 hours)</a:t>
+            </a:r>
+          </a:p>
+          <a:p>
+            <a:pPr lvl="0"/>
+            <a:r>
+              <a:rPr/>
+              <a:t>Convert to night-time only (16 hours)</a:t>
+            </a:r>
+          </a:p>
+          <a:p>
+            <a:pPr lvl="0" indent="0" marL="0">
+              <a:buNone/>
+            </a:pPr>
+            <a:r>
+              <a:rPr/>
+              <a:t>Water administered through feeding tube</a:t>
+            </a:r>
+          </a:p>
+          <a:p>
+            <a:pPr lvl="0"/>
+            <a:r>
+              <a:rPr/>
+              <a:t>Usually 8oz 4 times/day</a:t>
+            </a:r>
+          </a:p>
+          <a:p>
+            <a:pPr lvl="0"/>
+            <a:r>
+              <a:rPr/>
+              <a:t>Important to prevent dehydration</a:t>
             </a:r>
           </a:p>
         </p:txBody>
@@ -5955,20 +5988,20 @@
         </p:nvSpPr>
         <p:spPr>
           <a:xfrm>
-            <a:off x="284309" y="205979"/>
-            <a:ext cx="8552330" cy="662317"/>
-          </a:xfrm>
-        </p:spPr>
-        <p:txBody>
-          <a:bodyPr/>
-          <a:lstStyle/>
-          <a:p>
-            <a:pPr lvl="0" indent="0" marL="0">
-              <a:buNone/>
-            </a:pPr>
-            <a:r>
-              <a:rPr/>
-              <a:t>Ward - 6Tower</a:t>
+            <a:off x="315045" y="205979"/>
+            <a:ext cx="8529278" cy="857250"/>
+          </a:xfrm>
+        </p:spPr>
+        <p:txBody>
+          <a:bodyPr/>
+          <a:lstStyle/>
+          <a:p>
+            <a:pPr lvl="0" indent="0" marL="0">
+              <a:buNone/>
+            </a:pPr>
+            <a:r>
+              <a:rPr/>
+              <a:t>Jejunostomy Tube</a:t>
             </a:r>
           </a:p>
         </p:txBody>
@@ -5980,7 +6013,7 @@
             <a:spLocks noGrp="1"/>
           </p:cNvSpPr>
           <p:nvPr>
-            <p:ph idx="1"/>
+            <p:ph idx="1" sz="half"/>
           </p:nvPr>
         </p:nvSpPr>
         <p:spPr/>
@@ -5991,46 +6024,62 @@
             <a:pPr lvl="0"/>
             <a:r>
               <a:rPr/>
-              <a:t>Jejunostomy feeds started</a:t>
-            </a:r>
-          </a:p>
-          <a:p>
-            <a:pPr lvl="0"/>
-            <a:r>
-              <a:rPr/>
-              <a:t>Up in a chair most of the day</a:t>
-            </a:r>
-          </a:p>
-          <a:p>
-            <a:pPr lvl="0"/>
-            <a:r>
-              <a:rPr/>
-              <a:t>Walking in the halls</a:t>
-            </a:r>
-          </a:p>
-          <a:p>
-            <a:pPr lvl="1"/>
-            <a:r>
-              <a:rPr/>
-              <a:t>Start with assistance</a:t>
-            </a:r>
-          </a:p>
-          <a:p>
-            <a:pPr lvl="1"/>
-            <a:r>
-              <a:rPr/>
-              <a:t>Improves lung function</a:t>
-            </a:r>
-          </a:p>
-          <a:p>
-            <a:pPr lvl="1"/>
-            <a:r>
-              <a:rPr/>
-              <a:t>Prevents loss of muscle strength</a:t>
-            </a:r>
-          </a:p>
-        </p:txBody>
-      </p:sp>
+              <a:t>Nutrition to bypasses the esophagus and stomach</a:t>
+            </a:r>
+          </a:p>
+          <a:p>
+            <a:pPr lvl="0"/>
+            <a:r>
+              <a:rPr/>
+              <a:t>Placed in small intestine</a:t>
+            </a:r>
+          </a:p>
+          <a:p>
+            <a:pPr lvl="0"/>
+            <a:r>
+              <a:rPr/>
+              <a:t>Pump administers feedings slowly</a:t>
+            </a:r>
+          </a:p>
+          <a:p>
+            <a:pPr lvl="0"/>
+            <a:r>
+              <a:rPr/>
+              <a:t>Feeding done at night</a:t>
+            </a:r>
+          </a:p>
+        </p:txBody>
+      </p:sp>
+      <p:pic>
+        <p:nvPicPr>
+          <p:cNvPr descr="images/nutrition_jtube.png" id="0" name="Picture 1"/>
+          <p:cNvPicPr>
+            <a:picLocks noGrp="1" noChangeAspect="1"/>
+          </p:cNvPicPr>
+          <p:nvPr/>
+        </p:nvPicPr>
+        <p:blipFill>
+          <a:blip r:embed="rId2"/>
+          <a:stretch>
+            <a:fillRect/>
+          </a:stretch>
+        </p:blipFill>
+        <p:spPr bwMode="auto">
+          <a:xfrm>
+            <a:off x="4902200" y="1193800"/>
+            <a:ext cx="3644900" cy="3733800"/>
+          </a:xfrm>
+          <a:prstGeom prst="rect">
+            <a:avLst/>
+          </a:prstGeom>
+          <a:noFill/>
+          <a:ln w="9525">
+            <a:noFill/>
+            <a:headEnd/>
+            <a:tailEnd/>
+          </a:ln>
+        </p:spPr>
+      </p:pic>
     </p:spTree>
   </p:cSld>
 </p:sld>
@@ -6122,7 +6171,7 @@
       </p:sp>
       <p:pic>
         <p:nvPicPr>
-          <p:cNvPr descr="https://deidt7p41jzcy.cloudfront.net/Eso_Resection1_ai.png" id="0" name="Picture 1"/>
+          <p:cNvPr descr="images/Eso_Resection1_ai.png" id="0" name="Picture 1"/>
           <p:cNvPicPr>
             <a:picLocks noGrp="1" noChangeAspect="1"/>
           </p:cNvPicPr>
@@ -6197,7 +6246,7 @@
             </a:pPr>
             <a:r>
               <a:rPr/>
-              <a:t>Jejunostomy Feeds</a:t>
+              <a:t>Jejunostomy Typical Regimen</a:t>
             </a:r>
           </a:p>
         </p:txBody>
@@ -6217,49 +6266,40 @@
           <a:bodyPr/>
           <a:lstStyle/>
           <a:p>
-            <a:pPr lvl="0" indent="0" marL="0">
-              <a:buNone/>
-            </a:pPr>
-            <a:r>
-              <a:rPr/>
-              <a:t>Jejunostomy tube feeds</a:t>
-            </a:r>
-          </a:p>
-          <a:p>
-            <a:pPr lvl="0"/>
-            <a:r>
-              <a:rPr/>
-              <a:t>Start continuous (24 hours)</a:t>
-            </a:r>
-          </a:p>
-          <a:p>
-            <a:pPr lvl="0"/>
-            <a:r>
-              <a:rPr/>
-              <a:t>Convert to night-time only (16 hours)</a:t>
-            </a:r>
-          </a:p>
-          <a:p>
-            <a:pPr lvl="0" indent="0" marL="0">
-              <a:buNone/>
-            </a:pPr>
-            <a:r>
-              <a:rPr/>
-              <a:t>Water administered through feeding tube</a:t>
-            </a:r>
-          </a:p>
-          <a:p>
-            <a:pPr lvl="0"/>
-            <a:r>
-              <a:rPr/>
-              <a:t>Usually 8oz 4 times/day</a:t>
-            </a:r>
-          </a:p>
-          <a:p>
-            <a:pPr lvl="0"/>
-            <a:r>
-              <a:rPr/>
-              <a:t>Important to prevent dehydration</a:t>
+            <a:pPr lvl="0"/>
+            <a:r>
+              <a:rPr/>
+              <a:t>Jejunostomy tube feeds for 16 hours (6pm-10am)</a:t>
+            </a:r>
+          </a:p>
+          <a:p>
+            <a:pPr lvl="1"/>
+            <a:r>
+              <a:rPr/>
+              <a:t>Men: 75mL/hour x 16 hours = 5 cartons</a:t>
+            </a:r>
+          </a:p>
+          <a:p>
+            <a:pPr lvl="1"/>
+            <a:r>
+              <a:rPr/>
+              <a:t>Women: 60mL/hour x 16 hours = 4 cartons</a:t>
+            </a:r>
+          </a:p>
+          <a:p>
+            <a:pPr lvl="0"/>
+            <a:r>
+              <a:rPr/>
+              <a:t>Water 240ml (8oz) via syringe 4x/day</a:t>
+            </a:r>
+          </a:p>
+          <a:p>
+            <a:pPr lvl="0" indent="0" marL="0">
+              <a:buNone/>
+            </a:pPr>
+            <a:r>
+              <a:rPr/>
+              <a:t>Hospital nurses will teach use of the feeding tube</a:t>
             </a:r>
           </a:p>
         </p:txBody>
@@ -6298,20 +6338,20 @@
         </p:nvSpPr>
         <p:spPr>
           <a:xfrm>
-            <a:off x="315045" y="205979"/>
-            <a:ext cx="8529278" cy="857250"/>
-          </a:xfrm>
-        </p:spPr>
-        <p:txBody>
-          <a:bodyPr/>
-          <a:lstStyle/>
-          <a:p>
-            <a:pPr lvl="0" indent="0" marL="0">
-              <a:buNone/>
-            </a:pPr>
-            <a:r>
-              <a:rPr/>
-              <a:t>Jejunostomy Tube</a:t>
+            <a:off x="284309" y="205979"/>
+            <a:ext cx="8552330" cy="662317"/>
+          </a:xfrm>
+        </p:spPr>
+        <p:txBody>
+          <a:bodyPr/>
+          <a:lstStyle/>
+          <a:p>
+            <a:pPr lvl="0" indent="0" marL="0">
+              <a:buNone/>
+            </a:pPr>
+            <a:r>
+              <a:rPr/>
+              <a:t>Jejunostomy Feeds with Diabetes</a:t>
             </a:r>
           </a:p>
         </p:txBody>
@@ -6323,7 +6363,7 @@
             <a:spLocks noGrp="1"/>
           </p:cNvSpPr>
           <p:nvPr>
-            <p:ph idx="1" sz="half"/>
+            <p:ph idx="1"/>
           </p:nvPr>
         </p:nvSpPr>
         <p:spPr/>
@@ -6331,65 +6371,60 @@
           <a:bodyPr/>
           <a:lstStyle/>
           <a:p>
-            <a:pPr lvl="0"/>
-            <a:r>
-              <a:rPr/>
-              <a:t>Nutrition to bypasses the esophagus and stomach</a:t>
-            </a:r>
-          </a:p>
-          <a:p>
-            <a:pPr lvl="0"/>
-            <a:r>
-              <a:rPr/>
-              <a:t>Placed in small intestine</a:t>
-            </a:r>
-          </a:p>
-          <a:p>
-            <a:pPr lvl="0"/>
-            <a:r>
-              <a:rPr/>
-              <a:t>Pump administers feedings slowly</a:t>
-            </a:r>
-          </a:p>
-          <a:p>
-            <a:pPr lvl="0"/>
-            <a:r>
-              <a:rPr/>
-              <a:t>Feeding done at night</a:t>
-            </a:r>
-          </a:p>
-        </p:txBody>
-      </p:sp>
-      <p:pic>
-        <p:nvPicPr>
-          <p:cNvPr descr="https://deidt7p41jzcy.cloudfront.net/jtube_ai.png" id="0" name="Picture 1"/>
-          <p:cNvPicPr>
-            <a:picLocks noGrp="1" noChangeAspect="1"/>
-          </p:cNvPicPr>
-          <p:nvPr/>
-        </p:nvPicPr>
-        <p:blipFill>
-          <a:blip r:embed="rId2"/>
-          <a:stretch>
-            <a:fillRect/>
-          </a:stretch>
-        </p:blipFill>
-        <p:spPr bwMode="auto">
-          <a:xfrm>
-            <a:off x="4902200" y="1193800"/>
-            <a:ext cx="3644900" cy="3733800"/>
-          </a:xfrm>
-          <a:prstGeom prst="rect">
-            <a:avLst/>
-          </a:prstGeom>
-          <a:noFill/>
-          <a:ln w="9525">
-            <a:noFill/>
-            <a:headEnd/>
-            <a:tailEnd/>
-          </a:ln>
-        </p:spPr>
-      </p:pic>
+            <a:pPr lvl="0" indent="0" marL="0">
+              <a:buNone/>
+            </a:pPr>
+            <a:r>
+              <a:rPr/>
+              <a:t>Jejunostomy feedings elevate blood sugars</a:t>
+            </a:r>
+          </a:p>
+          <a:p>
+            <a:pPr lvl="0"/>
+            <a:r>
+              <a:rPr/>
+              <a:t>Insulin may be required along with feeds</a:t>
+            </a:r>
+          </a:p>
+          <a:p>
+            <a:pPr lvl="0" indent="0" marL="0">
+              <a:buNone/>
+            </a:pPr>
+            <a:r>
+              <a:rPr/>
+              <a:t>Typical Pattern for tube feeds</a:t>
+            </a:r>
+          </a:p>
+          <a:p>
+            <a:pPr lvl="0"/>
+            <a:r>
+              <a:rPr/>
+              <a:t>Feeds run via pump from 6pm to 10am</a:t>
+            </a:r>
+          </a:p>
+          <a:p>
+            <a:pPr lvl="0"/>
+            <a:r>
+              <a:rPr/>
+              <a:t>Insulin at 6pm (70/30 insulin)</a:t>
+            </a:r>
+          </a:p>
+          <a:p>
+            <a:pPr lvl="0"/>
+            <a:r>
+              <a:rPr/>
+              <a:t>Insulin at Midnight (70/30 insulin)</a:t>
+            </a:r>
+          </a:p>
+          <a:p>
+            <a:pPr lvl="0"/>
+            <a:r>
+              <a:rPr/>
+              <a:t>No insulin if tube feedings are not run</a:t>
+            </a:r>
+          </a:p>
+        </p:txBody>
+      </p:sp>
     </p:spTree>
   </p:cSld>
 </p:sld>
@@ -6424,20 +6459,20 @@
         </p:nvSpPr>
         <p:spPr>
           <a:xfrm>
-            <a:off x="284309" y="205979"/>
-            <a:ext cx="8552330" cy="662317"/>
-          </a:xfrm>
-        </p:spPr>
-        <p:txBody>
-          <a:bodyPr/>
-          <a:lstStyle/>
-          <a:p>
-            <a:pPr lvl="0" indent="0" marL="0">
-              <a:buNone/>
-            </a:pPr>
-            <a:r>
-              <a:rPr/>
-              <a:t>Jejunostomy Typical Regimen</a:t>
+            <a:off x="315045" y="205979"/>
+            <a:ext cx="8529278" cy="857250"/>
+          </a:xfrm>
+        </p:spPr>
+        <p:txBody>
+          <a:bodyPr/>
+          <a:lstStyle/>
+          <a:p>
+            <a:pPr lvl="0" indent="0" marL="0">
+              <a:buNone/>
+            </a:pPr>
+            <a:r>
+              <a:rPr/>
+              <a:t>Jejunostomy Video</a:t>
             </a:r>
           </a:p>
         </p:txBody>
@@ -6449,7 +6484,7 @@
             <a:spLocks noGrp="1"/>
           </p:cNvSpPr>
           <p:nvPr>
-            <p:ph idx="1"/>
+            <p:ph idx="1" sz="half"/>
           </p:nvPr>
         </p:nvSpPr>
         <p:spPr/>
@@ -6457,44 +6492,46 @@
           <a:bodyPr/>
           <a:lstStyle/>
           <a:p>
-            <a:pPr lvl="0"/>
-            <a:r>
-              <a:rPr/>
-              <a:t>Jejunostomy tube feeds for 16 hours (6pm-10am)</a:t>
-            </a:r>
-          </a:p>
-          <a:p>
-            <a:pPr lvl="1"/>
-            <a:r>
-              <a:rPr/>
-              <a:t>Men: 75mL/hour x 16 hours = 5 cartons</a:t>
-            </a:r>
-          </a:p>
-          <a:p>
-            <a:pPr lvl="1"/>
-            <a:r>
-              <a:rPr/>
-              <a:t>Women: 60mL/hour x 16 hours = 4 cartons</a:t>
-            </a:r>
-          </a:p>
-          <a:p>
-            <a:pPr lvl="0"/>
-            <a:r>
-              <a:rPr/>
-              <a:t>Water 240ml (8oz) via syringe 4x/day</a:t>
-            </a:r>
-          </a:p>
-          <a:p>
-            <a:pPr lvl="0" indent="0" marL="0">
-              <a:buNone/>
-            </a:pPr>
-            <a:r>
-              <a:rPr/>
-              <a:t>Hospital nurses will teach use of the feeding tube</a:t>
-            </a:r>
-          </a:p>
-        </p:txBody>
-      </p:sp>
+            <a:pPr lvl="0" indent="0" marL="0">
+              <a:buNone/>
+            </a:pPr>
+            <a:r>
+              <a:rPr/>
+              <a:t>A video is available to help become familiar with the feeding jejunostomy</a:t>
+            </a:r>
+          </a:p>
+        </p:txBody>
+      </p:sp>
+      <p:pic>
+        <p:nvPicPr>
+          <p:cNvPr descr="images/nutrition_jejunostomy_qrcode.png" id="0" name="Picture 1"/>
+          <p:cNvPicPr>
+            <a:picLocks noGrp="1" noChangeAspect="1"/>
+          </p:cNvPicPr>
+          <p:nvPr/>
+        </p:nvPicPr>
+        <p:blipFill>
+          <a:blip r:embed="rId2"/>
+          <a:stretch>
+            <a:fillRect/>
+          </a:stretch>
+        </p:blipFill>
+        <p:spPr bwMode="auto">
+          <a:xfrm>
+            <a:off x="5067300" y="1193800"/>
+            <a:ext cx="3327400" cy="3733800"/>
+          </a:xfrm>
+          <a:prstGeom prst="rect">
+            <a:avLst/>
+          </a:prstGeom>
+          <a:noFill/>
+          <a:ln w="9525">
+            <a:noFill/>
+            <a:headEnd/>
+            <a:tailEnd/>
+          </a:ln>
+        </p:spPr>
+      </p:pic>
     </p:spTree>
   </p:cSld>
 </p:sld>
@@ -6542,7 +6579,7 @@
             </a:pPr>
             <a:r>
               <a:rPr/>
-              <a:t>Jejunostomy Feeds with Diabetes</a:t>
+              <a:t>Activity after Surgery</a:t>
             </a:r>
           </a:p>
         </p:txBody>
@@ -6562,56 +6599,38 @@
           <a:bodyPr/>
           <a:lstStyle/>
           <a:p>
-            <a:pPr lvl="0" indent="0" marL="0">
-              <a:buNone/>
-            </a:pPr>
-            <a:r>
-              <a:rPr/>
-              <a:t>Jejunostomy feedings elevate blood sugars</a:t>
-            </a:r>
-          </a:p>
-          <a:p>
-            <a:pPr lvl="0"/>
-            <a:r>
-              <a:rPr/>
-              <a:t>Insulin may be required along with feeds</a:t>
-            </a:r>
-          </a:p>
-          <a:p>
-            <a:pPr lvl="0" indent="0" marL="0">
-              <a:buNone/>
-            </a:pPr>
-            <a:r>
-              <a:rPr/>
-              <a:t>Typical Pattern for tube feeds</a:t>
-            </a:r>
-          </a:p>
-          <a:p>
-            <a:pPr lvl="0"/>
-            <a:r>
-              <a:rPr/>
-              <a:t>Feeds run via pump from 6pm to 10am</a:t>
-            </a:r>
-          </a:p>
-          <a:p>
-            <a:pPr lvl="0"/>
-            <a:r>
-              <a:rPr/>
-              <a:t>Insulin at 6pm (70/30 insulin)</a:t>
-            </a:r>
-          </a:p>
-          <a:p>
-            <a:pPr lvl="0"/>
-            <a:r>
-              <a:rPr/>
-              <a:t>Insulin at Midnight (70/30 insulin)</a:t>
-            </a:r>
-          </a:p>
-          <a:p>
-            <a:pPr lvl="0"/>
-            <a:r>
-              <a:rPr/>
-              <a:t>No insulin if tube feedings are not run</a:t>
+            <a:pPr lvl="0"/>
+            <a:r>
+              <a:rPr/>
+              <a:t>Up in chair most of the day</a:t>
+            </a:r>
+          </a:p>
+          <a:p>
+            <a:pPr lvl="0"/>
+            <a:r>
+              <a:rPr/>
+              <a:t>Walking with help from nurse/Physical Therapist</a:t>
+            </a:r>
+          </a:p>
+          <a:p>
+            <a:pPr lvl="0"/>
+            <a:r>
+              <a:rPr/>
+              <a:t>Goals:</a:t>
+            </a:r>
+          </a:p>
+          <a:p>
+            <a:pPr lvl="1"/>
+            <a:r>
+              <a:rPr/>
+              <a:t>Improve lung function</a:t>
+            </a:r>
+          </a:p>
+          <a:p>
+            <a:pPr lvl="1"/>
+            <a:r>
+              <a:rPr/>
+              <a:t>Prevent muscle loss</a:t>
             </a:r>
           </a:p>
         </p:txBody>
@@ -6622,216 +6641,6 @@
 </file>
 
 <file path=ppt/slides/slide34.xml><?xml version="1.0" encoding="utf-8"?>
-<p:sld xmlns:a="http://schemas.openxmlformats.org/drawingml/2006/main" xmlns:r="http://schemas.openxmlformats.org/officeDocument/2006/relationships" xmlns:p="http://schemas.openxmlformats.org/presentationml/2006/main">
-  <p:cSld>
-    <p:spTree>
-      <p:nvGrpSpPr>
-        <p:cNvPr id="1" name=""/>
-        <p:cNvGrpSpPr/>
-        <p:nvPr/>
-      </p:nvGrpSpPr>
-      <p:grpSpPr>
-        <a:xfrm>
-          <a:off x="0" y="0"/>
-          <a:ext cx="0" cy="0"/>
-          <a:chOff x="0" y="0"/>
-          <a:chExt cx="0" cy="0"/>
-        </a:xfrm>
-      </p:grpSpPr>
-      <p:sp>
-        <p:nvSpPr>
-          <p:cNvPr id="2" name="Title 1"/>
-          <p:cNvSpPr>
-            <a:spLocks noGrp="1"/>
-          </p:cNvSpPr>
-          <p:nvPr>
-            <p:ph type="title"/>
-          </p:nvPr>
-        </p:nvSpPr>
-        <p:spPr>
-          <a:xfrm>
-            <a:off x="315045" y="205979"/>
-            <a:ext cx="8529278" cy="857250"/>
-          </a:xfrm>
-        </p:spPr>
-        <p:txBody>
-          <a:bodyPr/>
-          <a:lstStyle/>
-          <a:p>
-            <a:pPr lvl="0" indent="0" marL="0">
-              <a:buNone/>
-            </a:pPr>
-            <a:r>
-              <a:rPr/>
-              <a:t>Jejunostomy Video</a:t>
-            </a:r>
-          </a:p>
-        </p:txBody>
-      </p:sp>
-      <p:sp>
-        <p:nvSpPr>
-          <p:cNvPr id="3" name="Content Placeholder 2"/>
-          <p:cNvSpPr>
-            <a:spLocks noGrp="1"/>
-          </p:cNvSpPr>
-          <p:nvPr>
-            <p:ph idx="1" sz="half"/>
-          </p:nvPr>
-        </p:nvSpPr>
-        <p:spPr/>
-        <p:txBody>
-          <a:bodyPr/>
-          <a:lstStyle/>
-          <a:p>
-            <a:pPr lvl="0" indent="0" marL="0">
-              <a:buNone/>
-            </a:pPr>
-            <a:r>
-              <a:rPr/>
-              <a:t>A video is available to help become familiar with the feeding jejunostomy</a:t>
-            </a:r>
-          </a:p>
-        </p:txBody>
-      </p:sp>
-      <p:pic>
-        <p:nvPicPr>
-          <p:cNvPr descr="https://deidt7p41jzcy.cloudfront.net/jejunostomy_qrcode.png" id="0" name="Picture 1"/>
-          <p:cNvPicPr>
-            <a:picLocks noGrp="1" noChangeAspect="1"/>
-          </p:cNvPicPr>
-          <p:nvPr/>
-        </p:nvPicPr>
-        <p:blipFill>
-          <a:blip r:embed="rId2"/>
-          <a:stretch>
-            <a:fillRect/>
-          </a:stretch>
-        </p:blipFill>
-        <p:spPr bwMode="auto">
-          <a:xfrm>
-            <a:off x="5067300" y="1193800"/>
-            <a:ext cx="3327400" cy="3733800"/>
-          </a:xfrm>
-          <a:prstGeom prst="rect">
-            <a:avLst/>
-          </a:prstGeom>
-          <a:noFill/>
-          <a:ln w="9525">
-            <a:noFill/>
-            <a:headEnd/>
-            <a:tailEnd/>
-          </a:ln>
-        </p:spPr>
-      </p:pic>
-    </p:spTree>
-  </p:cSld>
-</p:sld>
-</file>
-
-<file path=ppt/slides/slide35.xml><?xml version="1.0" encoding="utf-8"?>
-<p:sld xmlns:a="http://schemas.openxmlformats.org/drawingml/2006/main" xmlns:r="http://schemas.openxmlformats.org/officeDocument/2006/relationships" xmlns:p="http://schemas.openxmlformats.org/presentationml/2006/main">
-  <p:cSld>
-    <p:spTree>
-      <p:nvGrpSpPr>
-        <p:cNvPr id="1" name=""/>
-        <p:cNvGrpSpPr/>
-        <p:nvPr/>
-      </p:nvGrpSpPr>
-      <p:grpSpPr>
-        <a:xfrm>
-          <a:off x="0" y="0"/>
-          <a:ext cx="0" cy="0"/>
-          <a:chOff x="0" y="0"/>
-          <a:chExt cx="0" cy="0"/>
-        </a:xfrm>
-      </p:grpSpPr>
-      <p:sp>
-        <p:nvSpPr>
-          <p:cNvPr id="2" name="Title 1"/>
-          <p:cNvSpPr>
-            <a:spLocks noGrp="1"/>
-          </p:cNvSpPr>
-          <p:nvPr>
-            <p:ph type="title"/>
-          </p:nvPr>
-        </p:nvSpPr>
-        <p:spPr>
-          <a:xfrm>
-            <a:off x="284309" y="205979"/>
-            <a:ext cx="8552330" cy="662317"/>
-          </a:xfrm>
-        </p:spPr>
-        <p:txBody>
-          <a:bodyPr/>
-          <a:lstStyle/>
-          <a:p>
-            <a:pPr lvl="0" indent="0" marL="0">
-              <a:buNone/>
-            </a:pPr>
-            <a:r>
-              <a:rPr/>
-              <a:t>Activity after Surgery</a:t>
-            </a:r>
-          </a:p>
-        </p:txBody>
-      </p:sp>
-      <p:sp>
-        <p:nvSpPr>
-          <p:cNvPr id="3" name="Content Placeholder 2"/>
-          <p:cNvSpPr>
-            <a:spLocks noGrp="1"/>
-          </p:cNvSpPr>
-          <p:nvPr>
-            <p:ph idx="1"/>
-          </p:nvPr>
-        </p:nvSpPr>
-        <p:spPr/>
-        <p:txBody>
-          <a:bodyPr/>
-          <a:lstStyle/>
-          <a:p>
-            <a:pPr lvl="0"/>
-            <a:r>
-              <a:rPr/>
-              <a:t>Up in chair most of the day</a:t>
-            </a:r>
-          </a:p>
-          <a:p>
-            <a:pPr lvl="0"/>
-            <a:r>
-              <a:rPr/>
-              <a:t>Walking with help from nurse/Physical Therapist</a:t>
-            </a:r>
-          </a:p>
-          <a:p>
-            <a:pPr lvl="0"/>
-            <a:r>
-              <a:rPr/>
-              <a:t>Goals:</a:t>
-            </a:r>
-          </a:p>
-          <a:p>
-            <a:pPr lvl="1"/>
-            <a:r>
-              <a:rPr/>
-              <a:t>Improve lung function</a:t>
-            </a:r>
-          </a:p>
-          <a:p>
-            <a:pPr lvl="1"/>
-            <a:r>
-              <a:rPr/>
-              <a:t>Prevent muscle loss</a:t>
-            </a:r>
-          </a:p>
-        </p:txBody>
-      </p:sp>
-    </p:spTree>
-  </p:cSld>
-</p:sld>
-</file>
-
-<file path=ppt/slides/slide36.xml><?xml version="1.0" encoding="utf-8"?>
 <p:sld xmlns:a="http://schemas.openxmlformats.org/drawingml/2006/main" xmlns:r="http://schemas.openxmlformats.org/officeDocument/2006/relationships" xmlns:p="http://schemas.openxmlformats.org/presentationml/2006/main">
   <p:cSld>
     <p:spTree>
@@ -6963,7 +6772,7 @@
 </p:sld>
 </file>
 
-<file path=ppt/slides/slide37.xml><?xml version="1.0" encoding="utf-8"?>
+<file path=ppt/slides/slide35.xml><?xml version="1.0" encoding="utf-8"?>
 <p:sld xmlns:a="http://schemas.openxmlformats.org/drawingml/2006/main" xmlns:r="http://schemas.openxmlformats.org/officeDocument/2006/relationships" xmlns:p="http://schemas.openxmlformats.org/presentationml/2006/main">
   <p:cSld>
     <p:spTree>
@@ -7088,6 +6897,233 @@
 </p:sld>
 </file>
 
+<file path=ppt/slides/slide36.xml><?xml version="1.0" encoding="utf-8"?>
+<p:sld xmlns:a="http://schemas.openxmlformats.org/drawingml/2006/main" xmlns:r="http://schemas.openxmlformats.org/officeDocument/2006/relationships" xmlns:p="http://schemas.openxmlformats.org/presentationml/2006/main">
+  <p:cSld>
+    <p:spTree>
+      <p:nvGrpSpPr>
+        <p:cNvPr id="1" name=""/>
+        <p:cNvGrpSpPr/>
+        <p:nvPr/>
+      </p:nvGrpSpPr>
+      <p:grpSpPr>
+        <a:xfrm>
+          <a:off x="0" y="0"/>
+          <a:ext cx="0" cy="0"/>
+          <a:chOff x="0" y="0"/>
+          <a:chExt cx="0" cy="0"/>
+        </a:xfrm>
+      </p:grpSpPr>
+      <p:sp>
+        <p:nvSpPr>
+          <p:cNvPr id="2" name="Title 1"/>
+          <p:cNvSpPr>
+            <a:spLocks noGrp="1"/>
+          </p:cNvSpPr>
+          <p:nvPr>
+            <p:ph type="title"/>
+          </p:nvPr>
+        </p:nvSpPr>
+        <p:spPr>
+          <a:xfrm>
+            <a:off x="284309" y="205979"/>
+            <a:ext cx="8552330" cy="662317"/>
+          </a:xfrm>
+        </p:spPr>
+        <p:txBody>
+          <a:bodyPr/>
+          <a:lstStyle/>
+          <a:p>
+            <a:pPr lvl="0" indent="0" marL="0">
+              <a:buNone/>
+            </a:pPr>
+            <a:r>
+              <a:rPr/>
+              <a:t>Oral Intake at Home</a:t>
+            </a:r>
+          </a:p>
+        </p:txBody>
+      </p:sp>
+      <p:sp>
+        <p:nvSpPr>
+          <p:cNvPr id="3" name="Content Placeholder 2"/>
+          <p:cNvSpPr>
+            <a:spLocks noGrp="1"/>
+          </p:cNvSpPr>
+          <p:nvPr>
+            <p:ph idx="1"/>
+          </p:nvPr>
+        </p:nvSpPr>
+        <p:spPr/>
+        <p:txBody>
+          <a:bodyPr/>
+          <a:lstStyle/>
+          <a:p>
+            <a:pPr lvl="0" indent="0" marL="0">
+              <a:buNone/>
+            </a:pPr>
+            <a:r>
+              <a:rPr/>
+              <a:t>Most are taking protein shakes when they go home</a:t>
+            </a:r>
+          </a:p>
+          <a:p>
+            <a:pPr lvl="0" indent="0" marL="0">
+              <a:buNone/>
+            </a:pPr>
+            <a:r>
+              <a:rPr/>
+              <a:t>Protein shakes are started after tolerating water</a:t>
+            </a:r>
+            <a:br/>
+          </a:p>
+          <a:p>
+            <a:pPr lvl="0"/>
+            <a:r>
+              <a:rPr/>
+              <a:t>2 oz per hour to start</a:t>
+            </a:r>
+          </a:p>
+          <a:p>
+            <a:pPr lvl="0"/>
+            <a:r>
+              <a:rPr/>
+              <a:t>4 oz per hour if 2oz are tolerated well</a:t>
+            </a:r>
+          </a:p>
+        </p:txBody>
+      </p:sp>
+    </p:spTree>
+  </p:cSld>
+</p:sld>
+</file>
+
+<file path=ppt/slides/slide37.xml><?xml version="1.0" encoding="utf-8"?>
+<p:sld xmlns:a="http://schemas.openxmlformats.org/drawingml/2006/main" xmlns:r="http://schemas.openxmlformats.org/officeDocument/2006/relationships" xmlns:p="http://schemas.openxmlformats.org/presentationml/2006/main">
+  <p:cSld>
+    <p:spTree>
+      <p:nvGrpSpPr>
+        <p:cNvPr id="1" name=""/>
+        <p:cNvGrpSpPr/>
+        <p:nvPr/>
+      </p:nvGrpSpPr>
+      <p:grpSpPr>
+        <a:xfrm>
+          <a:off x="0" y="0"/>
+          <a:ext cx="0" cy="0"/>
+          <a:chOff x="0" y="0"/>
+          <a:chExt cx="0" cy="0"/>
+        </a:xfrm>
+      </p:grpSpPr>
+      <p:sp>
+        <p:nvSpPr>
+          <p:cNvPr id="2" name="Title 1"/>
+          <p:cNvSpPr>
+            <a:spLocks noGrp="1"/>
+          </p:cNvSpPr>
+          <p:nvPr>
+            <p:ph type="title"/>
+          </p:nvPr>
+        </p:nvSpPr>
+        <p:spPr>
+          <a:xfrm>
+            <a:off x="284309" y="205979"/>
+            <a:ext cx="8552330" cy="662317"/>
+          </a:xfrm>
+        </p:spPr>
+        <p:txBody>
+          <a:bodyPr/>
+          <a:lstStyle/>
+          <a:p>
+            <a:pPr lvl="0" indent="0" marL="0">
+              <a:buNone/>
+            </a:pPr>
+            <a:r>
+              <a:rPr/>
+              <a:t>Discharge</a:t>
+            </a:r>
+          </a:p>
+        </p:txBody>
+      </p:sp>
+      <p:sp>
+        <p:nvSpPr>
+          <p:cNvPr id="3" name="Content Placeholder 2"/>
+          <p:cNvSpPr>
+            <a:spLocks noGrp="1"/>
+          </p:cNvSpPr>
+          <p:nvPr>
+            <p:ph idx="1"/>
+          </p:nvPr>
+        </p:nvSpPr>
+        <p:spPr/>
+        <p:txBody>
+          <a:bodyPr/>
+          <a:lstStyle/>
+          <a:p>
+            <a:pPr lvl="0" indent="0" marL="0">
+              <a:buNone/>
+            </a:pPr>
+            <a:r>
+              <a:rPr/>
+              <a:t>Goal: ready to leave day #6/7 after surgery</a:t>
+            </a:r>
+          </a:p>
+          <a:p>
+            <a:pPr lvl="0"/>
+            <a:r>
+              <a:rPr/>
+              <a:t>Night-time tube feedings (6pm to 10am)</a:t>
+            </a:r>
+          </a:p>
+          <a:p>
+            <a:pPr lvl="0"/>
+            <a:r>
+              <a:rPr/>
+              <a:t>Nutrition by mouth (70% of patients)</a:t>
+            </a:r>
+          </a:p>
+          <a:p>
+            <a:pPr lvl="1"/>
+            <a:r>
+              <a:rPr/>
+              <a:t>1 oz of water per hour by mouth OR</a:t>
+            </a:r>
+          </a:p>
+          <a:p>
+            <a:pPr lvl="1"/>
+            <a:r>
+              <a:rPr/>
+              <a:t>Protein shakes 4oz every 2 hours</a:t>
+            </a:r>
+          </a:p>
+          <a:p>
+            <a:pPr lvl="0"/>
+            <a:r>
+              <a:rPr/>
+              <a:t>Water through tube 8oz four times per day</a:t>
+            </a:r>
+          </a:p>
+          <a:p>
+            <a:pPr lvl="0"/>
+            <a:r>
+              <a:rPr/>
+              <a:t>Home care nursing (feeding tube teaching)</a:t>
+            </a:r>
+          </a:p>
+          <a:p>
+            <a:pPr lvl="0"/>
+            <a:r>
+              <a:rPr/>
+              <a:t>Home infusion (tube feeding supplies)</a:t>
+            </a:r>
+          </a:p>
+        </p:txBody>
+      </p:sp>
+    </p:spTree>
+  </p:cSld>
+</p:sld>
+</file>
+
 <file path=ppt/slides/slide38.xml><?xml version="1.0" encoding="utf-8"?>
 <p:sld xmlns:a="http://schemas.openxmlformats.org/drawingml/2006/main" xmlns:r="http://schemas.openxmlformats.org/officeDocument/2006/relationships" xmlns:p="http://schemas.openxmlformats.org/presentationml/2006/main">
   <p:cSld>
@@ -7130,7 +7166,7 @@
             </a:pPr>
             <a:r>
               <a:rPr/>
-              <a:t>Oral Intake at Home</a:t>
+              <a:t>Nutrition after Surgery</a:t>
             </a:r>
           </a:p>
         </p:txBody>
@@ -7155,31 +7191,55 @@
             </a:pPr>
             <a:r>
               <a:rPr/>
-              <a:t>Most are taking protein shakes when they go home</a:t>
-            </a:r>
-          </a:p>
-          <a:p>
-            <a:pPr lvl="0" indent="0" marL="0">
-              <a:buNone/>
-            </a:pPr>
-            <a:r>
-              <a:rPr/>
-              <a:t>Protein shakes are started after tolerating water</a:t>
-            </a:r>
-            <a:br/>
-          </a:p>
-          <a:p>
-            <a:pPr lvl="0"/>
-            <a:r>
-              <a:rPr/>
-              <a:t>2 oz per hour to start</a:t>
-            </a:r>
-          </a:p>
-          <a:p>
-            <a:pPr lvl="0"/>
-            <a:r>
-              <a:rPr/>
-              <a:t>4 oz per hour if 2oz are tolerated well</a:t>
+              <a:t>At discharge home:</a:t>
+            </a:r>
+          </a:p>
+          <a:p>
+            <a:pPr lvl="0"/>
+            <a:r>
+              <a:rPr/>
+              <a:t>Protein shakes 4oz every 2 hrs</a:t>
+            </a:r>
+          </a:p>
+          <a:p>
+            <a:pPr lvl="0"/>
+            <a:r>
+              <a:rPr/>
+              <a:t>Tube feeds 4-5 cans at night (6pm-10am)</a:t>
+            </a:r>
+          </a:p>
+          <a:p>
+            <a:pPr lvl="0" indent="0" marL="0">
+              <a:buNone/>
+            </a:pPr>
+            <a:r>
+              <a:rPr/>
+              <a:t>10-12 Days: Increase protein shakes</a:t>
+            </a:r>
+          </a:p>
+          <a:p>
+            <a:pPr lvl="0"/>
+            <a:r>
+              <a:rPr/>
+              <a:t>Tube feeds 3-4 cans at night</a:t>
+            </a:r>
+          </a:p>
+          <a:p>
+            <a:pPr lvl="0" indent="0" marL="0">
+              <a:buNone/>
+            </a:pPr>
+            <a:r>
+              <a:rPr/>
+              <a:t>Three weeks: Post-esophagectomy Diet</a:t>
+            </a:r>
+          </a:p>
+          <a:p>
+            <a:pPr lvl="0" indent="0" marL="0">
+              <a:buNone/>
+            </a:pPr>
+            <a:r>
+              <a:rPr/>
+              <a:t>8-12 weeks: Remove feeding tube (in office)</a:t>
             </a:r>
           </a:p>
         </p:txBody>
@@ -7190,376 +7250,6 @@
 </file>
 
 <file path=ppt/slides/slide39.xml><?xml version="1.0" encoding="utf-8"?>
-<p:sld xmlns:a="http://schemas.openxmlformats.org/drawingml/2006/main" xmlns:r="http://schemas.openxmlformats.org/officeDocument/2006/relationships" xmlns:p="http://schemas.openxmlformats.org/presentationml/2006/main">
-  <p:cSld>
-    <p:spTree>
-      <p:nvGrpSpPr>
-        <p:cNvPr id="1" name=""/>
-        <p:cNvGrpSpPr/>
-        <p:nvPr/>
-      </p:nvGrpSpPr>
-      <p:grpSpPr>
-        <a:xfrm>
-          <a:off x="0" y="0"/>
-          <a:ext cx="0" cy="0"/>
-          <a:chOff x="0" y="0"/>
-          <a:chExt cx="0" cy="0"/>
-        </a:xfrm>
-      </p:grpSpPr>
-      <p:sp>
-        <p:nvSpPr>
-          <p:cNvPr id="2" name="Title 1"/>
-          <p:cNvSpPr>
-            <a:spLocks noGrp="1"/>
-          </p:cNvSpPr>
-          <p:nvPr>
-            <p:ph type="title"/>
-          </p:nvPr>
-        </p:nvSpPr>
-        <p:spPr>
-          <a:xfrm>
-            <a:off x="284309" y="205979"/>
-            <a:ext cx="8552330" cy="662317"/>
-          </a:xfrm>
-        </p:spPr>
-        <p:txBody>
-          <a:bodyPr/>
-          <a:lstStyle/>
-          <a:p>
-            <a:pPr lvl="0" indent="0" marL="0">
-              <a:buNone/>
-            </a:pPr>
-            <a:r>
-              <a:rPr/>
-              <a:t>Discharge</a:t>
-            </a:r>
-          </a:p>
-        </p:txBody>
-      </p:sp>
-      <p:sp>
-        <p:nvSpPr>
-          <p:cNvPr id="3" name="Content Placeholder 2"/>
-          <p:cNvSpPr>
-            <a:spLocks noGrp="1"/>
-          </p:cNvSpPr>
-          <p:nvPr>
-            <p:ph idx="1"/>
-          </p:nvPr>
-        </p:nvSpPr>
-        <p:spPr/>
-        <p:txBody>
-          <a:bodyPr/>
-          <a:lstStyle/>
-          <a:p>
-            <a:pPr lvl="0" indent="0" marL="0">
-              <a:buNone/>
-            </a:pPr>
-            <a:r>
-              <a:rPr/>
-              <a:t>Goal: ready to leave day #6/7 after surgery</a:t>
-            </a:r>
-          </a:p>
-          <a:p>
-            <a:pPr lvl="0"/>
-            <a:r>
-              <a:rPr/>
-              <a:t>Night-time tube feedings (6pm to 10am)</a:t>
-            </a:r>
-          </a:p>
-          <a:p>
-            <a:pPr lvl="0"/>
-            <a:r>
-              <a:rPr/>
-              <a:t>Nutrition by mouth (70% of patients)</a:t>
-            </a:r>
-          </a:p>
-          <a:p>
-            <a:pPr lvl="1"/>
-            <a:r>
-              <a:rPr/>
-              <a:t>1 oz of water per hour by mouth OR</a:t>
-            </a:r>
-          </a:p>
-          <a:p>
-            <a:pPr lvl="1"/>
-            <a:r>
-              <a:rPr/>
-              <a:t>Protein shakes 4oz every 2 hours</a:t>
-            </a:r>
-          </a:p>
-          <a:p>
-            <a:pPr lvl="0"/>
-            <a:r>
-              <a:rPr/>
-              <a:t>Water through tube 8oz four times per day</a:t>
-            </a:r>
-          </a:p>
-          <a:p>
-            <a:pPr lvl="0"/>
-            <a:r>
-              <a:rPr/>
-              <a:t>Home care nursing (feeding tube teaching)</a:t>
-            </a:r>
-          </a:p>
-          <a:p>
-            <a:pPr lvl="0"/>
-            <a:r>
-              <a:rPr/>
-              <a:t>Home infusion (tube feeding supplies)</a:t>
-            </a:r>
-          </a:p>
-        </p:txBody>
-      </p:sp>
-    </p:spTree>
-  </p:cSld>
-</p:sld>
-</file>
-
-<file path=ppt/slides/slide4.xml><?xml version="1.0" encoding="utf-8"?>
-<p:sld xmlns:a="http://schemas.openxmlformats.org/drawingml/2006/main" xmlns:r="http://schemas.openxmlformats.org/officeDocument/2006/relationships" xmlns:p="http://schemas.openxmlformats.org/presentationml/2006/main">
-  <p:cSld>
-    <p:spTree>
-      <p:nvGrpSpPr>
-        <p:cNvPr id="1" name=""/>
-        <p:cNvGrpSpPr/>
-        <p:nvPr/>
-      </p:nvGrpSpPr>
-      <p:grpSpPr>
-        <a:xfrm>
-          <a:off x="0" y="0"/>
-          <a:ext cx="0" cy="0"/>
-          <a:chOff x="0" y="0"/>
-          <a:chExt cx="0" cy="0"/>
-        </a:xfrm>
-      </p:grpSpPr>
-      <p:sp>
-        <p:nvSpPr>
-          <p:cNvPr id="2" name="Title 1"/>
-          <p:cNvSpPr>
-            <a:spLocks noGrp="1"/>
-          </p:cNvSpPr>
-          <p:nvPr>
-            <p:ph type="title"/>
-          </p:nvPr>
-        </p:nvSpPr>
-        <p:spPr>
-          <a:xfrm>
-            <a:off x="315045" y="205979"/>
-            <a:ext cx="8529278" cy="857250"/>
-          </a:xfrm>
-        </p:spPr>
-        <p:txBody>
-          <a:bodyPr/>
-          <a:lstStyle/>
-          <a:p>
-            <a:pPr lvl="0" indent="0" marL="0">
-              <a:buNone/>
-            </a:pPr>
-            <a:r>
-              <a:rPr/>
-              <a:t>Ivor Lewis (Transthoracic) Esophagectomy</a:t>
-            </a:r>
-          </a:p>
-        </p:txBody>
-      </p:sp>
-      <p:sp>
-        <p:nvSpPr>
-          <p:cNvPr id="3" name="Content Placeholder 2"/>
-          <p:cNvSpPr>
-            <a:spLocks noGrp="1"/>
-          </p:cNvSpPr>
-          <p:nvPr>
-            <p:ph idx="1" sz="half"/>
-          </p:nvPr>
-        </p:nvSpPr>
-        <p:spPr/>
-        <p:txBody>
-          <a:bodyPr/>
-          <a:lstStyle/>
-          <a:p>
-            <a:pPr lvl="0"/>
-            <a:r>
-              <a:rPr/>
-              <a:t>Removes tumor and lower 1/3 esophagus</a:t>
-            </a:r>
-          </a:p>
-          <a:p>
-            <a:pPr lvl="0"/>
-            <a:r>
-              <a:rPr/>
-              <a:t>Removes surrounding lymph nodes</a:t>
-            </a:r>
-          </a:p>
-          <a:p>
-            <a:pPr lvl="0"/>
-            <a:r>
-              <a:rPr/>
-              <a:t>GI tract reconstructed</a:t>
-            </a:r>
-          </a:p>
-        </p:txBody>
-      </p:sp>
-      <p:pic>
-        <p:nvPicPr>
-          <p:cNvPr descr="https://deidt7p41jzcy.cloudfront.net/Eso_Resection2_ai.png" id="0" name="Picture 1"/>
-          <p:cNvPicPr>
-            <a:picLocks noGrp="1" noChangeAspect="1"/>
-          </p:cNvPicPr>
-          <p:nvPr/>
-        </p:nvPicPr>
-        <p:blipFill>
-          <a:blip r:embed="rId2"/>
-          <a:stretch>
-            <a:fillRect/>
-          </a:stretch>
-        </p:blipFill>
-        <p:spPr bwMode="auto">
-          <a:xfrm>
-            <a:off x="4914900" y="1193800"/>
-            <a:ext cx="3632200" cy="3733800"/>
-          </a:xfrm>
-          <a:prstGeom prst="rect">
-            <a:avLst/>
-          </a:prstGeom>
-          <a:noFill/>
-          <a:ln w="9525">
-            <a:noFill/>
-            <a:headEnd/>
-            <a:tailEnd/>
-          </a:ln>
-        </p:spPr>
-      </p:pic>
-    </p:spTree>
-  </p:cSld>
-</p:sld>
-</file>
-
-<file path=ppt/slides/slide40.xml><?xml version="1.0" encoding="utf-8"?>
-<p:sld xmlns:a="http://schemas.openxmlformats.org/drawingml/2006/main" xmlns:r="http://schemas.openxmlformats.org/officeDocument/2006/relationships" xmlns:p="http://schemas.openxmlformats.org/presentationml/2006/main">
-  <p:cSld>
-    <p:spTree>
-      <p:nvGrpSpPr>
-        <p:cNvPr id="1" name=""/>
-        <p:cNvGrpSpPr/>
-        <p:nvPr/>
-      </p:nvGrpSpPr>
-      <p:grpSpPr>
-        <a:xfrm>
-          <a:off x="0" y="0"/>
-          <a:ext cx="0" cy="0"/>
-          <a:chOff x="0" y="0"/>
-          <a:chExt cx="0" cy="0"/>
-        </a:xfrm>
-      </p:grpSpPr>
-      <p:sp>
-        <p:nvSpPr>
-          <p:cNvPr id="2" name="Title 1"/>
-          <p:cNvSpPr>
-            <a:spLocks noGrp="1"/>
-          </p:cNvSpPr>
-          <p:nvPr>
-            <p:ph type="title"/>
-          </p:nvPr>
-        </p:nvSpPr>
-        <p:spPr>
-          <a:xfrm>
-            <a:off x="284309" y="205979"/>
-            <a:ext cx="8552330" cy="662317"/>
-          </a:xfrm>
-        </p:spPr>
-        <p:txBody>
-          <a:bodyPr/>
-          <a:lstStyle/>
-          <a:p>
-            <a:pPr lvl="0" indent="0" marL="0">
-              <a:buNone/>
-            </a:pPr>
-            <a:r>
-              <a:rPr/>
-              <a:t>Nutrition after Surgery</a:t>
-            </a:r>
-          </a:p>
-        </p:txBody>
-      </p:sp>
-      <p:sp>
-        <p:nvSpPr>
-          <p:cNvPr id="3" name="Content Placeholder 2"/>
-          <p:cNvSpPr>
-            <a:spLocks noGrp="1"/>
-          </p:cNvSpPr>
-          <p:nvPr>
-            <p:ph idx="1"/>
-          </p:nvPr>
-        </p:nvSpPr>
-        <p:spPr/>
-        <p:txBody>
-          <a:bodyPr/>
-          <a:lstStyle/>
-          <a:p>
-            <a:pPr lvl="0" indent="0" marL="0">
-              <a:buNone/>
-            </a:pPr>
-            <a:r>
-              <a:rPr/>
-              <a:t>At discharge home:</a:t>
-            </a:r>
-          </a:p>
-          <a:p>
-            <a:pPr lvl="0"/>
-            <a:r>
-              <a:rPr/>
-              <a:t>Protein shakes 4oz every 2 hrs</a:t>
-            </a:r>
-          </a:p>
-          <a:p>
-            <a:pPr lvl="0"/>
-            <a:r>
-              <a:rPr/>
-              <a:t>Tube feeds 4-5 cans at night (6pm-10am)</a:t>
-            </a:r>
-          </a:p>
-          <a:p>
-            <a:pPr lvl="0" indent="0" marL="0">
-              <a:buNone/>
-            </a:pPr>
-            <a:r>
-              <a:rPr/>
-              <a:t>10-12 Days: Increase protein shakes</a:t>
-            </a:r>
-          </a:p>
-          <a:p>
-            <a:pPr lvl="0"/>
-            <a:r>
-              <a:rPr/>
-              <a:t>Tube feeds 3-4 cans at night</a:t>
-            </a:r>
-          </a:p>
-          <a:p>
-            <a:pPr lvl="0" indent="0" marL="0">
-              <a:buNone/>
-            </a:pPr>
-            <a:r>
-              <a:rPr/>
-              <a:t>Three weeks: Post-esophagectomy Diet</a:t>
-            </a:r>
-          </a:p>
-          <a:p>
-            <a:pPr lvl="0" indent="0" marL="0">
-              <a:buNone/>
-            </a:pPr>
-            <a:r>
-              <a:rPr/>
-              <a:t>8-12 weeks: Remove feeding tube (in office)</a:t>
-            </a:r>
-          </a:p>
-        </p:txBody>
-      </p:sp>
-    </p:spTree>
-  </p:cSld>
-</p:sld>
-</file>
-
-<file path=ppt/slides/slide41.xml><?xml version="1.0" encoding="utf-8"?>
 <p:sld xmlns:a="http://schemas.openxmlformats.org/drawingml/2006/main" xmlns:r="http://schemas.openxmlformats.org/officeDocument/2006/relationships" xmlns:p="http://schemas.openxmlformats.org/presentationml/2006/main">
   <p:cSld>
     <p:spTree>
@@ -7716,6 +7406,372 @@
 </p:sld>
 </file>
 
+<file path=ppt/slides/slide4.xml><?xml version="1.0" encoding="utf-8"?>
+<p:sld xmlns:a="http://schemas.openxmlformats.org/drawingml/2006/main" xmlns:r="http://schemas.openxmlformats.org/officeDocument/2006/relationships" xmlns:p="http://schemas.openxmlformats.org/presentationml/2006/main">
+  <p:cSld>
+    <p:spTree>
+      <p:nvGrpSpPr>
+        <p:cNvPr id="1" name=""/>
+        <p:cNvGrpSpPr/>
+        <p:nvPr/>
+      </p:nvGrpSpPr>
+      <p:grpSpPr>
+        <a:xfrm>
+          <a:off x="0" y="0"/>
+          <a:ext cx="0" cy="0"/>
+          <a:chOff x="0" y="0"/>
+          <a:chExt cx="0" cy="0"/>
+        </a:xfrm>
+      </p:grpSpPr>
+      <p:sp>
+        <p:nvSpPr>
+          <p:cNvPr id="2" name="Title 1"/>
+          <p:cNvSpPr>
+            <a:spLocks noGrp="1"/>
+          </p:cNvSpPr>
+          <p:nvPr>
+            <p:ph type="title"/>
+          </p:nvPr>
+        </p:nvSpPr>
+        <p:spPr>
+          <a:xfrm>
+            <a:off x="315045" y="205979"/>
+            <a:ext cx="8529278" cy="857250"/>
+          </a:xfrm>
+        </p:spPr>
+        <p:txBody>
+          <a:bodyPr/>
+          <a:lstStyle/>
+          <a:p>
+            <a:pPr lvl="0" indent="0" marL="0">
+              <a:buNone/>
+            </a:pPr>
+            <a:r>
+              <a:rPr/>
+              <a:t>Ivor Lewis (Transthoracic) Esophagectomy</a:t>
+            </a:r>
+          </a:p>
+        </p:txBody>
+      </p:sp>
+      <p:sp>
+        <p:nvSpPr>
+          <p:cNvPr id="3" name="Content Placeholder 2"/>
+          <p:cNvSpPr>
+            <a:spLocks noGrp="1"/>
+          </p:cNvSpPr>
+          <p:nvPr>
+            <p:ph idx="1" sz="half"/>
+          </p:nvPr>
+        </p:nvSpPr>
+        <p:spPr/>
+        <p:txBody>
+          <a:bodyPr/>
+          <a:lstStyle/>
+          <a:p>
+            <a:pPr lvl="0"/>
+            <a:r>
+              <a:rPr/>
+              <a:t>Removes tumor and lower 1/3 esophagus</a:t>
+            </a:r>
+          </a:p>
+          <a:p>
+            <a:pPr lvl="0"/>
+            <a:r>
+              <a:rPr/>
+              <a:t>Removes surrounding lymph nodes</a:t>
+            </a:r>
+          </a:p>
+          <a:p>
+            <a:pPr lvl="0"/>
+            <a:r>
+              <a:rPr/>
+              <a:t>GI tract reconstructed</a:t>
+            </a:r>
+          </a:p>
+        </p:txBody>
+      </p:sp>
+      <p:pic>
+        <p:nvPicPr>
+          <p:cNvPr descr="images/Eso_Resection2_ai.png" id="0" name="Picture 1"/>
+          <p:cNvPicPr>
+            <a:picLocks noGrp="1" noChangeAspect="1"/>
+          </p:cNvPicPr>
+          <p:nvPr/>
+        </p:nvPicPr>
+        <p:blipFill>
+          <a:blip r:embed="rId2"/>
+          <a:stretch>
+            <a:fillRect/>
+          </a:stretch>
+        </p:blipFill>
+        <p:spPr bwMode="auto">
+          <a:xfrm>
+            <a:off x="4914900" y="1193800"/>
+            <a:ext cx="3632200" cy="3733800"/>
+          </a:xfrm>
+          <a:prstGeom prst="rect">
+            <a:avLst/>
+          </a:prstGeom>
+          <a:noFill/>
+          <a:ln w="9525">
+            <a:noFill/>
+            <a:headEnd/>
+            <a:tailEnd/>
+          </a:ln>
+        </p:spPr>
+      </p:pic>
+    </p:spTree>
+  </p:cSld>
+</p:sld>
+</file>
+
+<file path=ppt/slides/slide40.xml><?xml version="1.0" encoding="utf-8"?>
+<p:sld xmlns:a="http://schemas.openxmlformats.org/drawingml/2006/main" xmlns:r="http://schemas.openxmlformats.org/officeDocument/2006/relationships" xmlns:p="http://schemas.openxmlformats.org/presentationml/2006/main">
+  <p:cSld>
+    <p:spTree>
+      <p:nvGrpSpPr>
+        <p:cNvPr id="1" name=""/>
+        <p:cNvGrpSpPr/>
+        <p:nvPr/>
+      </p:nvGrpSpPr>
+      <p:grpSpPr>
+        <a:xfrm>
+          <a:off x="0" y="0"/>
+          <a:ext cx="0" cy="0"/>
+          <a:chOff x="0" y="0"/>
+          <a:chExt cx="0" cy="0"/>
+        </a:xfrm>
+      </p:grpSpPr>
+      <p:sp>
+        <p:nvSpPr>
+          <p:cNvPr id="2" name="Title 1"/>
+          <p:cNvSpPr>
+            <a:spLocks noGrp="1"/>
+          </p:cNvSpPr>
+          <p:nvPr>
+            <p:ph type="title"/>
+          </p:nvPr>
+        </p:nvSpPr>
+        <p:spPr>
+          <a:xfrm>
+            <a:off x="284309" y="205979"/>
+            <a:ext cx="8552330" cy="662317"/>
+          </a:xfrm>
+        </p:spPr>
+        <p:txBody>
+          <a:bodyPr/>
+          <a:lstStyle/>
+          <a:p>
+            <a:pPr lvl="0" indent="0" marL="0">
+              <a:buNone/>
+            </a:pPr>
+            <a:r>
+              <a:rPr/>
+              <a:t>Post-esophagectomy Diet</a:t>
+            </a:r>
+          </a:p>
+        </p:txBody>
+      </p:sp>
+      <p:sp>
+        <p:nvSpPr>
+          <p:cNvPr id="3" name="Content Placeholder 2"/>
+          <p:cNvSpPr>
+            <a:spLocks noGrp="1"/>
+          </p:cNvSpPr>
+          <p:nvPr>
+            <p:ph idx="1"/>
+          </p:nvPr>
+        </p:nvSpPr>
+        <p:spPr/>
+        <p:txBody>
+          <a:bodyPr/>
+          <a:lstStyle/>
+          <a:p>
+            <a:pPr lvl="0"/>
+            <a:r>
+              <a:rPr/>
+              <a:t>Soft Consistency</a:t>
+            </a:r>
+          </a:p>
+          <a:p>
+            <a:pPr lvl="0"/>
+            <a:r>
+              <a:rPr/>
+              <a:t>High Protein</a:t>
+            </a:r>
+          </a:p>
+          <a:p>
+            <a:pPr lvl="0"/>
+            <a:r>
+              <a:rPr/>
+              <a:t>Avoid sugary liquids (can cause ‘dumping’)</a:t>
+            </a:r>
+          </a:p>
+          <a:p>
+            <a:pPr lvl="0"/>
+            <a:r>
+              <a:rPr/>
+              <a:t>Avoid raw vegetables (and salads)</a:t>
+            </a:r>
+          </a:p>
+          <a:p>
+            <a:pPr lvl="0"/>
+            <a:r>
+              <a:rPr/>
+              <a:t>Eating</a:t>
+            </a:r>
+          </a:p>
+          <a:p>
+            <a:pPr lvl="1"/>
+            <a:r>
+              <a:rPr/>
+              <a:t>Small, frequent meals</a:t>
+            </a:r>
+          </a:p>
+          <a:p>
+            <a:pPr lvl="1"/>
+            <a:r>
+              <a:rPr/>
+              <a:t>Sit up for 30-45 minutes after eating</a:t>
+            </a:r>
+          </a:p>
+          <a:p>
+            <a:pPr lvl="1"/>
+            <a:r>
+              <a:rPr/>
+              <a:t>Avoid eating within 2 hours of bedtime</a:t>
+            </a:r>
+          </a:p>
+        </p:txBody>
+      </p:sp>
+    </p:spTree>
+  </p:cSld>
+</p:sld>
+</file>
+
+<file path=ppt/slides/slide41.xml><?xml version="1.0" encoding="utf-8"?>
+<p:sld xmlns:a="http://schemas.openxmlformats.org/drawingml/2006/main" xmlns:r="http://schemas.openxmlformats.org/officeDocument/2006/relationships" xmlns:p="http://schemas.openxmlformats.org/presentationml/2006/main">
+  <p:cSld>
+    <p:spTree>
+      <p:nvGrpSpPr>
+        <p:cNvPr id="1" name=""/>
+        <p:cNvGrpSpPr/>
+        <p:nvPr/>
+      </p:nvGrpSpPr>
+      <p:grpSpPr>
+        <a:xfrm>
+          <a:off x="0" y="0"/>
+          <a:ext cx="0" cy="0"/>
+          <a:chOff x="0" y="0"/>
+          <a:chExt cx="0" cy="0"/>
+        </a:xfrm>
+      </p:grpSpPr>
+      <p:sp>
+        <p:nvSpPr>
+          <p:cNvPr id="2" name="Title 1"/>
+          <p:cNvSpPr>
+            <a:spLocks noGrp="1"/>
+          </p:cNvSpPr>
+          <p:nvPr>
+            <p:ph type="title"/>
+          </p:nvPr>
+        </p:nvSpPr>
+        <p:spPr>
+          <a:xfrm>
+            <a:off x="284309" y="205979"/>
+            <a:ext cx="8552330" cy="662317"/>
+          </a:xfrm>
+        </p:spPr>
+        <p:txBody>
+          <a:bodyPr/>
+          <a:lstStyle/>
+          <a:p>
+            <a:pPr lvl="0" indent="0" marL="0">
+              <a:buNone/>
+            </a:pPr>
+            <a:r>
+              <a:rPr/>
+              <a:t>Medicines at Home - Pain</a:t>
+            </a:r>
+          </a:p>
+        </p:txBody>
+      </p:sp>
+      <p:sp>
+        <p:nvSpPr>
+          <p:cNvPr id="3" name="Content Placeholder 2"/>
+          <p:cNvSpPr>
+            <a:spLocks noGrp="1"/>
+          </p:cNvSpPr>
+          <p:nvPr>
+            <p:ph idx="1"/>
+          </p:nvPr>
+        </p:nvSpPr>
+        <p:spPr/>
+        <p:txBody>
+          <a:bodyPr/>
+          <a:lstStyle/>
+          <a:p>
+            <a:pPr lvl="0" indent="0" marL="0">
+              <a:buNone/>
+            </a:pPr>
+            <a:r>
+              <a:rPr/>
+              <a:t>Acetaminophen (Tylenol) 1000mg 4x/day</a:t>
+            </a:r>
+          </a:p>
+          <a:p>
+            <a:pPr lvl="0" indent="0" marL="0">
+              <a:buNone/>
+            </a:pPr>
+            <a:r>
+              <a:rPr/>
+              <a:t>Gabapentin 300mg 3 times/day</a:t>
+            </a:r>
+          </a:p>
+          <a:p>
+            <a:pPr lvl="0" indent="0" marL="0">
+              <a:buNone/>
+            </a:pPr>
+            <a:r>
+              <a:rPr/>
+              <a:t>Oxycodone</a:t>
+            </a:r>
+          </a:p>
+          <a:p>
+            <a:pPr lvl="0"/>
+            <a:r>
+              <a:rPr/>
+              <a:t>As needed in addition to Tylenol/gabapentin</a:t>
+            </a:r>
+          </a:p>
+          <a:p>
+            <a:pPr lvl="0"/>
+            <a:r>
+              <a:rPr/>
+              <a:t>Will begin reducing dose at first postop visit</a:t>
+            </a:r>
+          </a:p>
+          <a:p>
+            <a:pPr lvl="0"/>
+            <a:r>
+              <a:rPr/>
+              <a:t>Can usually discontinue by 4 weeks</a:t>
+            </a:r>
+          </a:p>
+          <a:p>
+            <a:pPr lvl="0"/>
+            <a:r>
+              <a:rPr/>
+              <a:t>NO DRIVING WHILE ON OXYCODONE</a:t>
+            </a:r>
+          </a:p>
+        </p:txBody>
+      </p:sp>
+    </p:spTree>
+  </p:cSld>
+</p:sld>
+</file>
+
 <file path=ppt/slides/slide42.xml><?xml version="1.0" encoding="utf-8"?>
 <p:sld xmlns:a="http://schemas.openxmlformats.org/drawingml/2006/main" xmlns:r="http://schemas.openxmlformats.org/officeDocument/2006/relationships" xmlns:p="http://schemas.openxmlformats.org/presentationml/2006/main">
   <p:cSld>
@@ -7758,7 +7814,7 @@
             </a:pPr>
             <a:r>
               <a:rPr/>
-              <a:t>Post-esophagectomy Diet</a:t>
+              <a:t>Non-steroidals Anti Inflammatory (NSAID)</a:t>
             </a:r>
           </a:p>
         </p:txBody>
@@ -7778,59 +7834,35 @@
           <a:bodyPr/>
           <a:lstStyle/>
           <a:p>
-            <a:pPr lvl="0"/>
-            <a:r>
-              <a:rPr/>
-              <a:t>Soft Consistency</a:t>
-            </a:r>
-          </a:p>
-          <a:p>
-            <a:pPr lvl="0"/>
-            <a:r>
-              <a:rPr/>
-              <a:t>High Protein</a:t>
-            </a:r>
-          </a:p>
-          <a:p>
-            <a:pPr lvl="0"/>
-            <a:r>
-              <a:rPr/>
-              <a:t>Avoid sugary liquids (can cause ‘dumping’)</a:t>
-            </a:r>
-          </a:p>
-          <a:p>
-            <a:pPr lvl="0"/>
-            <a:r>
-              <a:rPr/>
-              <a:t>Avoid raw vegetables (and salads)</a:t>
-            </a:r>
-          </a:p>
-          <a:p>
-            <a:pPr lvl="0"/>
-            <a:r>
-              <a:rPr/>
-              <a:t>Eating</a:t>
-            </a:r>
-          </a:p>
-          <a:p>
-            <a:pPr lvl="1"/>
-            <a:r>
-              <a:rPr/>
-              <a:t>Small, frequent meals</a:t>
-            </a:r>
-          </a:p>
-          <a:p>
-            <a:pPr lvl="1"/>
-            <a:r>
-              <a:rPr/>
-              <a:t>Sit up for 30-45 minutes after eating</a:t>
-            </a:r>
-          </a:p>
-          <a:p>
-            <a:pPr lvl="1"/>
-            <a:r>
-              <a:rPr/>
-              <a:t>Avoid eating within 2 hours of bedtime</a:t>
+            <a:pPr lvl="0" indent="0" marL="0">
+              <a:buNone/>
+            </a:pPr>
+            <a:r>
+              <a:rPr/>
+              <a:t>Non-steroidal anti-inflammatories (Celebrex)</a:t>
+            </a:r>
+          </a:p>
+          <a:p>
+            <a:pPr lvl="0"/>
+            <a:r>
+              <a:rPr/>
+              <a:t>200 mg every 12 hours starting at 2 weeks</a:t>
+            </a:r>
+          </a:p>
+          <a:p>
+            <a:pPr lvl="0" indent="0" marL="0">
+              <a:buNone/>
+            </a:pPr>
+            <a:r>
+              <a:rPr/>
+              <a:t>NO GOODY POWDERS OR BCs</a:t>
+            </a:r>
+          </a:p>
+          <a:p>
+            <a:pPr lvl="0"/>
+            <a:r>
+              <a:rPr/>
+              <a:t>(Can cause permanent scarring at the surgery site)</a:t>
             </a:r>
           </a:p>
         </p:txBody>
@@ -7882,7 +7914,7 @@
             </a:pPr>
             <a:r>
               <a:rPr/>
-              <a:t>Medicines at Home - Pain</a:t>
+              <a:t>Acid Blockers = Proton Pump Inhibitors</a:t>
             </a:r>
           </a:p>
         </p:txBody>
@@ -7907,53 +7939,28 @@
             </a:pPr>
             <a:r>
               <a:rPr/>
-              <a:t>Acetaminophen (Tylenol) 1000mg 4x/day</a:t>
-            </a:r>
-          </a:p>
-          <a:p>
-            <a:pPr lvl="0" indent="0" marL="0">
-              <a:buNone/>
-            </a:pPr>
-            <a:r>
-              <a:rPr/>
-              <a:t>Gabapentin 300mg 3 times/day</a:t>
-            </a:r>
-          </a:p>
-          <a:p>
-            <a:pPr lvl="0" indent="0" marL="0">
-              <a:buNone/>
-            </a:pPr>
-            <a:r>
-              <a:rPr/>
-              <a:t>Oxycodone</a:t>
-            </a:r>
-          </a:p>
-          <a:p>
-            <a:pPr lvl="0"/>
-            <a:r>
-              <a:rPr/>
-              <a:t>As needed in addition to Tylenol/gabapentin</a:t>
-            </a:r>
-          </a:p>
-          <a:p>
-            <a:pPr lvl="0"/>
-            <a:r>
-              <a:rPr/>
-              <a:t>Will begin reducing dose at first postop visit</a:t>
-            </a:r>
-          </a:p>
-          <a:p>
-            <a:pPr lvl="0"/>
-            <a:r>
-              <a:rPr/>
-              <a:t>Can usually discontinue by 4 weeks</a:t>
-            </a:r>
-          </a:p>
-          <a:p>
-            <a:pPr lvl="0"/>
-            <a:r>
-              <a:rPr/>
-              <a:t>NO DRIVING WHILE ON OXYCODONE</a:t>
+              <a:t>Examples include ompeprazole and pantoprazole</a:t>
+            </a:r>
+          </a:p>
+          <a:p>
+            <a:pPr lvl="0"/>
+            <a:r>
+              <a:rPr/>
+              <a:t>Will stay on for at 1-2 years to prevent acid reflux</a:t>
+            </a:r>
+          </a:p>
+          <a:p>
+            <a:pPr lvl="0"/>
+            <a:r>
+              <a:rPr/>
+              <a:t>Important in preventing scarring at anastomosis (new connection between esophagus and stomach)</a:t>
+            </a:r>
+          </a:p>
+          <a:p>
+            <a:pPr lvl="0"/>
+            <a:r>
+              <a:rPr/>
+              <a:t>To administer through feeding tube, open capsule and resuspend beads in 60mL (2oz) of water</a:t>
             </a:r>
           </a:p>
         </p:txBody>
@@ -8005,7 +8012,7 @@
             </a:pPr>
             <a:r>
               <a:rPr/>
-              <a:t>Non-steroidals Anti Inflammatory (NSAID)</a:t>
+              <a:t>Medicines at Home</a:t>
             </a:r>
           </a:p>
         </p:txBody>
@@ -8030,30 +8037,51 @@
             </a:pPr>
             <a:r>
               <a:rPr/>
-              <a:t>Non-steroidal anti-inflammatories (Celebrex)</a:t>
-            </a:r>
-          </a:p>
-          <a:p>
-            <a:pPr lvl="0"/>
-            <a:r>
-              <a:rPr/>
-              <a:t>200 mg every 12 hours starting at 2 weeks</a:t>
-            </a:r>
-          </a:p>
-          <a:p>
-            <a:pPr lvl="0" indent="0" marL="0">
-              <a:buNone/>
-            </a:pPr>
-            <a:r>
-              <a:rPr/>
-              <a:t>NO GOODY POWDERS OR BCs</a:t>
-            </a:r>
-          </a:p>
-          <a:p>
-            <a:pPr lvl="0"/>
-            <a:r>
-              <a:rPr/>
-              <a:t>(Can cause permanent scarring at the surgery site)</a:t>
+              <a:t>Reglan – Helps stomach empty</a:t>
+            </a:r>
+          </a:p>
+          <a:p>
+            <a:pPr lvl="0"/>
+            <a:r>
+              <a:rPr/>
+              <a:t>Will plan to stop after six weeks</a:t>
+            </a:r>
+          </a:p>
+          <a:p>
+            <a:pPr lvl="0"/>
+            <a:r>
+              <a:rPr/>
+              <a:t>0.1% risk of tardive dyskinesia (nervous tic)</a:t>
+            </a:r>
+          </a:p>
+          <a:p>
+            <a:pPr lvl="0" indent="0" marL="0">
+              <a:buNone/>
+            </a:pPr>
+            <a:r>
+              <a:rPr/>
+              <a:t>Remeron – Helps improve appetite</a:t>
+            </a:r>
+          </a:p>
+          <a:p>
+            <a:pPr lvl="0"/>
+            <a:r>
+              <a:rPr/>
+              <a:t>Can cause vivid dreams</a:t>
+            </a:r>
+          </a:p>
+          <a:p>
+            <a:pPr lvl="0"/>
+            <a:r>
+              <a:rPr/>
+              <a:t>Used for several weeks after surgery</a:t>
+            </a:r>
+          </a:p>
+          <a:p>
+            <a:pPr lvl="0"/>
+            <a:r>
+              <a:rPr/>
+              <a:t>Will stop within first three months of surgery</a:t>
             </a:r>
           </a:p>
         </p:txBody>
@@ -8064,225 +8092,6 @@
 </file>
 
 <file path=ppt/slides/slide45.xml><?xml version="1.0" encoding="utf-8"?>
-<p:sld xmlns:a="http://schemas.openxmlformats.org/drawingml/2006/main" xmlns:r="http://schemas.openxmlformats.org/officeDocument/2006/relationships" xmlns:p="http://schemas.openxmlformats.org/presentationml/2006/main">
-  <p:cSld>
-    <p:spTree>
-      <p:nvGrpSpPr>
-        <p:cNvPr id="1" name=""/>
-        <p:cNvGrpSpPr/>
-        <p:nvPr/>
-      </p:nvGrpSpPr>
-      <p:grpSpPr>
-        <a:xfrm>
-          <a:off x="0" y="0"/>
-          <a:ext cx="0" cy="0"/>
-          <a:chOff x="0" y="0"/>
-          <a:chExt cx="0" cy="0"/>
-        </a:xfrm>
-      </p:grpSpPr>
-      <p:sp>
-        <p:nvSpPr>
-          <p:cNvPr id="2" name="Title 1"/>
-          <p:cNvSpPr>
-            <a:spLocks noGrp="1"/>
-          </p:cNvSpPr>
-          <p:nvPr>
-            <p:ph type="title"/>
-          </p:nvPr>
-        </p:nvSpPr>
-        <p:spPr>
-          <a:xfrm>
-            <a:off x="284309" y="205979"/>
-            <a:ext cx="8552330" cy="662317"/>
-          </a:xfrm>
-        </p:spPr>
-        <p:txBody>
-          <a:bodyPr/>
-          <a:lstStyle/>
-          <a:p>
-            <a:pPr lvl="0" indent="0" marL="0">
-              <a:buNone/>
-            </a:pPr>
-            <a:r>
-              <a:rPr/>
-              <a:t>Acid Blockers = Proton Pump Inhibitors</a:t>
-            </a:r>
-          </a:p>
-        </p:txBody>
-      </p:sp>
-      <p:sp>
-        <p:nvSpPr>
-          <p:cNvPr id="3" name="Content Placeholder 2"/>
-          <p:cNvSpPr>
-            <a:spLocks noGrp="1"/>
-          </p:cNvSpPr>
-          <p:nvPr>
-            <p:ph idx="1"/>
-          </p:nvPr>
-        </p:nvSpPr>
-        <p:spPr/>
-        <p:txBody>
-          <a:bodyPr/>
-          <a:lstStyle/>
-          <a:p>
-            <a:pPr lvl="0" indent="0" marL="0">
-              <a:buNone/>
-            </a:pPr>
-            <a:r>
-              <a:rPr/>
-              <a:t>Examples include ompeprazole and pantoprazole</a:t>
-            </a:r>
-          </a:p>
-          <a:p>
-            <a:pPr lvl="0"/>
-            <a:r>
-              <a:rPr/>
-              <a:t>Will stay on for at 1-2 years to prevent acid reflux</a:t>
-            </a:r>
-          </a:p>
-          <a:p>
-            <a:pPr lvl="0"/>
-            <a:r>
-              <a:rPr/>
-              <a:t>Important in preventing scarring at anastomosis (new connection between esophagus and stomach)</a:t>
-            </a:r>
-          </a:p>
-          <a:p>
-            <a:pPr lvl="0"/>
-            <a:r>
-              <a:rPr/>
-              <a:t>To administer through feeding tube, open capsule and resuspend beads in 60mL (2oz) of water</a:t>
-            </a:r>
-          </a:p>
-        </p:txBody>
-      </p:sp>
-    </p:spTree>
-  </p:cSld>
-</p:sld>
-</file>
-
-<file path=ppt/slides/slide46.xml><?xml version="1.0" encoding="utf-8"?>
-<p:sld xmlns:a="http://schemas.openxmlformats.org/drawingml/2006/main" xmlns:r="http://schemas.openxmlformats.org/officeDocument/2006/relationships" xmlns:p="http://schemas.openxmlformats.org/presentationml/2006/main">
-  <p:cSld>
-    <p:spTree>
-      <p:nvGrpSpPr>
-        <p:cNvPr id="1" name=""/>
-        <p:cNvGrpSpPr/>
-        <p:nvPr/>
-      </p:nvGrpSpPr>
-      <p:grpSpPr>
-        <a:xfrm>
-          <a:off x="0" y="0"/>
-          <a:ext cx="0" cy="0"/>
-          <a:chOff x="0" y="0"/>
-          <a:chExt cx="0" cy="0"/>
-        </a:xfrm>
-      </p:grpSpPr>
-      <p:sp>
-        <p:nvSpPr>
-          <p:cNvPr id="2" name="Title 1"/>
-          <p:cNvSpPr>
-            <a:spLocks noGrp="1"/>
-          </p:cNvSpPr>
-          <p:nvPr>
-            <p:ph type="title"/>
-          </p:nvPr>
-        </p:nvSpPr>
-        <p:spPr>
-          <a:xfrm>
-            <a:off x="284309" y="205979"/>
-            <a:ext cx="8552330" cy="662317"/>
-          </a:xfrm>
-        </p:spPr>
-        <p:txBody>
-          <a:bodyPr/>
-          <a:lstStyle/>
-          <a:p>
-            <a:pPr lvl="0" indent="0" marL="0">
-              <a:buNone/>
-            </a:pPr>
-            <a:r>
-              <a:rPr/>
-              <a:t>Medicines at Home</a:t>
-            </a:r>
-          </a:p>
-        </p:txBody>
-      </p:sp>
-      <p:sp>
-        <p:nvSpPr>
-          <p:cNvPr id="3" name="Content Placeholder 2"/>
-          <p:cNvSpPr>
-            <a:spLocks noGrp="1"/>
-          </p:cNvSpPr>
-          <p:nvPr>
-            <p:ph idx="1"/>
-          </p:nvPr>
-        </p:nvSpPr>
-        <p:spPr/>
-        <p:txBody>
-          <a:bodyPr/>
-          <a:lstStyle/>
-          <a:p>
-            <a:pPr lvl="0" indent="0" marL="0">
-              <a:buNone/>
-            </a:pPr>
-            <a:r>
-              <a:rPr/>
-              <a:t>Reglan – Helps stomach empty</a:t>
-            </a:r>
-          </a:p>
-          <a:p>
-            <a:pPr lvl="0"/>
-            <a:r>
-              <a:rPr/>
-              <a:t>Will plan to stop after six weeks</a:t>
-            </a:r>
-          </a:p>
-          <a:p>
-            <a:pPr lvl="0"/>
-            <a:r>
-              <a:rPr/>
-              <a:t>0.1% risk of tardive dyskinesia (nervous tic)</a:t>
-            </a:r>
-          </a:p>
-          <a:p>
-            <a:pPr lvl="0" indent="0" marL="0">
-              <a:buNone/>
-            </a:pPr>
-            <a:r>
-              <a:rPr/>
-              <a:t>Remeron – Helps improve appetite</a:t>
-            </a:r>
-          </a:p>
-          <a:p>
-            <a:pPr lvl="0"/>
-            <a:r>
-              <a:rPr/>
-              <a:t>Can cause vivid dreams</a:t>
-            </a:r>
-          </a:p>
-          <a:p>
-            <a:pPr lvl="0"/>
-            <a:r>
-              <a:rPr/>
-              <a:t>Used for several weeks after surgery</a:t>
-            </a:r>
-          </a:p>
-          <a:p>
-            <a:pPr lvl="0"/>
-            <a:r>
-              <a:rPr/>
-              <a:t>Will stop within first three months of surgery</a:t>
-            </a:r>
-          </a:p>
-        </p:txBody>
-      </p:sp>
-    </p:spTree>
-  </p:cSld>
-</p:sld>
-</file>
-
-<file path=ppt/slides/slide47.xml><?xml version="1.0" encoding="utf-8"?>
 <p:sld xmlns:a="http://schemas.openxmlformats.org/drawingml/2006/main" xmlns:r="http://schemas.openxmlformats.org/officeDocument/2006/relationships" xmlns:p="http://schemas.openxmlformats.org/presentationml/2006/main">
   <p:cSld>
     <p:spTree>
@@ -8411,6 +8220,256 @@
 </p:sld>
 </file>
 
+<file path=ppt/slides/slide46.xml><?xml version="1.0" encoding="utf-8"?>
+<p:sld xmlns:a="http://schemas.openxmlformats.org/drawingml/2006/main" xmlns:r="http://schemas.openxmlformats.org/officeDocument/2006/relationships" xmlns:p="http://schemas.openxmlformats.org/presentationml/2006/main">
+  <p:cSld>
+    <p:spTree>
+      <p:nvGrpSpPr>
+        <p:cNvPr id="1" name=""/>
+        <p:cNvGrpSpPr/>
+        <p:nvPr/>
+      </p:nvGrpSpPr>
+      <p:grpSpPr>
+        <a:xfrm>
+          <a:off x="0" y="0"/>
+          <a:ext cx="0" cy="0"/>
+          <a:chOff x="0" y="0"/>
+          <a:chExt cx="0" cy="0"/>
+        </a:xfrm>
+      </p:grpSpPr>
+      <p:sp>
+        <p:nvSpPr>
+          <p:cNvPr id="2" name="Title 1"/>
+          <p:cNvSpPr>
+            <a:spLocks noGrp="1"/>
+          </p:cNvSpPr>
+          <p:nvPr>
+            <p:ph type="title"/>
+          </p:nvPr>
+        </p:nvSpPr>
+        <p:spPr>
+          <a:xfrm>
+            <a:off x="315045" y="205979"/>
+            <a:ext cx="8529278" cy="857250"/>
+          </a:xfrm>
+        </p:spPr>
+        <p:txBody>
+          <a:bodyPr/>
+          <a:lstStyle/>
+          <a:p>
+            <a:pPr lvl="0" indent="0" marL="0">
+              <a:buNone/>
+            </a:pPr>
+            <a:r>
+              <a:rPr/>
+              <a:t>Sleeping at Home</a:t>
+            </a:r>
+          </a:p>
+        </p:txBody>
+      </p:sp>
+      <p:sp>
+        <p:nvSpPr>
+          <p:cNvPr id="3" name="Content Placeholder 2"/>
+          <p:cNvSpPr>
+            <a:spLocks noGrp="1"/>
+          </p:cNvSpPr>
+          <p:nvPr>
+            <p:ph idx="1" sz="half"/>
+          </p:nvPr>
+        </p:nvSpPr>
+        <p:spPr/>
+        <p:txBody>
+          <a:bodyPr/>
+          <a:lstStyle/>
+          <a:p>
+            <a:pPr lvl="0" indent="0" marL="0">
+              <a:buNone/>
+            </a:pPr>
+            <a:r>
+              <a:rPr/>
+              <a:t>Reflux can occur the first few weeks/months after surgery</a:t>
+            </a:r>
+          </a:p>
+          <a:p>
+            <a:pPr lvl="0" indent="0" marL="0">
+              <a:buNone/>
+            </a:pPr>
+            <a:r>
+              <a:rPr/>
+              <a:t>This improves over the first few months</a:t>
+            </a:r>
+          </a:p>
+          <a:p>
+            <a:pPr lvl="0" indent="0" marL="0">
+              <a:buNone/>
+            </a:pPr>
+            <a:r>
+              <a:rPr/>
+              <a:t>A wedge pillow can be helpful for sleep</a:t>
+            </a:r>
+          </a:p>
+        </p:txBody>
+      </p:sp>
+      <p:pic>
+        <p:nvPicPr>
+          <p:cNvPr descr="images/wedge_pillow_comm.jpg" id="0" name="Picture 1"/>
+          <p:cNvPicPr>
+            <a:picLocks noGrp="1" noChangeAspect="1"/>
+          </p:cNvPicPr>
+          <p:nvPr/>
+        </p:nvPicPr>
+        <p:blipFill>
+          <a:blip r:embed="rId2"/>
+          <a:stretch>
+            <a:fillRect/>
+          </a:stretch>
+        </p:blipFill>
+        <p:spPr bwMode="auto">
+          <a:xfrm>
+            <a:off x="4864100" y="1193800"/>
+            <a:ext cx="3733800" cy="3733800"/>
+          </a:xfrm>
+          <a:prstGeom prst="rect">
+            <a:avLst/>
+          </a:prstGeom>
+          <a:noFill/>
+          <a:ln w="9525">
+            <a:noFill/>
+            <a:headEnd/>
+            <a:tailEnd/>
+          </a:ln>
+        </p:spPr>
+      </p:pic>
+    </p:spTree>
+  </p:cSld>
+</p:sld>
+</file>
+
+<file path=ppt/slides/slide47.xml><?xml version="1.0" encoding="utf-8"?>
+<p:sld xmlns:a="http://schemas.openxmlformats.org/drawingml/2006/main" xmlns:r="http://schemas.openxmlformats.org/officeDocument/2006/relationships" xmlns:p="http://schemas.openxmlformats.org/presentationml/2006/main">
+  <p:cSld>
+    <p:spTree>
+      <p:nvGrpSpPr>
+        <p:cNvPr id="1" name=""/>
+        <p:cNvGrpSpPr/>
+        <p:nvPr/>
+      </p:nvGrpSpPr>
+      <p:grpSpPr>
+        <a:xfrm>
+          <a:off x="0" y="0"/>
+          <a:ext cx="0" cy="0"/>
+          <a:chOff x="0" y="0"/>
+          <a:chExt cx="0" cy="0"/>
+        </a:xfrm>
+      </p:grpSpPr>
+      <p:sp>
+        <p:nvSpPr>
+          <p:cNvPr id="2" name="Title 1"/>
+          <p:cNvSpPr>
+            <a:spLocks noGrp="1"/>
+          </p:cNvSpPr>
+          <p:nvPr>
+            <p:ph type="title"/>
+          </p:nvPr>
+        </p:nvSpPr>
+        <p:spPr>
+          <a:xfrm>
+            <a:off x="284309" y="205979"/>
+            <a:ext cx="8552330" cy="662317"/>
+          </a:xfrm>
+        </p:spPr>
+        <p:txBody>
+          <a:bodyPr/>
+          <a:lstStyle/>
+          <a:p>
+            <a:pPr lvl="0" indent="0" marL="0">
+              <a:buNone/>
+            </a:pPr>
+            <a:r>
+              <a:rPr/>
+              <a:t>Postoperative Visit at 7-10 Days</a:t>
+            </a:r>
+          </a:p>
+        </p:txBody>
+      </p:sp>
+      <p:sp>
+        <p:nvSpPr>
+          <p:cNvPr id="3" name="Content Placeholder 2"/>
+          <p:cNvSpPr>
+            <a:spLocks noGrp="1"/>
+          </p:cNvSpPr>
+          <p:nvPr>
+            <p:ph idx="1"/>
+          </p:nvPr>
+        </p:nvSpPr>
+        <p:spPr/>
+        <p:txBody>
+          <a:bodyPr/>
+          <a:lstStyle/>
+          <a:p>
+            <a:pPr lvl="0" indent="0" marL="0">
+              <a:buNone/>
+            </a:pPr>
+            <a:r>
+              <a:rPr/>
+              <a:t>Check surgical site</a:t>
+            </a:r>
+          </a:p>
+          <a:p>
+            <a:pPr lvl="0"/>
+            <a:r>
+              <a:rPr/>
+              <a:t>Remove staples (if needed)</a:t>
+            </a:r>
+          </a:p>
+          <a:p>
+            <a:pPr lvl="0" indent="0" marL="0">
+              <a:buNone/>
+            </a:pPr>
+            <a:r>
+              <a:rPr/>
+              <a:t>Adjust medicines as needed</a:t>
+            </a:r>
+          </a:p>
+          <a:p>
+            <a:pPr lvl="0"/>
+            <a:r>
+              <a:rPr/>
+              <a:t>Insulin (for diabetic patients on insulin)</a:t>
+            </a:r>
+          </a:p>
+          <a:p>
+            <a:pPr lvl="0"/>
+            <a:r>
+              <a:rPr/>
+              <a:t>Reduce beta blocker medicines</a:t>
+            </a:r>
+          </a:p>
+          <a:p>
+            <a:pPr lvl="0" indent="0" marL="0">
+              <a:buNone/>
+            </a:pPr>
+            <a:r>
+              <a:rPr/>
+              <a:t>Advance diet</a:t>
+            </a:r>
+          </a:p>
+          <a:p>
+            <a:pPr lvl="0" indent="0" marL="0">
+              <a:buNone/>
+            </a:pPr>
+            <a:r>
+              <a:rPr/>
+              <a:t>Reduce tube feeds</a:t>
+            </a:r>
+          </a:p>
+        </p:txBody>
+      </p:sp>
+    </p:spTree>
+  </p:cSld>
+</p:sld>
+</file>
+
 <file path=ppt/slides/slide48.xml><?xml version="1.0" encoding="utf-8"?>
 <p:sld xmlns:a="http://schemas.openxmlformats.org/drawingml/2006/main" xmlns:r="http://schemas.openxmlformats.org/officeDocument/2006/relationships" xmlns:p="http://schemas.openxmlformats.org/presentationml/2006/main">
   <p:cSld>
@@ -8440,20 +8499,20 @@
         </p:nvSpPr>
         <p:spPr>
           <a:xfrm>
-            <a:off x="315045" y="205979"/>
-            <a:ext cx="8529278" cy="857250"/>
-          </a:xfrm>
-        </p:spPr>
-        <p:txBody>
-          <a:bodyPr/>
-          <a:lstStyle/>
-          <a:p>
-            <a:pPr lvl="0" indent="0" marL="0">
-              <a:buNone/>
-            </a:pPr>
-            <a:r>
-              <a:rPr/>
-              <a:t>Sleeping at Home</a:t>
+            <a:off x="284309" y="205979"/>
+            <a:ext cx="8552330" cy="662317"/>
+          </a:xfrm>
+        </p:spPr>
+        <p:txBody>
+          <a:bodyPr/>
+          <a:lstStyle/>
+          <a:p>
+            <a:pPr lvl="0" indent="0" marL="0">
+              <a:buNone/>
+            </a:pPr>
+            <a:r>
+              <a:rPr/>
+              <a:t>After surgery</a:t>
             </a:r>
           </a:p>
         </p:txBody>
@@ -8465,7 +8524,7 @@
             <a:spLocks noGrp="1"/>
           </p:cNvSpPr>
           <p:nvPr>
-            <p:ph idx="1" sz="half"/>
+            <p:ph idx="1"/>
           </p:nvPr>
         </p:nvSpPr>
         <p:spPr/>
@@ -8478,59 +8537,41 @@
             </a:pPr>
             <a:r>
               <a:rPr/>
-              <a:t>Reflux can occur the first few weeks/months after surgery</a:t>
-            </a:r>
-          </a:p>
-          <a:p>
-            <a:pPr lvl="0" indent="0" marL="0">
-              <a:buNone/>
-            </a:pPr>
-            <a:r>
-              <a:rPr/>
-              <a:t>This improves over the first few months</a:t>
-            </a:r>
-          </a:p>
-          <a:p>
-            <a:pPr lvl="0" indent="0" marL="0">
-              <a:buNone/>
-            </a:pPr>
-            <a:r>
-              <a:rPr/>
-              <a:t>A wedge pillow can be helpful for sleep</a:t>
-            </a:r>
-          </a:p>
-        </p:txBody>
-      </p:sp>
-      <p:pic>
-        <p:nvPicPr>
-          <p:cNvPr descr="https://deidt7p41jzcy.cloudfront.net/wedge_pillow_comm.jpg" id="0" name="Picture 1"/>
-          <p:cNvPicPr>
-            <a:picLocks noGrp="1" noChangeAspect="1"/>
-          </p:cNvPicPr>
-          <p:nvPr/>
-        </p:nvPicPr>
-        <p:blipFill>
-          <a:blip r:embed="rId2"/>
-          <a:stretch>
-            <a:fillRect/>
-          </a:stretch>
-        </p:blipFill>
-        <p:spPr bwMode="auto">
-          <a:xfrm>
-            <a:off x="4864100" y="1193800"/>
-            <a:ext cx="3733800" cy="3733800"/>
-          </a:xfrm>
-          <a:prstGeom prst="rect">
-            <a:avLst/>
-          </a:prstGeom>
-          <a:noFill/>
-          <a:ln w="9525">
-            <a:noFill/>
-            <a:headEnd/>
-            <a:tailEnd/>
-          </a:ln>
-        </p:spPr>
-      </p:pic>
+              <a:t>Wean off medicines added after surgery</a:t>
+            </a:r>
+          </a:p>
+          <a:p>
+            <a:pPr lvl="0"/>
+            <a:r>
+              <a:rPr/>
+              <a:t>Pain medicines</a:t>
+            </a:r>
+          </a:p>
+          <a:p>
+            <a:pPr lvl="0"/>
+            <a:r>
+              <a:rPr/>
+              <a:t>Beta-blockers</a:t>
+            </a:r>
+          </a:p>
+          <a:p>
+            <a:pPr lvl="0"/>
+            <a:r>
+              <a:rPr/>
+              <a:t>Reglan and Remeron</a:t>
+            </a:r>
+          </a:p>
+          <a:p>
+            <a:pPr lvl="0" indent="0" marL="0">
+              <a:buNone/>
+            </a:pPr>
+            <a:r>
+              <a:rPr/>
+              <a:t>Continue acid blockers for at least 1 year</a:t>
+            </a:r>
+          </a:p>
+        </p:txBody>
+      </p:sp>
     </p:spTree>
   </p:cSld>
 </p:sld>
@@ -8578,7 +8619,7 @@
             </a:pPr>
             <a:r>
               <a:rPr/>
-              <a:t>Postoperative Visit at 7-10 Days</a:t>
+              <a:t>Jejunostomy Removal</a:t>
             </a:r>
           </a:p>
         </p:txBody>
@@ -8603,55 +8644,25 @@
             </a:pPr>
             <a:r>
               <a:rPr/>
-              <a:t>Check surgical site</a:t>
-            </a:r>
-          </a:p>
-          <a:p>
-            <a:pPr lvl="0"/>
-            <a:r>
-              <a:rPr/>
-              <a:t>Remove staples (if needed)</a:t>
-            </a:r>
-          </a:p>
-          <a:p>
-            <a:pPr lvl="0" indent="0" marL="0">
-              <a:buNone/>
-            </a:pPr>
-            <a:r>
-              <a:rPr/>
-              <a:t>Adjust medicines as needed</a:t>
-            </a:r>
-          </a:p>
-          <a:p>
-            <a:pPr lvl="0"/>
-            <a:r>
-              <a:rPr/>
-              <a:t>Insulin (for diabetic patients on insulin)</a:t>
-            </a:r>
-          </a:p>
-          <a:p>
-            <a:pPr lvl="0"/>
-            <a:r>
-              <a:rPr/>
-              <a:t>Reduce beta blocker medicines</a:t>
-            </a:r>
-          </a:p>
-          <a:p>
-            <a:pPr lvl="0" indent="0" marL="0">
-              <a:buNone/>
-            </a:pPr>
-            <a:r>
-              <a:rPr/>
-              <a:t>Advance diet</a:t>
-            </a:r>
-          </a:p>
-          <a:p>
-            <a:pPr lvl="0" indent="0" marL="0">
-              <a:buNone/>
-            </a:pPr>
-            <a:r>
-              <a:rPr/>
-              <a:t>Reduce tube feeds</a:t>
+              <a:t>Jejunostomy tube is removed in the office once you can take in enough nutrients by mouth</a:t>
+            </a:r>
+          </a:p>
+          <a:p>
+            <a:pPr lvl="0" indent="0" marL="0">
+              <a:buNone/>
+            </a:pPr>
+            <a:r>
+              <a:rPr/>
+              <a:t>Removal usually around 8 weeks after surgery</a:t>
+            </a:r>
+          </a:p>
+          <a:p>
+            <a:pPr lvl="0" indent="0" marL="0">
+              <a:buNone/>
+            </a:pPr>
+            <a:r>
+              <a:rPr/>
+              <a:t>May take 30 minutes and some local anesthetic to loosen up the tube for removal.</a:t>
             </a:r>
           </a:p>
         </p:txBody>
@@ -8735,7 +8746,7 @@
       </p:sp>
       <p:pic>
         <p:nvPicPr>
-          <p:cNvPr descr="https://deidt7p41jzcy.cloudfront.net/Eso_Resection3_ai.png" id="0" name="Picture 1"/>
+          <p:cNvPr descr="images/Eso_Resection3_ai.png" id="0" name="Picture 1"/>
           <p:cNvPicPr>
             <a:picLocks noGrp="1" noChangeAspect="1"/>
           </p:cNvPicPr>
@@ -8810,7 +8821,7 @@
             </a:pPr>
             <a:r>
               <a:rPr/>
-              <a:t>After surgery</a:t>
+              <a:t>Nutritional Monitoring after Surgery</a:t>
             </a:r>
           </a:p>
         </p:txBody>
@@ -8835,37 +8846,28 @@
             </a:pPr>
             <a:r>
               <a:rPr/>
-              <a:t>Wean off medicines added after surgery</a:t>
-            </a:r>
-          </a:p>
-          <a:p>
-            <a:pPr lvl="0"/>
-            <a:r>
-              <a:rPr/>
-              <a:t>Pain medicines</a:t>
-            </a:r>
-          </a:p>
-          <a:p>
-            <a:pPr lvl="0"/>
-            <a:r>
-              <a:rPr/>
-              <a:t>Beta-blockers</a:t>
-            </a:r>
-          </a:p>
-          <a:p>
-            <a:pPr lvl="0"/>
-            <a:r>
-              <a:rPr/>
-              <a:t>Reglan and Remeron</a:t>
-            </a:r>
-          </a:p>
-          <a:p>
-            <a:pPr lvl="0" indent="0" marL="0">
-              <a:buNone/>
-            </a:pPr>
-            <a:r>
-              <a:rPr/>
-              <a:t>Continue acid blockers for at least 1 year</a:t>
+              <a:t>You may have difficulty absorbing some nutrients:</a:t>
+            </a:r>
+          </a:p>
+          <a:p>
+            <a:pPr lvl="0"/>
+            <a:r>
+              <a:rPr/>
+              <a:t>Iron</a:t>
+            </a:r>
+          </a:p>
+          <a:p>
+            <a:pPr lvl="0"/>
+            <a:r>
+              <a:rPr/>
+              <a:t>Vitamin B12</a:t>
+            </a:r>
+          </a:p>
+          <a:p>
+            <a:pPr lvl="0"/>
+            <a:r>
+              <a:rPr/>
+              <a:t>Vitamin D</a:t>
             </a:r>
           </a:p>
         </p:txBody>
@@ -8917,7 +8919,7 @@
             </a:pPr>
             <a:r>
               <a:rPr/>
-              <a:t>Jejunostomy Removal</a:t>
+              <a:t>Nutritional Monitoring after Surgery</a:t>
             </a:r>
           </a:p>
         </p:txBody>
@@ -8942,25 +8944,28 @@
             </a:pPr>
             <a:r>
               <a:rPr/>
-              <a:t>Jejunostomy tube is removed in the office once you can take in enough nutrients by mouth</a:t>
-            </a:r>
-          </a:p>
-          <a:p>
-            <a:pPr lvl="0" indent="0" marL="0">
-              <a:buNone/>
-            </a:pPr>
-            <a:r>
-              <a:rPr/>
-              <a:t>Removal usually around 8 weeks after surgery</a:t>
-            </a:r>
-          </a:p>
-          <a:p>
-            <a:pPr lvl="0" indent="0" marL="0">
-              <a:buNone/>
-            </a:pPr>
-            <a:r>
-              <a:rPr/>
-              <a:t>May take 30 minutes and some local anesthetic to loosen up the tube for removal.</a:t>
+              <a:t>About 3 months after the jejunostomy tube is removed, we will check blood levels:</a:t>
+            </a:r>
+          </a:p>
+          <a:p>
+            <a:pPr lvl="0"/>
+            <a:r>
+              <a:rPr/>
+              <a:t>Iron (ferritin)</a:t>
+            </a:r>
+          </a:p>
+          <a:p>
+            <a:pPr lvl="0"/>
+            <a:r>
+              <a:rPr/>
+              <a:t>Vitamin B12</a:t>
+            </a:r>
+          </a:p>
+          <a:p>
+            <a:pPr lvl="0"/>
+            <a:r>
+              <a:rPr/>
+              <a:t>Vitamin D</a:t>
             </a:r>
           </a:p>
         </p:txBody>
@@ -9012,7 +9017,7 @@
             </a:pPr>
             <a:r>
               <a:rPr/>
-              <a:t>Nutritional Monitoring after Surgery</a:t>
+              <a:t>Nutritional Replacements after Surgery</a:t>
             </a:r>
           </a:p>
         </p:txBody>
@@ -9037,28 +9042,51 @@
             </a:pPr>
             <a:r>
               <a:rPr/>
-              <a:t>You may have difficulty absorbing some nutrients:</a:t>
-            </a:r>
-          </a:p>
-          <a:p>
-            <a:pPr lvl="0"/>
-            <a:r>
-              <a:rPr/>
-              <a:t>Iron</a:t>
-            </a:r>
-          </a:p>
-          <a:p>
-            <a:pPr lvl="0"/>
-            <a:r>
-              <a:rPr/>
-              <a:t>Vitamin B12</a:t>
-            </a:r>
-          </a:p>
-          <a:p>
-            <a:pPr lvl="0"/>
-            <a:r>
-              <a:rPr/>
-              <a:t>Vitamin D</a:t>
+              <a:t>Vitamin or iron replacements can be ordered by:</a:t>
+            </a:r>
+          </a:p>
+          <a:p>
+            <a:pPr lvl="0"/>
+            <a:r>
+              <a:rPr/>
+              <a:t>Primary Care Provider (PCP)</a:t>
+            </a:r>
+          </a:p>
+          <a:p>
+            <a:pPr lvl="0"/>
+            <a:r>
+              <a:rPr/>
+              <a:t>Medical Oncologist</a:t>
+            </a:r>
+          </a:p>
+          <a:p>
+            <a:pPr lvl="0"/>
+            <a:r>
+              <a:rPr/>
+              <a:t>Surgeon</a:t>
+            </a:r>
+          </a:p>
+          <a:p>
+            <a:pPr lvl="0" indent="0" marL="0">
+              <a:buNone/>
+            </a:pPr>
+            <a:r>
+              <a:rPr/>
+              <a:t>If levels are low</a:t>
+            </a:r>
+          </a:p>
+          <a:p>
+            <a:pPr lvl="0"/>
+            <a:r>
+              <a:rPr/>
+              <a:t>Replacement</a:t>
+            </a:r>
+          </a:p>
+          <a:p>
+            <a:pPr lvl="0"/>
+            <a:r>
+              <a:rPr/>
+              <a:t>Repeat testing in 3-6 months</a:t>
             </a:r>
           </a:p>
         </p:txBody>
@@ -9110,7 +9138,7 @@
             </a:pPr>
             <a:r>
               <a:rPr/>
-              <a:t>Nutritional Monitoring after Surgery</a:t>
+              <a:t>Team Members - Physicians</a:t>
             </a:r>
           </a:p>
         </p:txBody>
@@ -9135,28 +9163,64 @@
             </a:pPr>
             <a:r>
               <a:rPr/>
-              <a:t>About 3 months after the jejunostomy tube is removed, we will check blood levels:</a:t>
-            </a:r>
-          </a:p>
-          <a:p>
-            <a:pPr lvl="0"/>
-            <a:r>
-              <a:rPr/>
-              <a:t>Iron (ferritin)</a:t>
-            </a:r>
-          </a:p>
-          <a:p>
-            <a:pPr lvl="0"/>
-            <a:r>
-              <a:rPr/>
-              <a:t>Vitamin B12</a:t>
-            </a:r>
-          </a:p>
-          <a:p>
-            <a:pPr lvl="0"/>
-            <a:r>
-              <a:rPr/>
-              <a:t>Vitamin D</a:t>
+              <a:t>Primary Care Provider</a:t>
+            </a:r>
+          </a:p>
+          <a:p>
+            <a:pPr lvl="0" indent="0" marL="0">
+              <a:buNone/>
+            </a:pPr>
+            <a:r>
+              <a:rPr/>
+              <a:t>Gastroenterologist</a:t>
+            </a:r>
+          </a:p>
+          <a:p>
+            <a:pPr lvl="0" indent="0" marL="0">
+              <a:buNone/>
+            </a:pPr>
+            <a:r>
+              <a:rPr/>
+              <a:t>Medical Oncologist (chemotherapy)</a:t>
+            </a:r>
+          </a:p>
+          <a:p>
+            <a:pPr lvl="0" indent="0" marL="0">
+              <a:buNone/>
+            </a:pPr>
+            <a:r>
+              <a:rPr/>
+              <a:t>Radiation Oncologist (radiation)</a:t>
+            </a:r>
+          </a:p>
+          <a:p>
+            <a:pPr lvl="0" indent="0" marL="0">
+              <a:buNone/>
+            </a:pPr>
+            <a:r>
+              <a:rPr/>
+              <a:t>Surgeons</a:t>
+            </a:r>
+          </a:p>
+          <a:p>
+            <a:pPr lvl="0"/>
+            <a:r>
+              <a:rPr/>
+              <a:t>Jonathan Salo</a:t>
+            </a:r>
+          </a:p>
+          <a:p>
+            <a:pPr lvl="0"/>
+            <a:r>
+              <a:rPr/>
+              <a:t>Jeffrey Hagen</a:t>
+            </a:r>
+          </a:p>
+          <a:p>
+            <a:pPr lvl="0"/>
+            <a:r>
+              <a:rPr/>
+              <a:t>Michael Roach</a:t>
             </a:r>
           </a:p>
         </p:txBody>
@@ -9208,7 +9272,7 @@
             </a:pPr>
             <a:r>
               <a:rPr/>
-              <a:t>Nutritional Replacements after Surgery</a:t>
+              <a:t>Team Members - Support Staff</a:t>
             </a:r>
           </a:p>
         </p:txBody>
@@ -9233,51 +9297,39 @@
             </a:pPr>
             <a:r>
               <a:rPr/>
-              <a:t>Vitamin or iron replacements can be ordered by:</a:t>
-            </a:r>
-          </a:p>
-          <a:p>
-            <a:pPr lvl="0"/>
-            <a:r>
-              <a:rPr/>
-              <a:t>Primary Care Provider (PCP)</a:t>
-            </a:r>
-          </a:p>
-          <a:p>
-            <a:pPr lvl="0"/>
-            <a:r>
-              <a:rPr/>
-              <a:t>Medical Oncologist</a:t>
-            </a:r>
-          </a:p>
-          <a:p>
-            <a:pPr lvl="0"/>
-            <a:r>
-              <a:rPr/>
-              <a:t>Surgeon</a:t>
-            </a:r>
-          </a:p>
-          <a:p>
-            <a:pPr lvl="0" indent="0" marL="0">
-              <a:buNone/>
-            </a:pPr>
-            <a:r>
-              <a:rPr/>
-              <a:t>If levels are low</a:t>
-            </a:r>
-          </a:p>
-          <a:p>
-            <a:pPr lvl="0"/>
-            <a:r>
-              <a:rPr/>
-              <a:t>Replacement</a:t>
-            </a:r>
-          </a:p>
-          <a:p>
-            <a:pPr lvl="0"/>
-            <a:r>
-              <a:rPr/>
-              <a:t>Repeat testing in 3-6 months</a:t>
+              <a:t>Dietitian - Liz Koch</a:t>
+            </a:r>
+          </a:p>
+          <a:p>
+            <a:pPr lvl="0" indent="0" marL="0">
+              <a:buNone/>
+            </a:pPr>
+            <a:r>
+              <a:rPr/>
+              <a:t>Nurses</a:t>
+            </a:r>
+          </a:p>
+          <a:p>
+            <a:pPr lvl="0"/>
+            <a:r>
+              <a:rPr/>
+              <a:t>Brandon Galloway</a:t>
+            </a:r>
+          </a:p>
+          <a:p>
+            <a:pPr lvl="0"/>
+            <a:r>
+              <a:rPr/>
+              <a:t>Rebecca Wicks</a:t>
+            </a:r>
+          </a:p>
+          <a:p>
+            <a:pPr lvl="0" indent="0" marL="0">
+              <a:buNone/>
+            </a:pPr>
+            <a:r>
+              <a:rPr/>
+              <a:t>Navigator - Laura Swift</a:t>
             </a:r>
           </a:p>
         </p:txBody>
@@ -9329,7 +9381,7 @@
             </a:pPr>
             <a:r>
               <a:rPr/>
-              <a:t>Team Members - Physicians</a:t>
+              <a:t>Day Prior to Surgery</a:t>
             </a:r>
           </a:p>
         </p:txBody>
@@ -9349,69 +9401,17 @@
           <a:bodyPr/>
           <a:lstStyle/>
           <a:p>
-            <a:pPr lvl="0" indent="0" marL="0">
-              <a:buNone/>
-            </a:pPr>
-            <a:r>
-              <a:rPr/>
-              <a:t>Primary Care Provider</a:t>
-            </a:r>
-          </a:p>
-          <a:p>
-            <a:pPr lvl="0" indent="0" marL="0">
-              <a:buNone/>
-            </a:pPr>
-            <a:r>
-              <a:rPr/>
-              <a:t>Gastroenterologist</a:t>
-            </a:r>
-          </a:p>
-          <a:p>
-            <a:pPr lvl="0" indent="0" marL="0">
-              <a:buNone/>
-            </a:pPr>
-            <a:r>
-              <a:rPr/>
-              <a:t>Medical Oncologist (chemotherapy)</a:t>
-            </a:r>
-          </a:p>
-          <a:p>
-            <a:pPr lvl="0" indent="0" marL="0">
-              <a:buNone/>
-            </a:pPr>
-            <a:r>
-              <a:rPr/>
-              <a:t>Radiation Oncologist (radiation)</a:t>
-            </a:r>
-          </a:p>
-          <a:p>
-            <a:pPr lvl="0" indent="0" marL="0">
-              <a:buNone/>
-            </a:pPr>
-            <a:r>
-              <a:rPr/>
-              <a:t>Surgeons</a:t>
-            </a:r>
-          </a:p>
-          <a:p>
-            <a:pPr lvl="0"/>
-            <a:r>
-              <a:rPr/>
-              <a:t>Jonathan Salo</a:t>
-            </a:r>
-          </a:p>
-          <a:p>
-            <a:pPr lvl="0"/>
-            <a:r>
-              <a:rPr/>
-              <a:t>Jeffrey Hagen</a:t>
-            </a:r>
-          </a:p>
-          <a:p>
-            <a:pPr lvl="0"/>
-            <a:r>
-              <a:rPr/>
-              <a:t>Michael Roach</a:t>
+            <a:pPr lvl="0"/>
+            <a:r>
+              <a:rPr/>
+              <a:t>Clear liquids for dinner evening prior</a:t>
+            </a:r>
+          </a:p>
+          <a:p>
+            <a:pPr lvl="0"/>
+            <a:r>
+              <a:rPr/>
+              <a:t>You will receive instructions regarding medicines</a:t>
             </a:r>
           </a:p>
         </p:txBody>
@@ -9463,7 +9463,7 @@
             </a:pPr>
             <a:r>
               <a:rPr/>
-              <a:t>Team Members - Support Staff</a:t>
+              <a:t>Day of Surgery</a:t>
             </a:r>
           </a:p>
         </p:txBody>
@@ -9488,39 +9488,37 @@
             </a:pPr>
             <a:r>
               <a:rPr/>
-              <a:t>Dietitian - Liz Koch</a:t>
-            </a:r>
-          </a:p>
-          <a:p>
-            <a:pPr lvl="0" indent="0" marL="0">
-              <a:buNone/>
-            </a:pPr>
-            <a:r>
-              <a:rPr/>
-              <a:t>Nurses</a:t>
-            </a:r>
-          </a:p>
-          <a:p>
-            <a:pPr lvl="0"/>
-            <a:r>
-              <a:rPr/>
-              <a:t>Brandon Galloway</a:t>
-            </a:r>
-          </a:p>
-          <a:p>
-            <a:pPr lvl="0"/>
-            <a:r>
-              <a:rPr/>
-              <a:t>Rebecca Wicks</a:t>
-            </a:r>
-          </a:p>
-          <a:p>
-            <a:pPr lvl="0" indent="0" marL="0">
-              <a:buNone/>
-            </a:pPr>
-            <a:r>
-              <a:rPr/>
-              <a:t>Navigator - Laura Swift</a:t>
+              <a:t>Unless instructed otherwise:</a:t>
+            </a:r>
+          </a:p>
+          <a:p>
+            <a:pPr lvl="0"/>
+            <a:r>
+              <a:rPr/>
+              <a:t>You will be notified regarding </a:t>
+            </a:r>
+            <a:r>
+              <a:rPr i="1"/>
+              <a:t>arrival</a:t>
+            </a:r>
+            <a:r>
+              <a:rPr/>
+              <a:t> time, which is usually 2-3 hours before the </a:t>
+            </a:r>
+            <a:r>
+              <a:rPr i="1"/>
+              <a:t>surgery</a:t>
+            </a:r>
+            <a:r>
+              <a:rPr/>
+              <a:t> time.</a:t>
+            </a:r>
+          </a:p>
+          <a:p>
+            <a:pPr lvl="0"/>
+            <a:r>
+              <a:rPr/>
+              <a:t>Nothing to eat or drink after midnight</a:t>
             </a:r>
           </a:p>
         </p:txBody>
@@ -9572,195 +9570,6 @@
             </a:pPr>
             <a:r>
               <a:rPr/>
-              <a:t>Day Prior to Surgery</a:t>
-            </a:r>
-          </a:p>
-        </p:txBody>
-      </p:sp>
-      <p:sp>
-        <p:nvSpPr>
-          <p:cNvPr id="3" name="Content Placeholder 2"/>
-          <p:cNvSpPr>
-            <a:spLocks noGrp="1"/>
-          </p:cNvSpPr>
-          <p:nvPr>
-            <p:ph idx="1"/>
-          </p:nvPr>
-        </p:nvSpPr>
-        <p:spPr/>
-        <p:txBody>
-          <a:bodyPr/>
-          <a:lstStyle/>
-          <a:p>
-            <a:pPr lvl="0"/>
-            <a:r>
-              <a:rPr/>
-              <a:t>Clear liquids for dinner evening prior</a:t>
-            </a:r>
-          </a:p>
-          <a:p>
-            <a:pPr lvl="0"/>
-            <a:r>
-              <a:rPr/>
-              <a:t>You will receive instructions regarding medicines</a:t>
-            </a:r>
-          </a:p>
-        </p:txBody>
-      </p:sp>
-    </p:spTree>
-  </p:cSld>
-</p:sld>
-</file>
-
-<file path=ppt/slides/slide58.xml><?xml version="1.0" encoding="utf-8"?>
-<p:sld xmlns:a="http://schemas.openxmlformats.org/drawingml/2006/main" xmlns:r="http://schemas.openxmlformats.org/officeDocument/2006/relationships" xmlns:p="http://schemas.openxmlformats.org/presentationml/2006/main">
-  <p:cSld>
-    <p:spTree>
-      <p:nvGrpSpPr>
-        <p:cNvPr id="1" name=""/>
-        <p:cNvGrpSpPr/>
-        <p:nvPr/>
-      </p:nvGrpSpPr>
-      <p:grpSpPr>
-        <a:xfrm>
-          <a:off x="0" y="0"/>
-          <a:ext cx="0" cy="0"/>
-          <a:chOff x="0" y="0"/>
-          <a:chExt cx="0" cy="0"/>
-        </a:xfrm>
-      </p:grpSpPr>
-      <p:sp>
-        <p:nvSpPr>
-          <p:cNvPr id="2" name="Title 1"/>
-          <p:cNvSpPr>
-            <a:spLocks noGrp="1"/>
-          </p:cNvSpPr>
-          <p:nvPr>
-            <p:ph type="title"/>
-          </p:nvPr>
-        </p:nvSpPr>
-        <p:spPr>
-          <a:xfrm>
-            <a:off x="284309" y="205979"/>
-            <a:ext cx="8552330" cy="662317"/>
-          </a:xfrm>
-        </p:spPr>
-        <p:txBody>
-          <a:bodyPr/>
-          <a:lstStyle/>
-          <a:p>
-            <a:pPr lvl="0" indent="0" marL="0">
-              <a:buNone/>
-            </a:pPr>
-            <a:r>
-              <a:rPr/>
-              <a:t>Day of Surgery</a:t>
-            </a:r>
-          </a:p>
-        </p:txBody>
-      </p:sp>
-      <p:sp>
-        <p:nvSpPr>
-          <p:cNvPr id="3" name="Content Placeholder 2"/>
-          <p:cNvSpPr>
-            <a:spLocks noGrp="1"/>
-          </p:cNvSpPr>
-          <p:nvPr>
-            <p:ph idx="1"/>
-          </p:nvPr>
-        </p:nvSpPr>
-        <p:spPr/>
-        <p:txBody>
-          <a:bodyPr/>
-          <a:lstStyle/>
-          <a:p>
-            <a:pPr lvl="0" indent="0" marL="0">
-              <a:buNone/>
-            </a:pPr>
-            <a:r>
-              <a:rPr/>
-              <a:t>Unless instructed otherwise:</a:t>
-            </a:r>
-          </a:p>
-          <a:p>
-            <a:pPr lvl="0"/>
-            <a:r>
-              <a:rPr/>
-              <a:t>You will be notified regarding </a:t>
-            </a:r>
-            <a:r>
-              <a:rPr i="1"/>
-              <a:t>arrival</a:t>
-            </a:r>
-            <a:r>
-              <a:rPr/>
-              <a:t> time, which is usually 2-3 hours before the </a:t>
-            </a:r>
-            <a:r>
-              <a:rPr i="1"/>
-              <a:t>surgery</a:t>
-            </a:r>
-            <a:r>
-              <a:rPr/>
-              <a:t> time.</a:t>
-            </a:r>
-          </a:p>
-          <a:p>
-            <a:pPr lvl="0"/>
-            <a:r>
-              <a:rPr/>
-              <a:t>Nothing to eat or drink after midnight</a:t>
-            </a:r>
-          </a:p>
-        </p:txBody>
-      </p:sp>
-    </p:spTree>
-  </p:cSld>
-</p:sld>
-</file>
-
-<file path=ppt/slides/slide59.xml><?xml version="1.0" encoding="utf-8"?>
-<p:sld xmlns:a="http://schemas.openxmlformats.org/drawingml/2006/main" xmlns:r="http://schemas.openxmlformats.org/officeDocument/2006/relationships" xmlns:p="http://schemas.openxmlformats.org/presentationml/2006/main">
-  <p:cSld>
-    <p:spTree>
-      <p:nvGrpSpPr>
-        <p:cNvPr id="1" name=""/>
-        <p:cNvGrpSpPr/>
-        <p:nvPr/>
-      </p:nvGrpSpPr>
-      <p:grpSpPr>
-        <a:xfrm>
-          <a:off x="0" y="0"/>
-          <a:ext cx="0" cy="0"/>
-          <a:chOff x="0" y="0"/>
-          <a:chExt cx="0" cy="0"/>
-        </a:xfrm>
-      </p:grpSpPr>
-      <p:sp>
-        <p:nvSpPr>
-          <p:cNvPr id="2" name="Title 1"/>
-          <p:cNvSpPr>
-            <a:spLocks noGrp="1"/>
-          </p:cNvSpPr>
-          <p:nvPr>
-            <p:ph type="title"/>
-          </p:nvPr>
-        </p:nvSpPr>
-        <p:spPr>
-          <a:xfrm>
-            <a:off x="284309" y="205979"/>
-            <a:ext cx="8552330" cy="662317"/>
-          </a:xfrm>
-        </p:spPr>
-        <p:txBody>
-          <a:bodyPr/>
-          <a:lstStyle/>
-          <a:p>
-            <a:pPr lvl="0" indent="0" marL="0">
-              <a:buNone/>
-            </a:pPr>
-            <a:r>
-              <a:rPr/>
               <a:t>Medicines the Day of Surgery</a:t>
             </a:r>
           </a:p>
@@ -9898,7 +9707,7 @@
       </p:sp>
       <p:pic>
         <p:nvPicPr>
-          <p:cNvPr descr="https://deidt7p41jzcy.cloudfront.net/Eso_IvorLewis_Anastomosis.png" id="0" name="Picture 1"/>
+          <p:cNvPr descr="images/Eso_IvorLewis_Anastomosis.png" id="0" name="Picture 1"/>
           <p:cNvPicPr>
             <a:picLocks noGrp="1" noChangeAspect="1"/>
           </p:cNvPicPr>
@@ -10035,7 +9844,7 @@
       </mc:AlternateContent>
       <p:pic>
         <p:nvPicPr>
-          <p:cNvPr descr="https://deidt7p41jzcy.cloudfront.net/MIE_IvorLewisArtboard.png" id="0" name="Picture 1"/>
+          <p:cNvPr descr="images/MIE_IvorLewisArtboard.png" id="0" name="Picture 1"/>
           <p:cNvPicPr>
             <a:picLocks noGrp="1" noChangeAspect="1"/>
           </p:cNvPicPr>
@@ -10151,7 +9960,7 @@
       </p:sp>
       <p:pic>
         <p:nvPicPr>
-          <p:cNvPr descr="https://deidt7p41jzcy.cloudfront.net/IvorLewisArtboard.png" id="0" name="Picture 1"/>
+          <p:cNvPr descr="images/IvorLewisArtboard.png" id="0" name="Picture 1"/>
           <p:cNvPicPr>
             <a:picLocks noGrp="1" noChangeAspect="1"/>
           </p:cNvPicPr>
@@ -10267,7 +10076,7 @@
       </p:sp>
       <p:pic>
         <p:nvPicPr>
-          <p:cNvPr descr="https://deidt7p41jzcy.cloudfront.net/Eso_ProxTumorArtboard.png" id="0" name="Picture 1"/>
+          <p:cNvPr descr="images/Eso_ProxTumorArtboard.png" id="0" name="Picture 1"/>
           <p:cNvPicPr>
             <a:picLocks noGrp="1" noChangeAspect="1"/>
           </p:cNvPicPr>

--- a/lci_esophagectomy.pptx
+++ b/lci_esophagectomy.pptx
@@ -62,6 +62,8 @@
     <p:sldId id="310" r:id="rId56"/>
     <p:sldId id="311" r:id="rId57"/>
     <p:sldId id="312" r:id="rId58"/>
+    <p:sldId id="313" r:id="rId59"/>
+    <p:sldId id="314" r:id="rId60"/>
   </p:sldIdLst>
   <p:sldSz cx="9144000" cy="5143500" type="screen16x9"/>
   <p:notesSz cx="6858000" cy="9144000"/>
@@ -9206,21 +9208,21 @@
             <a:pPr lvl="0"/>
             <a:r>
               <a:rPr/>
-              <a:t>Jonathan Salo</a:t>
-            </a:r>
-          </a:p>
-          <a:p>
-            <a:pPr lvl="0"/>
-            <a:r>
-              <a:rPr/>
-              <a:t>Jeffrey Hagen</a:t>
-            </a:r>
-          </a:p>
-          <a:p>
-            <a:pPr lvl="0"/>
-            <a:r>
-              <a:rPr/>
-              <a:t>Michael Roach</a:t>
+              <a:t>Jonathan Salo MD</a:t>
+            </a:r>
+          </a:p>
+          <a:p>
+            <a:pPr lvl="0"/>
+            <a:r>
+              <a:rPr/>
+              <a:t>Jeffrey Hagen MD</a:t>
+            </a:r>
+          </a:p>
+          <a:p>
+            <a:pPr lvl="0"/>
+            <a:r>
+              <a:rPr/>
+              <a:t>Michael Roach MD</a:t>
             </a:r>
           </a:p>
         </p:txBody>
@@ -9313,14 +9315,14 @@
             <a:pPr lvl="0"/>
             <a:r>
               <a:rPr/>
-              <a:t>Brandon Galloway</a:t>
-            </a:r>
-          </a:p>
-          <a:p>
-            <a:pPr lvl="0"/>
-            <a:r>
-              <a:rPr/>
-              <a:t>Rebecca Wicks</a:t>
+              <a:t>Matthew Carpenter RN</a:t>
+            </a:r>
+          </a:p>
+          <a:p>
+            <a:pPr lvl="0"/>
+            <a:r>
+              <a:rPr/>
+              <a:t>Brandon Galloway LPN</a:t>
             </a:r>
           </a:p>
           <a:p>
@@ -9616,6 +9618,249 @@
             <a:r>
               <a:rPr/>
               <a:t>Surgery will be cancelled for milk/cream</a:t>
+            </a:r>
+          </a:p>
+        </p:txBody>
+      </p:sp>
+    </p:spTree>
+  </p:cSld>
+</p:sld>
+</file>
+
+<file path=ppt/slides/slide58.xml><?xml version="1.0" encoding="utf-8"?>
+<p:sld xmlns:a="http://schemas.openxmlformats.org/drawingml/2006/main" xmlns:r="http://schemas.openxmlformats.org/officeDocument/2006/relationships" xmlns:p="http://schemas.openxmlformats.org/presentationml/2006/main">
+  <p:cSld>
+    <p:spTree>
+      <p:nvGrpSpPr>
+        <p:cNvPr id="1" name=""/>
+        <p:cNvGrpSpPr/>
+        <p:nvPr/>
+      </p:nvGrpSpPr>
+      <p:grpSpPr>
+        <a:xfrm>
+          <a:off x="0" y="0"/>
+          <a:ext cx="0" cy="0"/>
+          <a:chOff x="0" y="0"/>
+          <a:chExt cx="0" cy="0"/>
+        </a:xfrm>
+      </p:grpSpPr>
+      <p:sp>
+        <p:nvSpPr>
+          <p:cNvPr id="2" name="Title 1"/>
+          <p:cNvSpPr>
+            <a:spLocks noGrp="1"/>
+          </p:cNvSpPr>
+          <p:nvPr>
+            <p:ph type="title"/>
+          </p:nvPr>
+        </p:nvSpPr>
+        <p:spPr>
+          <a:xfrm>
+            <a:off x="284309" y="205979"/>
+            <a:ext cx="8552330" cy="662317"/>
+          </a:xfrm>
+        </p:spPr>
+        <p:txBody>
+          <a:bodyPr/>
+          <a:lstStyle/>
+          <a:p>
+            <a:pPr lvl="0" indent="0" marL="0">
+              <a:buNone/>
+            </a:pPr>
+            <a:r>
+              <a:rPr/>
+              <a:t>Team Members - Physicians</a:t>
+            </a:r>
+          </a:p>
+        </p:txBody>
+      </p:sp>
+      <p:sp>
+        <p:nvSpPr>
+          <p:cNvPr id="3" name="Content Placeholder 2"/>
+          <p:cNvSpPr>
+            <a:spLocks noGrp="1"/>
+          </p:cNvSpPr>
+          <p:nvPr>
+            <p:ph idx="1"/>
+          </p:nvPr>
+        </p:nvSpPr>
+        <p:spPr/>
+        <p:txBody>
+          <a:bodyPr/>
+          <a:lstStyle/>
+          <a:p>
+            <a:pPr lvl="0" indent="0" marL="0">
+              <a:buNone/>
+            </a:pPr>
+            <a:r>
+              <a:rPr/>
+              <a:t>Primary Care Provider</a:t>
+            </a:r>
+          </a:p>
+          <a:p>
+            <a:pPr lvl="0" indent="0" marL="0">
+              <a:buNone/>
+            </a:pPr>
+            <a:r>
+              <a:rPr/>
+              <a:t>Gastroenterologist</a:t>
+            </a:r>
+          </a:p>
+          <a:p>
+            <a:pPr lvl="0" indent="0" marL="0">
+              <a:buNone/>
+            </a:pPr>
+            <a:r>
+              <a:rPr/>
+              <a:t>Medical Oncologist (chemotherapy)</a:t>
+            </a:r>
+          </a:p>
+          <a:p>
+            <a:pPr lvl="0" indent="0" marL="0">
+              <a:buNone/>
+            </a:pPr>
+            <a:r>
+              <a:rPr/>
+              <a:t>Radiation Oncologist (radiation)</a:t>
+            </a:r>
+          </a:p>
+          <a:p>
+            <a:pPr lvl="0" indent="0" marL="0">
+              <a:buNone/>
+            </a:pPr>
+            <a:r>
+              <a:rPr/>
+              <a:t>Surgeons</a:t>
+            </a:r>
+          </a:p>
+          <a:p>
+            <a:pPr lvl="0"/>
+            <a:r>
+              <a:rPr/>
+              <a:t>Jonathan Salo MD</a:t>
+            </a:r>
+          </a:p>
+          <a:p>
+            <a:pPr lvl="0"/>
+            <a:r>
+              <a:rPr/>
+              <a:t>Jeffrey Hagen MD</a:t>
+            </a:r>
+          </a:p>
+          <a:p>
+            <a:pPr lvl="0"/>
+            <a:r>
+              <a:rPr/>
+              <a:t>Michael Roach MD</a:t>
+            </a:r>
+          </a:p>
+        </p:txBody>
+      </p:sp>
+    </p:spTree>
+  </p:cSld>
+</p:sld>
+</file>
+
+<file path=ppt/slides/slide59.xml><?xml version="1.0" encoding="utf-8"?>
+<p:sld xmlns:a="http://schemas.openxmlformats.org/drawingml/2006/main" xmlns:r="http://schemas.openxmlformats.org/officeDocument/2006/relationships" xmlns:p="http://schemas.openxmlformats.org/presentationml/2006/main">
+  <p:cSld>
+    <p:spTree>
+      <p:nvGrpSpPr>
+        <p:cNvPr id="1" name=""/>
+        <p:cNvGrpSpPr/>
+        <p:nvPr/>
+      </p:nvGrpSpPr>
+      <p:grpSpPr>
+        <a:xfrm>
+          <a:off x="0" y="0"/>
+          <a:ext cx="0" cy="0"/>
+          <a:chOff x="0" y="0"/>
+          <a:chExt cx="0" cy="0"/>
+        </a:xfrm>
+      </p:grpSpPr>
+      <p:sp>
+        <p:nvSpPr>
+          <p:cNvPr id="2" name="Title 1"/>
+          <p:cNvSpPr>
+            <a:spLocks noGrp="1"/>
+          </p:cNvSpPr>
+          <p:nvPr>
+            <p:ph type="title"/>
+          </p:nvPr>
+        </p:nvSpPr>
+        <p:spPr>
+          <a:xfrm>
+            <a:off x="284309" y="205979"/>
+            <a:ext cx="8552330" cy="662317"/>
+          </a:xfrm>
+        </p:spPr>
+        <p:txBody>
+          <a:bodyPr/>
+          <a:lstStyle/>
+          <a:p>
+            <a:pPr lvl="0" indent="0" marL="0">
+              <a:buNone/>
+            </a:pPr>
+            <a:r>
+              <a:rPr/>
+              <a:t>Team Members - Support Staff</a:t>
+            </a:r>
+          </a:p>
+        </p:txBody>
+      </p:sp>
+      <p:sp>
+        <p:nvSpPr>
+          <p:cNvPr id="3" name="Content Placeholder 2"/>
+          <p:cNvSpPr>
+            <a:spLocks noGrp="1"/>
+          </p:cNvSpPr>
+          <p:nvPr>
+            <p:ph idx="1"/>
+          </p:nvPr>
+        </p:nvSpPr>
+        <p:spPr/>
+        <p:txBody>
+          <a:bodyPr/>
+          <a:lstStyle/>
+          <a:p>
+            <a:pPr lvl="0" indent="0" marL="0">
+              <a:buNone/>
+            </a:pPr>
+            <a:r>
+              <a:rPr/>
+              <a:t>Dietitian - Liz Koch</a:t>
+            </a:r>
+          </a:p>
+          <a:p>
+            <a:pPr lvl="0" indent="0" marL="0">
+              <a:buNone/>
+            </a:pPr>
+            <a:r>
+              <a:rPr/>
+              <a:t>Nurses</a:t>
+            </a:r>
+          </a:p>
+          <a:p>
+            <a:pPr lvl="0"/>
+            <a:r>
+              <a:rPr/>
+              <a:t>Matthew Carpenter RN</a:t>
+            </a:r>
+          </a:p>
+          <a:p>
+            <a:pPr lvl="0"/>
+            <a:r>
+              <a:rPr/>
+              <a:t>Brandon Galloway LPN</a:t>
+            </a:r>
+          </a:p>
+          <a:p>
+            <a:pPr lvl="0" indent="0" marL="0">
+              <a:buNone/>
+            </a:pPr>
+            <a:r>
+              <a:rPr/>
+              <a:t>Navigator - Laura Swift</a:t>
             </a:r>
           </a:p>
         </p:txBody>
